--- a/final_presentation/finalPpt1.1.pptx
+++ b/final_presentation/finalPpt1.1.pptx
@@ -8292,10 +8292,18 @@
           <a:p>
             <a:r>
               <a:rPr lang="de-DE" dirty="0"/>
-              <a:t>Yadhunandana Rajathadripura Kumaraiah (</a:t>
-            </a:r>
-            <a:r>
-              <a:rPr lang="de-DE" dirty="0" err="1" smtClean="0"/>
+              <a:t>Yadhunandana </a:t>
+            </a:r>
+            <a:r>
+              <a:rPr lang="de-DE" dirty="0" smtClean="0"/>
+              <a:t>Kumaraiah </a:t>
+            </a:r>
+            <a:r>
+              <a:rPr lang="de-DE" dirty="0"/>
+              <a:t>(</a:t>
+            </a:r>
+            <a:r>
+              <a:rPr lang="de-DE" dirty="0" smtClean="0"/>
               <a:t>Yadhu</a:t>
             </a:r>
             <a:r>
@@ -8324,7 +8332,7 @@
           <a:p>
             <a:r>
               <a:rPr lang="en-US" dirty="0" smtClean="0"/>
-              <a:t>Fabian Steiner, Peihong Yuan </a:t>
+              <a:t>Fabian Steiner, Peihong Yuan (TUM)</a:t>
             </a:r>
           </a:p>
           <a:p>
@@ -8381,7 +8389,7 @@
       </p:sp>
       <p:sp>
         <p:nvSpPr>
-          <p:cNvPr id="621" name="RS_Classification_Standard"/>
+          <p:cNvPr id="668" name="RS_Classification_Standard"/>
           <p:cNvSpPr txBox="1"/>
           <p:nvPr/>
         </p:nvSpPr>
@@ -8688,7 +8696,7 @@
       </p:pic>
       <p:sp>
         <p:nvSpPr>
-          <p:cNvPr id="591" name="RS_Classification_Standard"/>
+          <p:cNvPr id="638" name="RS_Classification_Standard"/>
           <p:cNvSpPr txBox="1"/>
           <p:nvPr/>
         </p:nvSpPr>
@@ -9003,7 +9011,7 @@
       </p:sp>
       <p:sp>
         <p:nvSpPr>
-          <p:cNvPr id="623" name="RS_Classification_Standard"/>
+          <p:cNvPr id="670" name="RS_Classification_Standard"/>
           <p:cNvSpPr txBox="1"/>
           <p:nvPr/>
         </p:nvSpPr>
@@ -9495,7 +9503,7 @@
       </p:pic>
       <p:sp>
         <p:nvSpPr>
-          <p:cNvPr id="591" name="RS_Classification_Standard"/>
+          <p:cNvPr id="638" name="RS_Classification_Standard"/>
           <p:cNvSpPr txBox="1"/>
           <p:nvPr/>
         </p:nvSpPr>
@@ -9843,7 +9851,7 @@
       </p:pic>
       <p:sp>
         <p:nvSpPr>
-          <p:cNvPr id="653" name="RS_Classification_Standard"/>
+          <p:cNvPr id="700" name="RS_Classification_Standard"/>
           <p:cNvSpPr txBox="1"/>
           <p:nvPr/>
         </p:nvSpPr>
@@ -9943,6 +9951,17 @@
                   <a:buChar char="•"/>
                 </a:pPr>
                 <a:r>
+                  <a:rPr lang="en-US" dirty="0" smtClean="0">
+                    <a:solidFill>
+                      <a:schemeClr val="bg2"/>
+                    </a:solidFill>
+                    <a:latin typeface="+mj-lt"/>
+                    <a:ea typeface="+mj-ea"/>
+                    <a:cs typeface="+mj-cs"/>
+                  </a:rPr>
+                  <a:t>Avoid </a:t>
+                </a:r>
+                <a:r>
                   <a:rPr lang="en-US" dirty="0">
                     <a:solidFill>
                       <a:schemeClr val="bg2"/>
@@ -9951,7 +9970,7 @@
                     <a:ea typeface="+mj-ea"/>
                     <a:cs typeface="+mj-cs"/>
                   </a:rPr>
-                  <a:t>Avoiding superfluous copying: </a:t>
+                  <a:t>superfluous copying: </a:t>
                 </a:r>
                 <a:endParaRPr lang="en-US" dirty="0" smtClean="0">
                   <a:solidFill>
@@ -10884,7 +10903,7 @@
                 <a:endParaRPr lang="en-US" dirty="0"/>
               </a:p>
               <a:p>
-                <a:endParaRPr lang="en-US" dirty="0"/>
+                <a:endParaRPr lang="en-US" dirty="0" smtClean="0"/>
               </a:p>
               <a:p>
                 <a:pPr marL="285750" indent="-285750">
@@ -10892,8 +10911,23 @@
                   <a:buChar char="•"/>
                 </a:pPr>
                 <a:r>
+                  <a:rPr lang="en-US" dirty="0" smtClean="0">
+                    <a:solidFill>
+                      <a:schemeClr val="bg2"/>
+                    </a:solidFill>
+                  </a:rPr>
+                  <a:t>Exploit data parallelism: </a:t>
+                </a:r>
+                <a:endParaRPr lang="en-US" dirty="0"/>
+              </a:p>
+              <a:p>
+                <a:pPr marL="461963" lvl="1" indent="-285750">
+                  <a:buFont typeface="Arial" panose="020B0604020202020204" pitchFamily="34" charset="0"/>
+                  <a:buChar char="•"/>
+                </a:pPr>
+                <a:r>
                   <a:rPr lang="en-US" dirty="0" smtClean="0"/>
-                  <a:t>Plain </a:t>
+                  <a:t>Naive </a:t>
                 </a:r>
                 <a:r>
                   <a:rPr lang="en-US" dirty="0"/>
@@ -10913,16 +10947,16 @@
                 </a:r>
                 <a:r>
                   <a:rPr lang="en-US" dirty="0"/>
-                  <a:t>bit processed </a:t>
+                  <a:t>bit </a:t>
                 </a:r>
                 <a:r>
                   <a:rPr lang="en-US" dirty="0" smtClean="0"/>
-                  <a:t>sequentially.</a:t>
+                  <a:t>is processed sequentially.</a:t>
                 </a:r>
                 <a:endParaRPr lang="en-US" dirty="0"/>
               </a:p>
               <a:p>
-                <a:pPr marL="285750" indent="-285750">
+                <a:pPr marL="461963" lvl="1" indent="-285750">
                   <a:buFont typeface="Arial" panose="020B0604020202020204" pitchFamily="34" charset="0"/>
                   <a:buChar char="•"/>
                 </a:pPr>
@@ -10940,7 +10974,7 @@
                 </a:r>
               </a:p>
               <a:p>
-                <a:pPr marL="285750" indent="-285750">
+                <a:pPr marL="461963" lvl="1" indent="-285750">
                   <a:buFont typeface="Arial" panose="020B0604020202020204" pitchFamily="34" charset="0"/>
                   <a:buChar char="•"/>
                 </a:pPr>
@@ -10958,20 +10992,32 @@
                 </a:r>
               </a:p>
               <a:p>
-                <a:pPr marL="285750" indent="-285750">
+                <a:pPr marL="461963" lvl="1" indent="-285750">
                   <a:buFont typeface="Arial" panose="020B0604020202020204" pitchFamily="34" charset="0"/>
                   <a:buChar char="•"/>
                 </a:pPr>
                 <a:endParaRPr lang="en-US" dirty="0"/>
               </a:p>
               <a:p>
-                <a:pPr marL="285750" indent="-285750">
+                <a:pPr marL="461963" lvl="1" indent="-285750">
                   <a:buFont typeface="Arial" panose="020B0604020202020204" pitchFamily="34" charset="0"/>
                   <a:buChar char="•"/>
                 </a:pPr>
                 <a:r>
+                  <a:rPr lang="en-US" dirty="0" smtClean="0"/>
+                  <a:t>Processors with </a:t>
+                </a:r>
+                <a:r>
+                  <a:rPr lang="en-US" dirty="0" smtClean="0"/>
+                  <a:t>SIMD </a:t>
+                </a:r>
+                <a:r>
+                  <a:rPr lang="en-US" dirty="0" smtClean="0"/>
+                  <a:t>have </a:t>
+                </a:r>
+                <a:r>
                   <a:rPr lang="en-US" dirty="0"/>
-                  <a:t>SIMD processors have register size of 256 bits therefore 256 bits can be processed in a single instruction</a:t>
+                  <a:t>register size of 256 bits therefore 256 bits can be processed in a single instruction</a:t>
                 </a:r>
                 <a:r>
                   <a:rPr lang="en-US" dirty="0" smtClean="0"/>
@@ -11028,7 +11074,7 @@
               <a:blipFill>
                 <a:blip r:embed="rId3"/>
                 <a:stretch>
-                  <a:fillRect l="-1361" t="-1054" r="-1289"/>
+                  <a:fillRect l="-1361" t="-1054" r="-1003"/>
                 </a:stretch>
               </a:blipFill>
             </p:spPr>
@@ -11097,219 +11143,21 @@
                   <a:schemeClr val="bg2"/>
                 </a:solidFill>
               </a:rPr>
-              <a:t>Optimization of Polar Encoding</a:t>
-            </a:r>
-          </a:p>
-        </p:txBody>
-      </p:sp>
-      <p:sp>
-        <p:nvSpPr>
-          <p:cNvPr id="464" name="Content Placeholder 1"/>
-          <p:cNvSpPr txBox="1">
-            <a:spLocks/>
-          </p:cNvSpPr>
-          <p:nvPr/>
-        </p:nvSpPr>
-        <p:spPr>
-          <a:xfrm>
-            <a:off x="881279" y="5248096"/>
-            <a:ext cx="8508999" cy="5052158"/>
-          </a:xfrm>
-          <a:prstGeom prst="rect">
-            <a:avLst/>
-          </a:prstGeom>
-          <a:noFill/>
-          <a:ln w="9525">
-            <a:noFill/>
-            <a:miter lim="800000"/>
-            <a:headEnd/>
-            <a:tailEnd/>
-          </a:ln>
-        </p:spPr>
-        <p:txBody>
-          <a:bodyPr vert="horz" wrap="square" lIns="0" tIns="0" rIns="0" bIns="0" numCol="1" anchor="t" anchorCtr="0" compatLnSpc="1">
-            <a:prstTxWarp prst="textNoShape">
-              <a:avLst/>
-            </a:prstTxWarp>
-          </a:bodyPr>
-          <a:lstStyle>
-            <a:lvl1pPr algn="l" rtl="0" eaLnBrk="0" fontAlgn="base" hangingPunct="0">
-              <a:lnSpc>
-                <a:spcPct val="114000"/>
-              </a:lnSpc>
-              <a:spcBef>
-                <a:spcPct val="0"/>
-              </a:spcBef>
-              <a:spcAft>
-                <a:spcPct val="0"/>
-              </a:spcAft>
-              <a:defRPr lang="de-DE" sz="1600" kern="1200" noProof="0" dirty="0" smtClean="0">
+              <a:t>Optimization of Polar </a:t>
+            </a:r>
+            <a:r>
+              <a:rPr lang="en-US" dirty="0" smtClean="0">
                 <a:solidFill>
-                  <a:schemeClr val="tx1"/>
+                  <a:schemeClr val="bg2"/>
                 </a:solidFill>
-                <a:latin typeface="+mn-lt"/>
-                <a:ea typeface="+mn-ea"/>
-                <a:cs typeface="+mn-cs"/>
-              </a:defRPr>
-            </a:lvl1pPr>
-            <a:lvl2pPr marL="176213" indent="-176213" algn="l" rtl="0" eaLnBrk="0" fontAlgn="base" hangingPunct="0">
-              <a:lnSpc>
-                <a:spcPct val="114000"/>
-              </a:lnSpc>
-              <a:spcBef>
-                <a:spcPct val="0"/>
-              </a:spcBef>
-              <a:spcAft>
-                <a:spcPct val="0"/>
-              </a:spcAft>
-              <a:buFont typeface="Arial" charset="0"/>
-              <a:buChar char="•"/>
-              <a:defRPr lang="de-DE" sz="1600" kern="1200" noProof="0" dirty="0" smtClean="0">
-                <a:solidFill>
-                  <a:schemeClr val="tx1"/>
-                </a:solidFill>
-                <a:latin typeface="+mn-lt"/>
-                <a:ea typeface="+mn-ea"/>
-                <a:cs typeface="+mn-cs"/>
-              </a:defRPr>
-            </a:lvl2pPr>
-            <a:lvl3pPr marL="360363" indent="-184150" algn="l" rtl="0" eaLnBrk="0" fontAlgn="base" hangingPunct="0">
-              <a:lnSpc>
-                <a:spcPct val="125000"/>
-              </a:lnSpc>
-              <a:spcBef>
-                <a:spcPct val="0"/>
-              </a:spcBef>
-              <a:spcAft>
-                <a:spcPct val="0"/>
-              </a:spcAft>
-              <a:buFont typeface="Symbol" pitchFamily="18" charset="2"/>
-              <a:buChar char="-"/>
-              <a:defRPr sz="1600" kern="1200">
-                <a:solidFill>
-                  <a:schemeClr val="tx1"/>
-                </a:solidFill>
-                <a:latin typeface="+mn-lt"/>
-                <a:ea typeface="+mn-ea"/>
-                <a:cs typeface="+mn-cs"/>
-              </a:defRPr>
-            </a:lvl3pPr>
-            <a:lvl4pPr marL="538163" indent="-177800" algn="l" rtl="0" eaLnBrk="0" fontAlgn="base" hangingPunct="0">
-              <a:lnSpc>
-                <a:spcPct val="125000"/>
-              </a:lnSpc>
-              <a:spcBef>
-                <a:spcPct val="0"/>
-              </a:spcBef>
-              <a:spcAft>
-                <a:spcPct val="0"/>
-              </a:spcAft>
-              <a:buFont typeface="Symbol" pitchFamily="18" charset="2"/>
-              <a:buChar char="-"/>
-              <a:defRPr sz="1400" kern="1200">
-                <a:solidFill>
-                  <a:schemeClr val="tx1"/>
-                </a:solidFill>
-                <a:latin typeface="+mn-lt"/>
-                <a:ea typeface="+mn-ea"/>
-                <a:cs typeface="+mn-cs"/>
-              </a:defRPr>
-            </a:lvl4pPr>
-            <a:lvl5pPr marL="714375" indent="-176213" algn="l" rtl="0" eaLnBrk="0" fontAlgn="base" hangingPunct="0">
-              <a:lnSpc>
-                <a:spcPct val="125000"/>
-              </a:lnSpc>
-              <a:spcBef>
-                <a:spcPct val="0"/>
-              </a:spcBef>
-              <a:spcAft>
-                <a:spcPct val="0"/>
-              </a:spcAft>
-              <a:buFont typeface="Symbol" pitchFamily="18" charset="2"/>
-              <a:buChar char="-"/>
-              <a:defRPr sz="1400" kern="1200">
-                <a:solidFill>
-                  <a:schemeClr val="tx1"/>
-                </a:solidFill>
-                <a:latin typeface="+mn-lt"/>
-                <a:ea typeface="+mn-ea"/>
-                <a:cs typeface="+mn-cs"/>
-              </a:defRPr>
-            </a:lvl5pPr>
-            <a:lvl6pPr marL="2514600" indent="-228600" algn="l" defTabSz="914400" rtl="0" eaLnBrk="1" latinLnBrk="0" hangingPunct="1">
-              <a:spcBef>
-                <a:spcPct val="20000"/>
-              </a:spcBef>
-              <a:buFont typeface="Arial" pitchFamily="34" charset="0"/>
-              <a:buChar char="•"/>
-              <a:defRPr sz="2000" kern="1200">
-                <a:solidFill>
-                  <a:schemeClr val="tx1"/>
-                </a:solidFill>
-                <a:latin typeface="+mn-lt"/>
-                <a:ea typeface="+mn-ea"/>
-                <a:cs typeface="+mn-cs"/>
-              </a:defRPr>
-            </a:lvl6pPr>
-            <a:lvl7pPr marL="2971800" indent="-228600" algn="l" defTabSz="914400" rtl="0" eaLnBrk="1" latinLnBrk="0" hangingPunct="1">
-              <a:spcBef>
-                <a:spcPct val="20000"/>
-              </a:spcBef>
-              <a:buFont typeface="Arial" pitchFamily="34" charset="0"/>
-              <a:buChar char="•"/>
-              <a:defRPr sz="2000" kern="1200">
-                <a:solidFill>
-                  <a:schemeClr val="tx1"/>
-                </a:solidFill>
-                <a:latin typeface="+mn-lt"/>
-                <a:ea typeface="+mn-ea"/>
-                <a:cs typeface="+mn-cs"/>
-              </a:defRPr>
-            </a:lvl7pPr>
-            <a:lvl8pPr marL="3429000" indent="-228600" algn="l" defTabSz="914400" rtl="0" eaLnBrk="1" latinLnBrk="0" hangingPunct="1">
-              <a:spcBef>
-                <a:spcPct val="20000"/>
-              </a:spcBef>
-              <a:buFont typeface="Arial" pitchFamily="34" charset="0"/>
-              <a:buChar char="•"/>
-              <a:defRPr sz="2000" kern="1200">
-                <a:solidFill>
-                  <a:schemeClr val="tx1"/>
-                </a:solidFill>
-                <a:latin typeface="+mn-lt"/>
-                <a:ea typeface="+mn-ea"/>
-                <a:cs typeface="+mn-cs"/>
-              </a:defRPr>
-            </a:lvl8pPr>
-            <a:lvl9pPr marL="3886200" indent="-228600" algn="l" defTabSz="914400" rtl="0" eaLnBrk="1" latinLnBrk="0" hangingPunct="1">
-              <a:spcBef>
-                <a:spcPct val="20000"/>
-              </a:spcBef>
-              <a:buFont typeface="Arial" pitchFamily="34" charset="0"/>
-              <a:buChar char="•"/>
-              <a:defRPr sz="2000" kern="1200">
-                <a:solidFill>
-                  <a:schemeClr val="tx1"/>
-                </a:solidFill>
-                <a:latin typeface="+mn-lt"/>
-                <a:ea typeface="+mn-ea"/>
-                <a:cs typeface="+mn-cs"/>
-              </a:defRPr>
-            </a:lvl9pPr>
-          </a:lstStyle>
-          <a:p>
+              </a:rPr>
+              <a:t>Encoder</a:t>
+            </a:r>
             <a:endParaRPr lang="en-US" dirty="0">
               <a:solidFill>
-                <a:prstClr val="black"/>
+                <a:schemeClr val="bg2"/>
               </a:solidFill>
             </a:endParaRPr>
-          </a:p>
-          <a:p>
-            <a:pPr lvl="3" indent="0">
-              <a:buFont typeface="Symbol" pitchFamily="18" charset="2"/>
-              <a:buNone/>
-            </a:pPr>
-            <a:endParaRPr lang="en-US" dirty="0"/>
           </a:p>
         </p:txBody>
       </p:sp>
@@ -11345,7 +11193,7 @@
       </p:pic>
       <p:sp>
         <p:nvSpPr>
-          <p:cNvPr id="622" name="RS_Classification_Standard"/>
+          <p:cNvPr id="669" name="RS_Classification_Standard"/>
           <p:cNvSpPr txBox="1"/>
           <p:nvPr/>
         </p:nvSpPr>
@@ -15642,7 +15490,7 @@
               <a:rPr lang="en-US" sz="1600" dirty="0" smtClean="0">
                 <a:latin typeface="+mn-lt"/>
               </a:rPr>
-              <a:t>Packing/Unpacking needs to be performed very efficiently.</a:t>
+              <a:t>Packing/Unpacking need to be performed very efficiently.</a:t>
             </a:r>
           </a:p>
           <a:p>
@@ -15673,7 +15521,7 @@
       </p:sp>
       <p:sp>
         <p:nvSpPr>
-          <p:cNvPr id="630" name="RS_Classification_Standard"/>
+          <p:cNvPr id="677" name="RS_Classification_Standard"/>
           <p:cNvSpPr txBox="1"/>
           <p:nvPr/>
         </p:nvSpPr>
@@ -15748,21 +15596,21 @@
       </p:grpSpPr>
       <p:grpSp>
         <p:nvGrpSpPr>
-          <p:cNvPr id="610" name="Group 609"/>
+          <p:cNvPr id="671" name="Group 670"/>
           <p:cNvGrpSpPr/>
           <p:nvPr/>
         </p:nvGrpSpPr>
         <p:grpSpPr>
           <a:xfrm>
-            <a:off x="3461736" y="3691910"/>
-            <a:ext cx="5163943" cy="2999495"/>
-            <a:chOff x="594178" y="2326610"/>
-            <a:chExt cx="7357150" cy="4213206"/>
+            <a:off x="2406700" y="3606395"/>
+            <a:ext cx="5325465" cy="3078742"/>
+            <a:chOff x="4090941" y="3868039"/>
+            <a:chExt cx="5053059" cy="2737587"/>
           </a:xfrm>
         </p:grpSpPr>
         <p:pic>
           <p:nvPicPr>
-            <p:cNvPr id="611" name="Picture 610"/>
+            <p:cNvPr id="653" name="Picture 652"/>
             <p:cNvPicPr>
               <a:picLocks noChangeAspect="1"/>
             </p:cNvPicPr>
@@ -15782,8 +15630,8 @@
           </p:blipFill>
           <p:spPr>
             <a:xfrm>
-              <a:off x="594178" y="2326610"/>
-              <a:ext cx="7357150" cy="4213206"/>
+              <a:off x="4090941" y="3868039"/>
+              <a:ext cx="5053059" cy="2737587"/>
             </a:xfrm>
             <a:prstGeom prst="rect">
               <a:avLst/>
@@ -15798,8 +15646,8 @@
           </p:nvSpPr>
           <p:spPr>
             <a:xfrm>
-              <a:off x="929555" y="2647335"/>
-              <a:ext cx="6686397" cy="3571757"/>
+              <a:off x="4296902" y="3930483"/>
+              <a:ext cx="4693145" cy="2542830"/>
             </a:xfrm>
             <a:custGeom>
               <a:avLst/>
@@ -16405,7 +16253,7 @@
       </p:sp>
       <p:sp>
         <p:nvSpPr>
-          <p:cNvPr id="623" name="RS_Classification_Standard"/>
+          <p:cNvPr id="672" name="RS_Classification_Standard"/>
           <p:cNvSpPr txBox="1"/>
           <p:nvPr/>
         </p:nvSpPr>
@@ -16520,10 +16368,13 @@
                     </m:r>
                   </m:oMath>
                 </a14:m>
-                <a:endParaRPr lang="en-US" dirty="0"/>
+                <a:endParaRPr lang="en-US" dirty="0" smtClean="0"/>
               </a:p>
               <a:p>
-                <a:endParaRPr lang="en-US" dirty="0"/>
+                <a:endParaRPr lang="en-US" dirty="0" smtClean="0"/>
+              </a:p>
+              <a:p>
+                <a:endParaRPr lang="en-US" b="1" dirty="0" smtClean="0"/>
               </a:p>
               <a:p>
                 <a:endParaRPr lang="en-US" b="1" dirty="0"/>
@@ -16532,16 +16383,6 @@
                 <a:endParaRPr lang="en-US" b="1" dirty="0"/>
               </a:p>
               <a:p>
-                <a:endParaRPr lang="en-US" b="1" dirty="0"/>
-              </a:p>
-              <a:p>
-                <a:endParaRPr lang="en-US" b="1" dirty="0"/>
-              </a:p>
-              <a:p>
-                <a:r>
-                  <a:rPr lang="en-US" b="1" dirty="0" smtClean="0"/>
-                  <a:t>Worst case encoding FEC chain:</a:t>
-                </a:r>
                 <a:endParaRPr lang="en-US" b="1" dirty="0"/>
               </a:p>
             </p:txBody>
@@ -17053,13 +16894,13 @@
           <p:nvPr>
             <p:extLst>
               <p:ext uri="{D42A27DB-BD31-4B8C-83A1-F6EECF244321}">
-                <p14:modId xmlns:p14="http://schemas.microsoft.com/office/powerpoint/2010/main" val="706903924"/>
+                <p14:modId xmlns:p14="http://schemas.microsoft.com/office/powerpoint/2010/main" val="2119315552"/>
               </p:ext>
             </p:extLst>
           </p:nvPr>
         </p:nvGraphicFramePr>
         <p:xfrm>
-          <a:off x="318007" y="1976702"/>
+          <a:off x="318006" y="2424068"/>
           <a:ext cx="4431105" cy="808401"/>
         </p:xfrm>
         <a:graphic>
@@ -17411,7 +17252,81 @@
       </p:graphicFrame>
       <p:sp>
         <p:nvSpPr>
-          <p:cNvPr id="571" name="RS_Classification_Standard"/>
+          <p:cNvPr id="602" name="TextBox 601"/>
+          <p:cNvSpPr txBox="1"/>
+          <p:nvPr/>
+        </p:nvSpPr>
+        <p:spPr>
+          <a:xfrm>
+            <a:off x="318007" y="3363513"/>
+            <a:ext cx="4133088" cy="257250"/>
+          </a:xfrm>
+          <a:prstGeom prst="rect">
+            <a:avLst/>
+          </a:prstGeom>
+          <a:noFill/>
+        </p:spPr>
+        <p:txBody>
+          <a:bodyPr wrap="square" lIns="0" tIns="0" rIns="0" bIns="0" rtlCol="0">
+            <a:spAutoFit/>
+          </a:bodyPr>
+          <a:lstStyle/>
+          <a:p>
+            <a:pPr>
+              <a:lnSpc>
+                <a:spcPct val="114000"/>
+              </a:lnSpc>
+            </a:pPr>
+            <a:r>
+              <a:rPr lang="en-US" sz="1600" b="1" dirty="0"/>
+              <a:t>Worst case encoding FEC chain</a:t>
+            </a:r>
+            <a:r>
+              <a:rPr lang="en-US" sz="1600" b="1" dirty="0" smtClean="0"/>
+              <a:t>:</a:t>
+            </a:r>
+            <a:endParaRPr lang="en-US" sz="1600" b="1" dirty="0"/>
+          </a:p>
+        </p:txBody>
+      </p:sp>
+      <p:sp>
+        <p:nvSpPr>
+          <p:cNvPr id="187" name="TextBox 186"/>
+          <p:cNvSpPr txBox="1"/>
+          <p:nvPr/>
+        </p:nvSpPr>
+        <p:spPr>
+          <a:xfrm>
+            <a:off x="317829" y="2079261"/>
+            <a:ext cx="4133088" cy="257250"/>
+          </a:xfrm>
+          <a:prstGeom prst="rect">
+            <a:avLst/>
+          </a:prstGeom>
+          <a:noFill/>
+        </p:spPr>
+        <p:txBody>
+          <a:bodyPr wrap="square" lIns="0" tIns="0" rIns="0" bIns="0" rtlCol="0">
+            <a:spAutoFit/>
+          </a:bodyPr>
+          <a:lstStyle/>
+          <a:p>
+            <a:pPr>
+              <a:lnSpc>
+                <a:spcPct val="114000"/>
+              </a:lnSpc>
+            </a:pPr>
+            <a:r>
+              <a:rPr lang="en-US" sz="1600" b="1" dirty="0" smtClean="0"/>
+              <a:t>Encoder Latency:</a:t>
+            </a:r>
+            <a:endParaRPr lang="en-US" sz="1600" b="1" dirty="0"/>
+          </a:p>
+        </p:txBody>
+      </p:sp>
+      <p:sp>
+        <p:nvSpPr>
+          <p:cNvPr id="171" name="RS_Classification_Standard"/>
           <p:cNvSpPr txBox="1"/>
           <p:nvPr/>
         </p:nvSpPr>
@@ -17643,7 +17558,7 @@
       </p:pic>
       <p:sp>
         <p:nvSpPr>
-          <p:cNvPr id="622" name="RS_Classification_Standard"/>
+          <p:cNvPr id="669" name="RS_Classification_Standard"/>
           <p:cNvSpPr txBox="1"/>
           <p:nvPr/>
         </p:nvSpPr>
@@ -18069,7 +17984,7 @@
       </p:pic>
       <p:sp>
         <p:nvSpPr>
-          <p:cNvPr id="589" name="RS_Classification_Standard"/>
+          <p:cNvPr id="636" name="RS_Classification_Standard"/>
           <p:cNvSpPr txBox="1"/>
           <p:nvPr/>
         </p:nvSpPr>
@@ -18357,7 +18272,7 @@
       </p:sp>
       <p:sp>
         <p:nvSpPr>
-          <p:cNvPr id="620" name="RS_Classification_Standard"/>
+          <p:cNvPr id="667" name="RS_Classification_Standard"/>
           <p:cNvSpPr txBox="1"/>
           <p:nvPr/>
         </p:nvSpPr>
@@ -19626,7 +19541,7 @@
       </p:sp>
       <p:sp>
         <p:nvSpPr>
-          <p:cNvPr id="592" name="RS_Classification_Standard"/>
+          <p:cNvPr id="639" name="RS_Classification_Standard"/>
           <p:cNvSpPr txBox="1"/>
           <p:nvPr/>
         </p:nvSpPr>
@@ -19713,7 +19628,7 @@
             </p:nvSpPr>
             <p:spPr>
               <a:xfrm>
-                <a:off x="330693" y="1498919"/>
+                <a:off x="330693" y="1301409"/>
                 <a:ext cx="8508999" cy="4699572"/>
               </a:xfrm>
             </p:spPr>
@@ -19859,9 +19774,214 @@
                   </a:rPr>
                   <a:t>instructions.</a:t>
                 </a:r>
+                <a:r>
+                  <a:rPr lang="en-US" sz="1800" dirty="0">
+                    <a:solidFill>
+                      <a:schemeClr val="bg2"/>
+                    </a:solidFill>
+                  </a:rPr>
+                  <a:t> </a:t>
+                </a:r>
+                <a:endParaRPr lang="en-US" sz="1800" dirty="0" smtClean="0">
+                  <a:solidFill>
+                    <a:schemeClr val="bg2"/>
+                  </a:solidFill>
+                </a:endParaRPr>
+              </a:p>
+              <a:p>
+                <a:endParaRPr lang="en-US" sz="600" dirty="0" smtClean="0">
+                  <a:solidFill>
+                    <a:schemeClr val="bg2"/>
+                  </a:solidFill>
+                </a:endParaRPr>
+              </a:p>
+              <a:p>
+                <a:r>
+                  <a:rPr lang="en-US" sz="1800" dirty="0" smtClean="0">
+                    <a:solidFill>
+                      <a:schemeClr val="bg2"/>
+                    </a:solidFill>
+                  </a:rPr>
+                  <a:t>Avoiding </a:t>
+                </a:r>
+                <a:r>
+                  <a:rPr lang="en-US" sz="1800" dirty="0">
+                    <a:solidFill>
+                      <a:schemeClr val="bg2"/>
+                    </a:solidFill>
+                  </a:rPr>
+                  <a:t>superfluous copying: </a:t>
+                </a:r>
                 <a:endParaRPr lang="en-US" dirty="0">
+                  <a:solidFill>
+                    <a:prstClr val="black"/>
+                  </a:solidFill>
                   <a:cs typeface="Simplified Arabic Fixed" panose="02070309020205020404" pitchFamily="49" charset="-78"/>
                 </a:endParaRPr>
+              </a:p>
+              <a:p>
+                <a:pPr marL="646113" lvl="2" indent="-285750">
+                  <a:buFont typeface="Arial" panose="020B0604020202020204" pitchFamily="34" charset="0"/>
+                  <a:buChar char="•"/>
+                </a:pPr>
+                <a:r>
+                  <a:rPr lang="en-US" dirty="0" smtClean="0">
+                    <a:solidFill>
+                      <a:prstClr val="black"/>
+                    </a:solidFill>
+                    <a:cs typeface="Simplified Arabic Fixed" panose="02070309020205020404" pitchFamily="49" charset="-78"/>
+                  </a:rPr>
+                  <a:t>Intelligent memory </a:t>
+                </a:r>
+                <a:r>
+                  <a:rPr lang="en-US" dirty="0">
+                    <a:solidFill>
+                      <a:prstClr val="black"/>
+                    </a:solidFill>
+                    <a:cs typeface="Simplified Arabic Fixed" panose="02070309020205020404" pitchFamily="49" charset="-78"/>
+                  </a:rPr>
+                  <a:t>layout </a:t>
+                </a:r>
+                <a:r>
+                  <a:rPr lang="en-US" dirty="0" smtClean="0">
+                    <a:solidFill>
+                      <a:prstClr val="black"/>
+                    </a:solidFill>
+                    <a:cs typeface="Simplified Arabic Fixed" panose="02070309020205020404" pitchFamily="49" charset="-78"/>
+                  </a:rPr>
+                  <a:t>design for </a:t>
+                </a:r>
+                <a14:m>
+                  <m:oMath xmlns:m="http://schemas.openxmlformats.org/officeDocument/2006/math">
+                    <m:sSub>
+                      <m:sSubPr>
+                        <m:ctrlPr>
+                          <a:rPr lang="en-US" i="1">
+                            <a:solidFill>
+                              <a:prstClr val="black"/>
+                            </a:solidFill>
+                            <a:latin typeface="Cambria Math" panose="02040503050406030204" pitchFamily="18" charset="0"/>
+                          </a:rPr>
+                        </m:ctrlPr>
+                      </m:sSubPr>
+                      <m:e>
+                        <m:r>
+                          <a:rPr lang="en-US" i="1">
+                            <a:solidFill>
+                              <a:prstClr val="black"/>
+                            </a:solidFill>
+                            <a:latin typeface="Cambria Math" panose="02040503050406030204" pitchFamily="18" charset="0"/>
+                            <a:ea typeface="Cambria Math" panose="02040503050406030204" pitchFamily="18" charset="0"/>
+                          </a:rPr>
+                          <m:t>𝛽</m:t>
+                        </m:r>
+                      </m:e>
+                      <m:sub>
+                        <m:sSub>
+                          <m:sSubPr>
+                            <m:ctrlPr>
+                              <a:rPr lang="en-US" i="1">
+                                <a:solidFill>
+                                  <a:prstClr val="black"/>
+                                </a:solidFill>
+                                <a:latin typeface="Cambria Math" panose="02040503050406030204" pitchFamily="18" charset="0"/>
+                              </a:rPr>
+                            </m:ctrlPr>
+                          </m:sSubPr>
+                          <m:e>
+                            <m:r>
+                              <a:rPr lang="en-US" i="1">
+                                <a:solidFill>
+                                  <a:prstClr val="black"/>
+                                </a:solidFill>
+                                <a:latin typeface="Cambria Math" panose="02040503050406030204" pitchFamily="18" charset="0"/>
+                              </a:rPr>
+                              <m:t>𝑣</m:t>
+                            </m:r>
+                          </m:e>
+                          <m:sub>
+                            <m:r>
+                              <a:rPr lang="en-US" i="1">
+                                <a:solidFill>
+                                  <a:prstClr val="black"/>
+                                </a:solidFill>
+                                <a:latin typeface="Cambria Math" panose="02040503050406030204" pitchFamily="18" charset="0"/>
+                              </a:rPr>
+                              <m:t>𝑟</m:t>
+                            </m:r>
+                          </m:sub>
+                        </m:sSub>
+                      </m:sub>
+                    </m:sSub>
+                  </m:oMath>
+                </a14:m>
+                <a:r>
+                  <a:rPr lang="en-US" dirty="0">
+                    <a:solidFill>
+                      <a:prstClr val="black"/>
+                    </a:solidFill>
+                    <a:cs typeface="Simplified Arabic Fixed" panose="02070309020205020404" pitchFamily="49" charset="-78"/>
+                  </a:rPr>
+                  <a:t> so that it is part of </a:t>
+                </a:r>
+                <a14:m>
+                  <m:oMath xmlns:m="http://schemas.openxmlformats.org/officeDocument/2006/math">
+                    <m:sSub>
+                      <m:sSubPr>
+                        <m:ctrlPr>
+                          <a:rPr lang="en-US" i="1">
+                            <a:solidFill>
+                              <a:prstClr val="black"/>
+                            </a:solidFill>
+                            <a:latin typeface="Cambria Math" panose="02040503050406030204" pitchFamily="18" charset="0"/>
+                          </a:rPr>
+                        </m:ctrlPr>
+                      </m:sSubPr>
+                      <m:e>
+                        <m:r>
+                          <a:rPr lang="en-US" i="1">
+                            <a:solidFill>
+                              <a:prstClr val="black"/>
+                            </a:solidFill>
+                            <a:latin typeface="Cambria Math" panose="02040503050406030204" pitchFamily="18" charset="0"/>
+                            <a:ea typeface="Cambria Math" panose="02040503050406030204" pitchFamily="18" charset="0"/>
+                          </a:rPr>
+                          <m:t>𝛽</m:t>
+                        </m:r>
+                      </m:e>
+                      <m:sub>
+                        <m:r>
+                          <a:rPr lang="en-US" i="1">
+                            <a:solidFill>
+                              <a:prstClr val="black"/>
+                            </a:solidFill>
+                            <a:latin typeface="Cambria Math" panose="02040503050406030204" pitchFamily="18" charset="0"/>
+                          </a:rPr>
+                          <m:t>𝑣</m:t>
+                        </m:r>
+                      </m:sub>
+                    </m:sSub>
+                  </m:oMath>
+                </a14:m>
+                <a:r>
+                  <a:rPr lang="en-US" dirty="0">
+                    <a:solidFill>
+                      <a:prstClr val="black"/>
+                    </a:solidFill>
+                    <a:cs typeface="Simplified Arabic Fixed" panose="02070309020205020404" pitchFamily="49" charset="-78"/>
+                  </a:rPr>
+                  <a:t> without explicit copying</a:t>
+                </a:r>
+                <a:r>
+                  <a:rPr lang="en-US" dirty="0" smtClean="0">
+                    <a:solidFill>
+                      <a:prstClr val="black"/>
+                    </a:solidFill>
+                    <a:cs typeface="Simplified Arabic Fixed" panose="02070309020205020404" pitchFamily="49" charset="-78"/>
+                  </a:rPr>
+                  <a:t>.</a:t>
+                </a:r>
+                <a:endParaRPr lang="en-US" dirty="0"/>
               </a:p>
             </p:txBody>
           </p:sp>
@@ -19879,13 +19999,13 @@
             </p:nvSpPr>
             <p:spPr>
               <a:xfrm>
-                <a:off x="330693" y="1498919"/>
+                <a:off x="330693" y="1301409"/>
                 <a:ext cx="8508999" cy="4699572"/>
               </a:xfrm>
               <a:blipFill>
                 <a:blip r:embed="rId3"/>
                 <a:stretch>
-                  <a:fillRect l="-1361" t="-1167"/>
+                  <a:fillRect l="-1648" t="-1038"/>
                 </a:stretch>
               </a:blipFill>
             </p:spPr>
@@ -19940,7 +20060,7 @@
         </p:nvSpPr>
         <p:spPr>
           <a:xfrm>
-            <a:off x="318009" y="789509"/>
+            <a:off x="318009" y="654874"/>
             <a:ext cx="8508999" cy="410369"/>
           </a:xfrm>
         </p:spPr>
@@ -19976,7 +20096,7 @@
             </p:nvSpPr>
             <p:spPr>
               <a:xfrm>
-                <a:off x="568221" y="4549738"/>
+                <a:off x="458493" y="4900521"/>
                 <a:ext cx="3769693" cy="2200917"/>
               </a:xfrm>
               <a:prstGeom prst="rect">
@@ -20857,7 +20977,7 @@
             </p:nvSpPr>
             <p:spPr>
               <a:xfrm>
-                <a:off x="568221" y="4549738"/>
+                <a:off x="458493" y="4900521"/>
                 <a:ext cx="3769693" cy="2200917"/>
               </a:xfrm>
               <a:prstGeom prst="rect">
@@ -20903,7 +21023,7 @@
             </p:nvSpPr>
             <p:spPr>
               <a:xfrm>
-                <a:off x="4585193" y="4362699"/>
+                <a:off x="4572508" y="4842001"/>
                 <a:ext cx="3372139" cy="2200917"/>
               </a:xfrm>
               <a:prstGeom prst="rect">
@@ -22127,7 +22247,7 @@
             </p:nvSpPr>
             <p:spPr>
               <a:xfrm>
-                <a:off x="4585193" y="4362699"/>
+                <a:off x="4572508" y="4842001"/>
                 <a:ext cx="3372139" cy="2200917"/>
               </a:xfrm>
               <a:prstGeom prst="rect">
@@ -22136,7 +22256,7 @@
               <a:blipFill>
                 <a:blip r:embed="rId5"/>
                 <a:stretch>
-                  <a:fillRect l="-2532" b="-52078"/>
+                  <a:fillRect l="-2532" b="-52355"/>
                 </a:stretch>
               </a:blipFill>
               <a:ln w="9525">
@@ -22163,7 +22283,7 @@
       </mc:AlternateContent>
       <p:sp>
         <p:nvSpPr>
-          <p:cNvPr id="590" name="RS_Classification_Standard"/>
+          <p:cNvPr id="637" name="RS_Classification_Standard"/>
           <p:cNvSpPr txBox="1"/>
           <p:nvPr/>
         </p:nvSpPr>
@@ -22258,12 +22378,15 @@
               <a:bodyPr/>
               <a:lstStyle/>
               <a:p>
-                <a:pPr marL="285750" indent="-285750">
-                  <a:buFont typeface="Arial" panose="020B0604020202020204" pitchFamily="34" charset="0"/>
-                  <a:buChar char="•"/>
-                </a:pPr>
                 <a:r>
-                  <a:rPr lang="en-US" dirty="0"/>
+                  <a:rPr lang="en-US" sz="1800" dirty="0">
+                    <a:solidFill>
+                      <a:schemeClr val="bg2"/>
+                    </a:solidFill>
+                    <a:latin typeface="+mj-lt"/>
+                    <a:ea typeface="+mj-ea"/>
+                    <a:cs typeface="+mj-cs"/>
+                  </a:rPr>
                   <a:t>Decoding R0 code</a:t>
                 </a:r>
               </a:p>
@@ -22299,12 +22422,15 @@
                 <a:endParaRPr lang="en-US" dirty="0"/>
               </a:p>
               <a:p>
-                <a:pPr marL="285750" indent="-285750">
-                  <a:buFont typeface="Arial" panose="020B0604020202020204" pitchFamily="34" charset="0"/>
-                  <a:buChar char="•"/>
-                </a:pPr>
                 <a:r>
-                  <a:rPr lang="en-US" dirty="0"/>
+                  <a:rPr lang="en-US" sz="1800" dirty="0">
+                    <a:solidFill>
+                      <a:schemeClr val="bg2"/>
+                    </a:solidFill>
+                    <a:latin typeface="+mj-lt"/>
+                    <a:ea typeface="+mj-ea"/>
+                    <a:cs typeface="+mj-cs"/>
+                  </a:rPr>
                   <a:t>Decoding R1 code</a:t>
                 </a:r>
               </a:p>
@@ -22506,7 +22632,7 @@
               <a:blipFill>
                 <a:blip r:embed="rId3"/>
                 <a:stretch>
-                  <a:fillRect l="-1361" t="-1167" r="-1648"/>
+                  <a:fillRect l="-1648" t="-1427" r="-1648"/>
                 </a:stretch>
               </a:blipFill>
             </p:spPr>
@@ -22595,7 +22721,7 @@
       </p:sp>
       <p:sp>
         <p:nvSpPr>
-          <p:cNvPr id="591" name="RS_Classification_Standard"/>
+          <p:cNvPr id="638" name="RS_Classification_Standard"/>
           <p:cNvSpPr txBox="1"/>
           <p:nvPr/>
         </p:nvSpPr>
@@ -23184,7 +23310,7 @@
       </mc:AlternateContent>
       <p:sp>
         <p:nvSpPr>
-          <p:cNvPr id="593" name="RS_Classification_Standard"/>
+          <p:cNvPr id="640" name="RS_Classification_Standard"/>
           <p:cNvSpPr txBox="1"/>
           <p:nvPr/>
         </p:nvSpPr>
@@ -24311,7 +24437,7 @@
       </p:cxnSp>
       <p:sp>
         <p:nvSpPr>
-          <p:cNvPr id="635" name="RS_Classification_Standard"/>
+          <p:cNvPr id="682" name="RS_Classification_Standard"/>
           <p:cNvSpPr txBox="1"/>
           <p:nvPr/>
         </p:nvSpPr>
@@ -24438,26 +24564,21 @@
             </a:pPr>
             <a:r>
               <a:rPr lang="en-US" dirty="0"/>
-              <a:t>With templates compiler automatically generates the code for different vector sizes.</a:t>
-            </a:r>
-          </a:p>
-          <a:p>
-            <a:pPr marL="285750" indent="-285750">
-              <a:buFont typeface="Arial" panose="020B0604020202020204" pitchFamily="34" charset="0"/>
-              <a:buChar char="•"/>
-            </a:pPr>
+              <a:t>With </a:t>
+            </a:r>
+            <a:r>
+              <a:rPr lang="en-US" dirty="0" smtClean="0"/>
+              <a:t>templates, </a:t>
+            </a:r>
             <a:r>
               <a:rPr lang="en-US" dirty="0"/>
-              <a:t>One can also explicitly specialize </a:t>
+              <a:t>compiler automatically generates the code for different vector sizes</a:t>
             </a:r>
             <a:r>
               <a:rPr lang="en-US" dirty="0" smtClean="0"/>
-              <a:t>functions, </a:t>
-            </a:r>
-            <a:r>
-              <a:rPr lang="en-US" dirty="0"/>
-              <a:t>if different logic needs to be implemented for particular vector size.</a:t>
-            </a:r>
+              <a:t>.</a:t>
+            </a:r>
+            <a:endParaRPr lang="en-US" dirty="0"/>
           </a:p>
         </p:txBody>
       </p:sp>
@@ -24538,7 +24659,7 @@
         </p:blipFill>
         <p:spPr>
           <a:xfrm>
-            <a:off x="741999" y="3341505"/>
+            <a:off x="961455" y="2895277"/>
             <a:ext cx="6317170" cy="2876595"/>
           </a:xfrm>
           <a:prstGeom prst="rect">
@@ -24548,7 +24669,7 @@
       </p:pic>
       <p:sp>
         <p:nvSpPr>
-          <p:cNvPr id="563" name="RS_Classification_Standard"/>
+          <p:cNvPr id="610" name="RS_Classification_Standard"/>
           <p:cNvSpPr txBox="1"/>
           <p:nvPr/>
         </p:nvSpPr>
@@ -25457,7 +25578,7 @@
       </p:grpSp>
       <p:sp>
         <p:nvSpPr>
-          <p:cNvPr id="619" name="RS_Classification_Standard"/>
+          <p:cNvPr id="666" name="RS_Classification_Standard"/>
           <p:cNvSpPr txBox="1"/>
           <p:nvPr/>
         </p:nvSpPr>
@@ -25706,7 +25827,7 @@
       </p:pic>
       <p:sp>
         <p:nvSpPr>
-          <p:cNvPr id="589" name="RS_Classification_Standard"/>
+          <p:cNvPr id="636" name="RS_Classification_Standard"/>
           <p:cNvSpPr txBox="1"/>
           <p:nvPr/>
         </p:nvSpPr>
@@ -26063,7 +26184,7 @@
       </p:sp>
       <p:sp>
         <p:nvSpPr>
-          <p:cNvPr id="589" name="RS_Classification_Standard"/>
+          <p:cNvPr id="636" name="RS_Classification_Standard"/>
           <p:cNvSpPr txBox="1"/>
           <p:nvPr/>
         </p:nvSpPr>
@@ -26301,745 +26422,6 @@
                 <a:endParaRPr lang="en-US" dirty="0"/>
               </a:p>
               <a:p>
-                <a:r>
-                  <a:rPr lang="en-US" sz="1800" dirty="0">
-                    <a:solidFill>
-                      <a:schemeClr val="bg2"/>
-                    </a:solidFill>
-                    <a:latin typeface="+mj-lt"/>
-                    <a:ea typeface="+mj-ea"/>
-                    <a:cs typeface="+mj-cs"/>
-                  </a:rPr>
-                  <a:t>Avoiding superfluous copying: </a:t>
-                </a:r>
-                <a:endParaRPr lang="en-US" dirty="0">
-                  <a:solidFill>
-                    <a:prstClr val="black"/>
-                  </a:solidFill>
-                  <a:cs typeface="Simplified Arabic Fixed" panose="02070309020205020404" pitchFamily="49" charset="-78"/>
-                </a:endParaRPr>
-              </a:p>
-              <a:p>
-                <a:pPr marL="646113" lvl="2" indent="-285750">
-                  <a:buFont typeface="Arial" panose="020B0604020202020204" pitchFamily="34" charset="0"/>
-                  <a:buChar char="•"/>
-                </a:pPr>
-                <a:r>
-                  <a:rPr lang="en-US" dirty="0" smtClean="0">
-                    <a:solidFill>
-                      <a:prstClr val="black"/>
-                    </a:solidFill>
-                    <a:cs typeface="Simplified Arabic Fixed" panose="02070309020205020404" pitchFamily="49" charset="-78"/>
-                  </a:rPr>
-                  <a:t>Intelligently </a:t>
-                </a:r>
-                <a:r>
-                  <a:rPr lang="en-US" dirty="0">
-                    <a:solidFill>
-                      <a:prstClr val="black"/>
-                    </a:solidFill>
-                    <a:cs typeface="Simplified Arabic Fixed" panose="02070309020205020404" pitchFamily="49" charset="-78"/>
-                  </a:rPr>
-                  <a:t>designing the memory layout of </a:t>
-                </a:r>
-                <a14:m>
-                  <m:oMath xmlns:m="http://schemas.openxmlformats.org/officeDocument/2006/math">
-                    <m:sSub>
-                      <m:sSubPr>
-                        <m:ctrlPr>
-                          <a:rPr lang="en-US" i="1">
-                            <a:solidFill>
-                              <a:prstClr val="black"/>
-                            </a:solidFill>
-                            <a:latin typeface="Cambria Math" panose="02040503050406030204" pitchFamily="18" charset="0"/>
-                          </a:rPr>
-                        </m:ctrlPr>
-                      </m:sSubPr>
-                      <m:e>
-                        <m:r>
-                          <a:rPr lang="en-US" i="1">
-                            <a:solidFill>
-                              <a:prstClr val="black"/>
-                            </a:solidFill>
-                            <a:latin typeface="Cambria Math" panose="02040503050406030204" pitchFamily="18" charset="0"/>
-                            <a:ea typeface="Cambria Math" panose="02040503050406030204" pitchFamily="18" charset="0"/>
-                          </a:rPr>
-                          <m:t>𝛽</m:t>
-                        </m:r>
-                      </m:e>
-                      <m:sub>
-                        <m:sSub>
-                          <m:sSubPr>
-                            <m:ctrlPr>
-                              <a:rPr lang="en-US" i="1">
-                                <a:solidFill>
-                                  <a:prstClr val="black"/>
-                                </a:solidFill>
-                                <a:latin typeface="Cambria Math" panose="02040503050406030204" pitchFamily="18" charset="0"/>
-                              </a:rPr>
-                            </m:ctrlPr>
-                          </m:sSubPr>
-                          <m:e>
-                            <m:r>
-                              <a:rPr lang="en-US" i="1">
-                                <a:solidFill>
-                                  <a:prstClr val="black"/>
-                                </a:solidFill>
-                                <a:latin typeface="Cambria Math" panose="02040503050406030204" pitchFamily="18" charset="0"/>
-                              </a:rPr>
-                              <m:t>𝑣</m:t>
-                            </m:r>
-                          </m:e>
-                          <m:sub>
-                            <m:r>
-                              <a:rPr lang="en-US" i="1">
-                                <a:solidFill>
-                                  <a:prstClr val="black"/>
-                                </a:solidFill>
-                                <a:latin typeface="Cambria Math" panose="02040503050406030204" pitchFamily="18" charset="0"/>
-                              </a:rPr>
-                              <m:t>𝑟</m:t>
-                            </m:r>
-                          </m:sub>
-                        </m:sSub>
-                      </m:sub>
-                    </m:sSub>
-                  </m:oMath>
-                </a14:m>
-                <a:r>
-                  <a:rPr lang="en-US" sz="1400" dirty="0">
-                    <a:solidFill>
-                      <a:prstClr val="black"/>
-                    </a:solidFill>
-                    <a:cs typeface="Simplified Arabic Fixed" panose="02070309020205020404" pitchFamily="49" charset="-78"/>
-                  </a:rPr>
-                  <a:t> so that </a:t>
-                </a:r>
-                <a:r>
-                  <a:rPr lang="en-US" dirty="0">
-                    <a:solidFill>
-                      <a:prstClr val="black"/>
-                    </a:solidFill>
-                    <a:cs typeface="Simplified Arabic Fixed" panose="02070309020205020404" pitchFamily="49" charset="-78"/>
-                  </a:rPr>
-                  <a:t>it is part of </a:t>
-                </a:r>
-                <a14:m>
-                  <m:oMath xmlns:m="http://schemas.openxmlformats.org/officeDocument/2006/math">
-                    <m:sSub>
-                      <m:sSubPr>
-                        <m:ctrlPr>
-                          <a:rPr lang="en-US" i="1">
-                            <a:solidFill>
-                              <a:prstClr val="black"/>
-                            </a:solidFill>
-                            <a:latin typeface="Cambria Math" panose="02040503050406030204" pitchFamily="18" charset="0"/>
-                          </a:rPr>
-                        </m:ctrlPr>
-                      </m:sSubPr>
-                      <m:e>
-                        <m:r>
-                          <a:rPr lang="en-US" i="1">
-                            <a:solidFill>
-                              <a:prstClr val="black"/>
-                            </a:solidFill>
-                            <a:latin typeface="Cambria Math" panose="02040503050406030204" pitchFamily="18" charset="0"/>
-                            <a:ea typeface="Cambria Math" panose="02040503050406030204" pitchFamily="18" charset="0"/>
-                          </a:rPr>
-                          <m:t>𝛽</m:t>
-                        </m:r>
-                      </m:e>
-                      <m:sub>
-                        <m:r>
-                          <a:rPr lang="en-US" i="1">
-                            <a:solidFill>
-                              <a:prstClr val="black"/>
-                            </a:solidFill>
-                            <a:latin typeface="Cambria Math" panose="02040503050406030204" pitchFamily="18" charset="0"/>
-                          </a:rPr>
-                          <m:t>𝑣</m:t>
-                        </m:r>
-                      </m:sub>
-                    </m:sSub>
-                  </m:oMath>
-                </a14:m>
-                <a:r>
-                  <a:rPr lang="en-US" sz="1400" dirty="0">
-                    <a:solidFill>
-                      <a:prstClr val="black"/>
-                    </a:solidFill>
-                    <a:cs typeface="Simplified Arabic Fixed" panose="02070309020205020404" pitchFamily="49" charset="-78"/>
-                  </a:rPr>
-                  <a:t> without explicit copying.</a:t>
-                </a:r>
-              </a:p>
-              <a:p>
-                <a:pPr marL="285750" indent="-285750">
-                  <a:buFont typeface="Arial" panose="020B0604020202020204" pitchFamily="34" charset="0"/>
-                  <a:buChar char="•"/>
-                </a:pPr>
-                <a:endParaRPr lang="en-US" dirty="0" smtClean="0"/>
-              </a:p>
-              <a:p>
-                <a:pPr lvl="2" indent="0">
-                  <a:buNone/>
-                </a:pPr>
-                <a14:m>
-                  <m:oMathPara xmlns:m="http://schemas.openxmlformats.org/officeDocument/2006/math">
-                    <m:oMathParaPr>
-                      <m:jc m:val="left"/>
-                    </m:oMathParaPr>
-                    <m:oMath xmlns:m="http://schemas.openxmlformats.org/officeDocument/2006/math">
-                      <m:sSub>
-                        <m:sSubPr>
-                          <m:ctrlPr>
-                            <a:rPr lang="en-US" i="1">
-                              <a:solidFill>
-                                <a:prstClr val="black"/>
-                              </a:solidFill>
-                              <a:latin typeface="Cambria Math" panose="02040503050406030204" pitchFamily="18" charset="0"/>
-                            </a:rPr>
-                          </m:ctrlPr>
-                        </m:sSubPr>
-                        <m:e>
-                          <m:r>
-                            <a:rPr lang="en-US" i="1">
-                              <a:solidFill>
-                                <a:prstClr val="black"/>
-                              </a:solidFill>
-                              <a:latin typeface="Cambria Math" panose="02040503050406030204" pitchFamily="18" charset="0"/>
-                              <a:ea typeface="Cambria Math" panose="02040503050406030204" pitchFamily="18" charset="0"/>
-                            </a:rPr>
-                            <m:t>𝛽</m:t>
-                          </m:r>
-                        </m:e>
-                        <m:sub>
-                          <m:r>
-                            <a:rPr lang="en-US" i="1">
-                              <a:solidFill>
-                                <a:prstClr val="black"/>
-                              </a:solidFill>
-                              <a:latin typeface="Cambria Math" panose="02040503050406030204" pitchFamily="18" charset="0"/>
-                            </a:rPr>
-                            <m:t>𝑣</m:t>
-                          </m:r>
-                        </m:sub>
-                      </m:sSub>
-                      <m:d>
-                        <m:dPr>
-                          <m:begChr m:val="["/>
-                          <m:endChr m:val="]"/>
-                          <m:ctrlPr>
-                            <a:rPr lang="en-US" i="1">
-                              <a:solidFill>
-                                <a:prstClr val="black"/>
-                              </a:solidFill>
-                              <a:latin typeface="Cambria Math" panose="02040503050406030204" pitchFamily="18" charset="0"/>
-                            </a:rPr>
-                          </m:ctrlPr>
-                        </m:dPr>
-                        <m:e>
-                          <m:r>
-                            <a:rPr lang="en-US" i="1">
-                              <a:solidFill>
-                                <a:prstClr val="black"/>
-                              </a:solidFill>
-                              <a:latin typeface="Cambria Math" panose="02040503050406030204" pitchFamily="18" charset="0"/>
-                            </a:rPr>
-                            <m:t>𝑖</m:t>
-                          </m:r>
-                        </m:e>
-                      </m:d>
-                      <m:r>
-                        <a:rPr lang="en-US" i="1">
-                          <a:solidFill>
-                            <a:prstClr val="black"/>
-                          </a:solidFill>
-                          <a:latin typeface="Cambria Math" panose="02040503050406030204" pitchFamily="18" charset="0"/>
-                        </a:rPr>
-                        <m:t> = </m:t>
-                      </m:r>
-                      <m:d>
-                        <m:dPr>
-                          <m:begChr m:val="{"/>
-                          <m:endChr m:val=""/>
-                          <m:ctrlPr>
-                            <a:rPr lang="en-US" i="1">
-                              <a:solidFill>
-                                <a:prstClr val="black"/>
-                              </a:solidFill>
-                              <a:latin typeface="Cambria Math" panose="02040503050406030204" pitchFamily="18" charset="0"/>
-                            </a:rPr>
-                          </m:ctrlPr>
-                        </m:dPr>
-                        <m:e>
-                          <m:eqArr>
-                            <m:eqArrPr>
-                              <m:ctrlPr>
-                                <a:rPr lang="en-US" i="1">
-                                  <a:solidFill>
-                                    <a:prstClr val="black"/>
-                                  </a:solidFill>
-                                  <a:latin typeface="Cambria Math" panose="02040503050406030204" pitchFamily="18" charset="0"/>
-                                </a:rPr>
-                              </m:ctrlPr>
-                            </m:eqArrPr>
-                            <m:e>
-                              <m:sSub>
-                                <m:sSubPr>
-                                  <m:ctrlPr>
-                                    <a:rPr lang="en-US" i="1">
-                                      <a:solidFill>
-                                        <a:prstClr val="black"/>
-                                      </a:solidFill>
-                                      <a:latin typeface="Cambria Math" panose="02040503050406030204" pitchFamily="18" charset="0"/>
-                                    </a:rPr>
-                                  </m:ctrlPr>
-                                </m:sSubPr>
-                                <m:e>
-                                  <m:r>
-                                    <a:rPr lang="en-US" i="1">
-                                      <a:solidFill>
-                                        <a:prstClr val="black"/>
-                                      </a:solidFill>
-                                      <a:latin typeface="Cambria Math" panose="02040503050406030204" pitchFamily="18" charset="0"/>
-                                      <a:ea typeface="Cambria Math" panose="02040503050406030204" pitchFamily="18" charset="0"/>
-                                    </a:rPr>
-                                    <m:t>𝛽</m:t>
-                                  </m:r>
-                                </m:e>
-                                <m:sub>
-                                  <m:sSub>
-                                    <m:sSubPr>
-                                      <m:ctrlPr>
-                                        <a:rPr lang="en-US" i="1">
-                                          <a:solidFill>
-                                            <a:prstClr val="black"/>
-                                          </a:solidFill>
-                                          <a:latin typeface="Cambria Math" panose="02040503050406030204" pitchFamily="18" charset="0"/>
-                                        </a:rPr>
-                                      </m:ctrlPr>
-                                    </m:sSubPr>
-                                    <m:e>
-                                      <m:r>
-                                        <a:rPr lang="en-US" i="1">
-                                          <a:solidFill>
-                                            <a:prstClr val="black"/>
-                                          </a:solidFill>
-                                          <a:latin typeface="Cambria Math" panose="02040503050406030204" pitchFamily="18" charset="0"/>
-                                        </a:rPr>
-                                        <m:t>𝑣</m:t>
-                                      </m:r>
-                                    </m:e>
-                                    <m:sub>
-                                      <m:r>
-                                        <a:rPr lang="en-US" i="1">
-                                          <a:solidFill>
-                                            <a:prstClr val="black"/>
-                                          </a:solidFill>
-                                          <a:latin typeface="Cambria Math" panose="02040503050406030204" pitchFamily="18" charset="0"/>
-                                        </a:rPr>
-                                        <m:t>𝑙</m:t>
-                                      </m:r>
-                                    </m:sub>
-                                  </m:sSub>
-                                </m:sub>
-                              </m:sSub>
-                              <m:r>
-                                <a:rPr lang="en-US" i="1">
-                                  <a:solidFill>
-                                    <a:prstClr val="black"/>
-                                  </a:solidFill>
-                                  <a:latin typeface="Cambria Math" panose="02040503050406030204" pitchFamily="18" charset="0"/>
-                                </a:rPr>
-                                <m:t>[</m:t>
-                              </m:r>
-                              <m:r>
-                                <a:rPr lang="en-US" i="1">
-                                  <a:solidFill>
-                                    <a:prstClr val="black"/>
-                                  </a:solidFill>
-                                  <a:latin typeface="Cambria Math" panose="02040503050406030204" pitchFamily="18" charset="0"/>
-                                </a:rPr>
-                                <m:t>𝑖</m:t>
-                              </m:r>
-                              <m:r>
-                                <a:rPr lang="en-US" i="1">
-                                  <a:solidFill>
-                                    <a:prstClr val="black"/>
-                                  </a:solidFill>
-                                  <a:latin typeface="Cambria Math" panose="02040503050406030204" pitchFamily="18" charset="0"/>
-                                </a:rPr>
-                                <m:t>] ⨁</m:t>
-                              </m:r>
-                              <m:sSub>
-                                <m:sSubPr>
-                                  <m:ctrlPr>
-                                    <a:rPr lang="en-US" i="1">
-                                      <a:solidFill>
-                                        <a:prstClr val="black"/>
-                                      </a:solidFill>
-                                      <a:latin typeface="Cambria Math" panose="02040503050406030204" pitchFamily="18" charset="0"/>
-                                    </a:rPr>
-                                  </m:ctrlPr>
-                                </m:sSubPr>
-                                <m:e>
-                                  <m:r>
-                                    <a:rPr lang="en-US" i="1">
-                                      <a:solidFill>
-                                        <a:prstClr val="black"/>
-                                      </a:solidFill>
-                                      <a:latin typeface="Cambria Math" panose="02040503050406030204" pitchFamily="18" charset="0"/>
-                                      <a:ea typeface="Cambria Math" panose="02040503050406030204" pitchFamily="18" charset="0"/>
-                                    </a:rPr>
-                                    <m:t>𝛽</m:t>
-                                  </m:r>
-                                </m:e>
-                                <m:sub>
-                                  <m:sSub>
-                                    <m:sSubPr>
-                                      <m:ctrlPr>
-                                        <a:rPr lang="en-US" i="1">
-                                          <a:solidFill>
-                                            <a:prstClr val="black"/>
-                                          </a:solidFill>
-                                          <a:latin typeface="Cambria Math" panose="02040503050406030204" pitchFamily="18" charset="0"/>
-                                        </a:rPr>
-                                      </m:ctrlPr>
-                                    </m:sSubPr>
-                                    <m:e>
-                                      <m:r>
-                                        <a:rPr lang="en-US" i="1">
-                                          <a:solidFill>
-                                            <a:prstClr val="black"/>
-                                          </a:solidFill>
-                                          <a:latin typeface="Cambria Math" panose="02040503050406030204" pitchFamily="18" charset="0"/>
-                                        </a:rPr>
-                                        <m:t>𝑣</m:t>
-                                      </m:r>
-                                    </m:e>
-                                    <m:sub>
-                                      <m:r>
-                                        <a:rPr lang="en-US" i="1">
-                                          <a:solidFill>
-                                            <a:prstClr val="black"/>
-                                          </a:solidFill>
-                                          <a:latin typeface="Cambria Math" panose="02040503050406030204" pitchFamily="18" charset="0"/>
-                                        </a:rPr>
-                                        <m:t>𝑟</m:t>
-                                      </m:r>
-                                    </m:sub>
-                                  </m:sSub>
-                                </m:sub>
-                              </m:sSub>
-                              <m:d>
-                                <m:dPr>
-                                  <m:begChr m:val="["/>
-                                  <m:endChr m:val="]"/>
-                                  <m:ctrlPr>
-                                    <a:rPr lang="en-US" i="1">
-                                      <a:solidFill>
-                                        <a:prstClr val="black"/>
-                                      </a:solidFill>
-                                      <a:latin typeface="Cambria Math" panose="02040503050406030204" pitchFamily="18" charset="0"/>
-                                    </a:rPr>
-                                  </m:ctrlPr>
-                                </m:dPr>
-                                <m:e>
-                                  <m:r>
-                                    <a:rPr lang="en-US" i="1">
-                                      <a:solidFill>
-                                        <a:prstClr val="black"/>
-                                      </a:solidFill>
-                                      <a:latin typeface="Cambria Math" panose="02040503050406030204" pitchFamily="18" charset="0"/>
-                                    </a:rPr>
-                                    <m:t>𝑖</m:t>
-                                  </m:r>
-                                </m:e>
-                              </m:d>
-                              <m:r>
-                                <a:rPr lang="en-US" i="1">
-                                  <a:solidFill>
-                                    <a:prstClr val="black"/>
-                                  </a:solidFill>
-                                  <a:latin typeface="Cambria Math" panose="02040503050406030204" pitchFamily="18" charset="0"/>
-                                </a:rPr>
-                                <m:t> </m:t>
-                              </m:r>
-                              <m:r>
-                                <a:rPr lang="en-US" i="1">
-                                  <a:solidFill>
-                                    <a:prstClr val="black"/>
-                                  </a:solidFill>
-                                  <a:latin typeface="Cambria Math" panose="02040503050406030204" pitchFamily="18" charset="0"/>
-                                </a:rPr>
-                                <m:t>     </m:t>
-                              </m:r>
-                              <m:r>
-                                <a:rPr lang="en-US" i="1" dirty="0">
-                                  <a:solidFill>
-                                    <a:prstClr val="black"/>
-                                  </a:solidFill>
-                                  <a:latin typeface="Cambria Math" panose="02040503050406030204" pitchFamily="18" charset="0"/>
-                                </a:rPr>
-                                <m:t>0</m:t>
-                              </m:r>
-                              <m:r>
-                                <a:rPr lang="en-US" i="1" dirty="0">
-                                  <a:solidFill>
-                                    <a:prstClr val="black"/>
-                                  </a:solidFill>
-                                  <a:latin typeface="Cambria Math" panose="02040503050406030204" pitchFamily="18" charset="0"/>
-                                  <a:ea typeface="Cambria Math" panose="02040503050406030204" pitchFamily="18" charset="0"/>
-                                </a:rPr>
-                                <m:t>≤</m:t>
-                              </m:r>
-                              <m:r>
-                                <a:rPr lang="en-US" i="1" dirty="0" err="1">
-                                  <a:solidFill>
-                                    <a:prstClr val="black"/>
-                                  </a:solidFill>
-                                  <a:latin typeface="Cambria Math" panose="02040503050406030204" pitchFamily="18" charset="0"/>
-                                </a:rPr>
-                                <m:t>𝑖</m:t>
-                              </m:r>
-                              <m:r>
-                                <a:rPr lang="en-US" i="1" dirty="0">
-                                  <a:solidFill>
-                                    <a:prstClr val="black"/>
-                                  </a:solidFill>
-                                  <a:latin typeface="Cambria Math" panose="02040503050406030204" pitchFamily="18" charset="0"/>
-                                </a:rPr>
-                                <m:t>&lt;</m:t>
-                              </m:r>
-                              <m:f>
-                                <m:fPr>
-                                  <m:type m:val="lin"/>
-                                  <m:ctrlPr>
-                                    <a:rPr lang="en-US" i="1" dirty="0">
-                                      <a:solidFill>
-                                        <a:prstClr val="black"/>
-                                      </a:solidFill>
-                                      <a:latin typeface="Cambria Math" panose="02040503050406030204" pitchFamily="18" charset="0"/>
-                                    </a:rPr>
-                                  </m:ctrlPr>
-                                </m:fPr>
-                                <m:num>
-                                  <m:sSub>
-                                    <m:sSubPr>
-                                      <m:ctrlPr>
-                                        <a:rPr lang="en-US" i="1">
-                                          <a:solidFill>
-                                            <a:prstClr val="black"/>
-                                          </a:solidFill>
-                                          <a:latin typeface="Cambria Math" panose="02040503050406030204" pitchFamily="18" charset="0"/>
-                                        </a:rPr>
-                                      </m:ctrlPr>
-                                    </m:sSubPr>
-                                    <m:e>
-                                      <m:r>
-                                        <a:rPr lang="en-US" i="1">
-                                          <a:solidFill>
-                                            <a:prstClr val="black"/>
-                                          </a:solidFill>
-                                          <a:latin typeface="Cambria Math" panose="02040503050406030204" pitchFamily="18" charset="0"/>
-                                        </a:rPr>
-                                        <m:t>𝑁</m:t>
-                                      </m:r>
-                                    </m:e>
-                                    <m:sub>
-                                      <m:r>
-                                        <a:rPr lang="en-US" i="1">
-                                          <a:solidFill>
-                                            <a:prstClr val="black"/>
-                                          </a:solidFill>
-                                          <a:latin typeface="Cambria Math" panose="02040503050406030204" pitchFamily="18" charset="0"/>
-                                        </a:rPr>
-                                        <m:t>𝑣</m:t>
-                                      </m:r>
-                                    </m:sub>
-                                  </m:sSub>
-                                </m:num>
-                                <m:den>
-                                  <m:r>
-                                    <a:rPr lang="en-US" i="1" dirty="0">
-                                      <a:solidFill>
-                                        <a:prstClr val="black"/>
-                                      </a:solidFill>
-                                      <a:latin typeface="Cambria Math" panose="02040503050406030204" pitchFamily="18" charset="0"/>
-                                    </a:rPr>
-                                    <m:t>2</m:t>
-                                  </m:r>
-                                </m:den>
-                              </m:f>
-                            </m:e>
-                            <m:e>
-                              <m:sSub>
-                                <m:sSubPr>
-                                  <m:ctrlPr>
-                                    <a:rPr lang="en-US" i="1">
-                                      <a:solidFill>
-                                        <a:prstClr val="black"/>
-                                      </a:solidFill>
-                                      <a:latin typeface="Cambria Math" panose="02040503050406030204" pitchFamily="18" charset="0"/>
-                                    </a:rPr>
-                                  </m:ctrlPr>
-                                </m:sSubPr>
-                                <m:e>
-                                  <m:r>
-                                    <a:rPr lang="en-US" i="1">
-                                      <a:solidFill>
-                                        <a:prstClr val="black"/>
-                                      </a:solidFill>
-                                      <a:latin typeface="Cambria Math" panose="02040503050406030204" pitchFamily="18" charset="0"/>
-                                    </a:rPr>
-                                    <m:t> </m:t>
-                                  </m:r>
-                                  <m:r>
-                                    <a:rPr lang="en-US" i="1">
-                                      <a:solidFill>
-                                        <a:prstClr val="black"/>
-                                      </a:solidFill>
-                                      <a:latin typeface="Cambria Math" panose="02040503050406030204" pitchFamily="18" charset="0"/>
-                                      <a:ea typeface="Cambria Math" panose="02040503050406030204" pitchFamily="18" charset="0"/>
-                                    </a:rPr>
-                                    <m:t>𝛽</m:t>
-                                  </m:r>
-                                </m:e>
-                                <m:sub>
-                                  <m:sSub>
-                                    <m:sSubPr>
-                                      <m:ctrlPr>
-                                        <a:rPr lang="en-US" i="1">
-                                          <a:solidFill>
-                                            <a:prstClr val="black"/>
-                                          </a:solidFill>
-                                          <a:latin typeface="Cambria Math" panose="02040503050406030204" pitchFamily="18" charset="0"/>
-                                        </a:rPr>
-                                      </m:ctrlPr>
-                                    </m:sSubPr>
-                                    <m:e>
-                                      <m:r>
-                                        <a:rPr lang="en-US" i="1">
-                                          <a:solidFill>
-                                            <a:prstClr val="black"/>
-                                          </a:solidFill>
-                                          <a:latin typeface="Cambria Math" panose="02040503050406030204" pitchFamily="18" charset="0"/>
-                                        </a:rPr>
-                                        <m:t>𝑣</m:t>
-                                      </m:r>
-                                    </m:e>
-                                    <m:sub>
-                                      <m:r>
-                                        <a:rPr lang="en-US" i="1">
-                                          <a:solidFill>
-                                            <a:prstClr val="black"/>
-                                          </a:solidFill>
-                                          <a:latin typeface="Cambria Math" panose="02040503050406030204" pitchFamily="18" charset="0"/>
-                                        </a:rPr>
-                                        <m:t>𝑟</m:t>
-                                      </m:r>
-                                    </m:sub>
-                                  </m:sSub>
-                                </m:sub>
-                              </m:sSub>
-                              <m:d>
-                                <m:dPr>
-                                  <m:begChr m:val="["/>
-                                  <m:endChr m:val="]"/>
-                                  <m:ctrlPr>
-                                    <a:rPr lang="en-US" i="1">
-                                      <a:solidFill>
-                                        <a:prstClr val="black"/>
-                                      </a:solidFill>
-                                      <a:latin typeface="Cambria Math" panose="02040503050406030204" pitchFamily="18" charset="0"/>
-                                    </a:rPr>
-                                  </m:ctrlPr>
-                                </m:dPr>
-                                <m:e>
-                                  <m:r>
-                                    <a:rPr lang="en-US" i="1">
-                                      <a:solidFill>
-                                        <a:prstClr val="black"/>
-                                      </a:solidFill>
-                                      <a:latin typeface="Cambria Math" panose="02040503050406030204" pitchFamily="18" charset="0"/>
-                                    </a:rPr>
-                                    <m:t>𝑖</m:t>
-                                  </m:r>
-                                </m:e>
-                              </m:d>
-                              <m:r>
-                                <a:rPr lang="en-US" i="1">
-                                  <a:solidFill>
-                                    <a:prstClr val="black"/>
-                                  </a:solidFill>
-                                  <a:latin typeface="Cambria Math" panose="02040503050406030204" pitchFamily="18" charset="0"/>
-                                </a:rPr>
-                                <m:t>              </m:t>
-                              </m:r>
-                              <m:r>
-                                <a:rPr lang="en-US" i="1">
-                                  <a:solidFill>
-                                    <a:prstClr val="black"/>
-                                  </a:solidFill>
-                                  <a:latin typeface="Cambria Math" panose="02040503050406030204" pitchFamily="18" charset="0"/>
-                                </a:rPr>
-                                <m:t>  </m:t>
-                              </m:r>
-                              <m:r>
-                                <a:rPr lang="en-US" i="1">
-                                  <a:solidFill>
-                                    <a:prstClr val="black"/>
-                                  </a:solidFill>
-                                  <a:latin typeface="Cambria Math" panose="02040503050406030204" pitchFamily="18" charset="0"/>
-                                  <a:ea typeface="Cambria Math" panose="02040503050406030204" pitchFamily="18" charset="0"/>
-                                </a:rPr>
-                                <m:t>∕</m:t>
-                              </m:r>
-                              <m:r>
-                                <a:rPr lang="en-US" i="1">
-                                  <a:solidFill>
-                                    <a:prstClr val="black"/>
-                                  </a:solidFill>
-                                  <a:latin typeface="Cambria Math" panose="02040503050406030204" pitchFamily="18" charset="0"/>
-                                  <a:ea typeface="Cambria Math" panose="02040503050406030204" pitchFamily="18" charset="0"/>
-                                </a:rPr>
-                                <m:t>∕</m:t>
-                              </m:r>
-                              <m:r>
-                                <a:rPr lang="en-US" i="1">
-                                  <a:solidFill>
-                                    <a:prstClr val="black"/>
-                                  </a:solidFill>
-                                  <a:latin typeface="Cambria Math" panose="02040503050406030204" pitchFamily="18" charset="0"/>
-                                </a:rPr>
-                                <m:t>𝐽𝑢𝑠𝑡</m:t>
-                              </m:r>
-                              <m:r>
-                                <a:rPr lang="en-US" i="1">
-                                  <a:solidFill>
-                                    <a:prstClr val="black"/>
-                                  </a:solidFill>
-                                  <a:latin typeface="Cambria Math" panose="02040503050406030204" pitchFamily="18" charset="0"/>
-                                </a:rPr>
-                                <m:t> </m:t>
-                              </m:r>
-                              <m:r>
-                                <a:rPr lang="en-US" i="1">
-                                  <a:solidFill>
-                                    <a:prstClr val="black"/>
-                                  </a:solidFill>
-                                  <a:latin typeface="Cambria Math" panose="02040503050406030204" pitchFamily="18" charset="0"/>
-                                </a:rPr>
-                                <m:t>𝑐𝑜𝑝𝑦𝑖𝑛𝑔</m:t>
-                              </m:r>
-                            </m:e>
-                          </m:eqArr>
-                        </m:e>
-                      </m:d>
-                    </m:oMath>
-                  </m:oMathPara>
-                </a14:m>
                 <a:endParaRPr lang="en-US" dirty="0"/>
               </a:p>
               <a:p>
@@ -27071,7 +26453,7 @@
               <a:blipFill>
                 <a:blip r:embed="rId3"/>
                 <a:stretch>
-                  <a:fillRect l="-1648" t="-1038" r="-788"/>
+                  <a:fillRect l="-1361" t="-1038" r="-788"/>
                 </a:stretch>
               </a:blipFill>
             </p:spPr>
@@ -27147,7 +26529,7 @@
       </p:sp>
       <p:sp>
         <p:nvSpPr>
-          <p:cNvPr id="620" name="RS_Classification_Standard"/>
+          <p:cNvPr id="667" name="RS_Classification_Standard"/>
           <p:cNvSpPr txBox="1"/>
           <p:nvPr/>
         </p:nvSpPr>
@@ -27230,7 +26612,12 @@
             <p:ph idx="1"/>
           </p:nvPr>
         </p:nvSpPr>
-        <p:spPr/>
+        <p:spPr>
+          <a:xfrm>
+            <a:off x="318009" y="1220864"/>
+            <a:ext cx="8508999" cy="4699572"/>
+          </a:xfrm>
+        </p:spPr>
         <p:txBody>
           <a:bodyPr/>
           <a:lstStyle/>
@@ -27241,7 +26628,7 @@
             </a:pPr>
             <a:r>
               <a:rPr lang="en-US" dirty="0"/>
-              <a:t>Traditionally FEC chains are developed in hardware i.e. </a:t>
+              <a:t>Traditionally FEC chains are developed </a:t>
             </a:r>
             <a:r>
               <a:rPr lang="en-US" dirty="0" smtClean="0"/>
@@ -27303,7 +26690,11 @@
             </a:r>
             <a:r>
               <a:rPr lang="en-US" dirty="0"/>
-              <a:t>of maintenance to device manufacturer.</a:t>
+              <a:t>of </a:t>
+            </a:r>
+            <a:r>
+              <a:rPr lang="en-US" dirty="0" smtClean="0"/>
+              <a:t>maintenance to device manufacturer.</a:t>
             </a:r>
           </a:p>
           <a:p>
@@ -27373,7 +26764,12 @@
             <p:ph type="title"/>
           </p:nvPr>
         </p:nvSpPr>
-        <p:spPr/>
+        <p:spPr>
+          <a:xfrm>
+            <a:off x="319090" y="681898"/>
+            <a:ext cx="8508999" cy="410369"/>
+          </a:xfrm>
+        </p:spPr>
         <p:txBody>
           <a:bodyPr/>
           <a:lstStyle/>
@@ -27389,9 +26785,39 @@
           </a:p>
         </p:txBody>
       </p:sp>
+      <p:pic>
+        <p:nvPicPr>
+          <p:cNvPr id="626" name="Picture 625"/>
+          <p:cNvPicPr>
+            <a:picLocks noChangeAspect="1"/>
+          </p:cNvPicPr>
+          <p:nvPr/>
+        </p:nvPicPr>
+        <p:blipFill>
+          <a:blip r:embed="rId3">
+            <a:extLst>
+              <a:ext uri="{28A0092B-C50C-407E-A947-70E740481C1C}">
+                <a14:useLocalDpi xmlns:a14="http://schemas.microsoft.com/office/drawing/2010/main" val="0"/>
+              </a:ext>
+            </a:extLst>
+          </a:blip>
+          <a:stretch>
+            <a:fillRect/>
+          </a:stretch>
+        </p:blipFill>
+        <p:spPr>
+          <a:xfrm>
+            <a:off x="672998" y="3755692"/>
+            <a:ext cx="6883604" cy="2844094"/>
+          </a:xfrm>
+          <a:prstGeom prst="rect">
+            <a:avLst/>
+          </a:prstGeom>
+        </p:spPr>
+      </p:pic>
       <p:sp>
         <p:nvSpPr>
-          <p:cNvPr id="620" name="RS_Classification_Standard"/>
+          <p:cNvPr id="668" name="RS_Classification_Standard"/>
           <p:cNvSpPr txBox="1"/>
           <p:nvPr/>
         </p:nvSpPr>
@@ -28412,7 +27838,7 @@
         <p:spPr>
           <a:xfrm>
             <a:off x="379708" y="4934988"/>
-            <a:ext cx="3187860" cy="280718"/>
+            <a:ext cx="3952492" cy="280718"/>
           </a:xfrm>
           <a:prstGeom prst="rect">
             <a:avLst/>
@@ -28432,7 +27858,7 @@
             </a:pPr>
             <a:r>
               <a:rPr lang="en-US" sz="1600" b="1" dirty="0" smtClean="0"/>
-              <a:t>Worst case decoding </a:t>
+              <a:t>Worst case latency decoding </a:t>
             </a:r>
             <a:r>
               <a:rPr lang="en-US" sz="1600" b="1" dirty="0"/>
@@ -28927,7 +28353,7 @@
       </p:sp>
       <p:sp>
         <p:nvSpPr>
-          <p:cNvPr id="565" name="RS_Classification_Standard"/>
+          <p:cNvPr id="612" name="RS_Classification_Standard"/>
           <p:cNvSpPr txBox="1"/>
           <p:nvPr/>
         </p:nvSpPr>
@@ -29030,11 +28456,11 @@
             </a:r>
             <a:r>
               <a:rPr lang="en-US" dirty="0"/>
-              <a:t>encoding and decoding FEC chains are efficiently implemented </a:t>
+              <a:t>encoding and decoding FEC chains are efficiently </a:t>
             </a:r>
             <a:r>
               <a:rPr lang="en-US" dirty="0" smtClean="0"/>
-              <a:t>achieved latency requirements through </a:t>
+              <a:t>implemented, achieved latency requirements through </a:t>
             </a:r>
             <a:r>
               <a:rPr lang="en-US" dirty="0"/>
@@ -29945,7 +29371,7 @@
       </p:sp>
       <p:sp>
         <p:nvSpPr>
-          <p:cNvPr id="624" name="RS_Classification_Standard"/>
+          <p:cNvPr id="671" name="RS_Classification_Standard"/>
           <p:cNvSpPr txBox="1"/>
           <p:nvPr/>
         </p:nvSpPr>
@@ -30137,7 +29563,7 @@
       </p:sp>
       <p:sp>
         <p:nvSpPr>
-          <p:cNvPr id="621" name="RS_Classification_Standard"/>
+          <p:cNvPr id="668" name="RS_Classification_Standard"/>
           <p:cNvSpPr txBox="1"/>
           <p:nvPr/>
         </p:nvSpPr>
@@ -30966,7 +30392,15 @@
             </a:r>
             <a:r>
               <a:rPr lang="de-DE" sz="800" dirty="0" smtClean="0"/>
-              <a:t>Codes</a:t>
+              <a:t>Codes. </a:t>
+            </a:r>
+            <a:r>
+              <a:rPr lang="de-DE" sz="800" dirty="0" err="1" smtClean="0"/>
+              <a:t>Huawei</a:t>
+            </a:r>
+            <a:r>
+              <a:rPr lang="de-DE" sz="800" dirty="0" smtClean="0"/>
+              <a:t> Technologies</a:t>
             </a:r>
             <a:endParaRPr lang="en-US" sz="800" dirty="0" smtClean="0">
               <a:solidFill>
@@ -31166,7 +30600,7 @@
       </p:sp>
       <p:sp>
         <p:nvSpPr>
-          <p:cNvPr id="593" name="RS_Classification_Standard"/>
+          <p:cNvPr id="640" name="RS_Classification_Standard"/>
           <p:cNvSpPr txBox="1"/>
           <p:nvPr/>
         </p:nvSpPr>
@@ -31256,8 +30690,8 @@
         </p:blipFill>
         <p:spPr>
           <a:xfrm>
-            <a:off x="507" y="4205874"/>
-            <a:ext cx="9144000" cy="2584285"/>
+            <a:off x="88987" y="3976631"/>
+            <a:ext cx="8967039" cy="2534272"/>
           </a:xfrm>
           <a:prstGeom prst="rect">
             <a:avLst/>
@@ -31291,75 +30725,7 @@
                   <a:buChar char="•"/>
                 </a:pPr>
                 <a:r>
-                  <a:rPr lang="en-IN" dirty="0" smtClean="0"/>
-                  <a:t>Each </a:t>
-                </a:r>
-                <a:r>
-                  <a:rPr lang="en-IN" dirty="0"/>
-                  <a:t>stage contains vector of size </a:t>
-                </a:r>
-                <a14:m>
-                  <m:oMath xmlns:m="http://schemas.openxmlformats.org/officeDocument/2006/math">
-                    <m:r>
-                      <a:rPr lang="en-IN" i="1" dirty="0" smtClean="0">
-                        <a:latin typeface="Cambria Math" panose="02040503050406030204" pitchFamily="18" charset="0"/>
-                      </a:rPr>
-                      <m:t>𝑁𝑣</m:t>
-                    </m:r>
-                    <m:r>
-                      <a:rPr lang="en-IN" i="1" dirty="0" smtClean="0">
-                        <a:latin typeface="Cambria Math" panose="02040503050406030204" pitchFamily="18" charset="0"/>
-                      </a:rPr>
-                      <m:t> = </m:t>
-                    </m:r>
-                    <m:sSup>
-                      <m:sSupPr>
-                        <m:ctrlPr>
-                          <a:rPr lang="en-IN" i="1" dirty="0" smtClean="0">
-                            <a:latin typeface="Cambria Math" panose="02040503050406030204" pitchFamily="18" charset="0"/>
-                          </a:rPr>
-                        </m:ctrlPr>
-                      </m:sSupPr>
-                      <m:e>
-                        <m:r>
-                          <a:rPr lang="en-US" b="0" i="1" dirty="0" smtClean="0">
-                            <a:latin typeface="Cambria Math" panose="02040503050406030204" pitchFamily="18" charset="0"/>
-                          </a:rPr>
-                          <m:t>2</m:t>
-                        </m:r>
-                      </m:e>
-                      <m:sup>
-                        <m:r>
-                          <a:rPr lang="en-US" b="0" i="1" dirty="0" smtClean="0">
-                            <a:latin typeface="Cambria Math" panose="02040503050406030204" pitchFamily="18" charset="0"/>
-                          </a:rPr>
-                          <m:t>𝑁</m:t>
-                        </m:r>
-                        <m:r>
-                          <a:rPr lang="en-US" b="0" i="1" dirty="0" smtClean="0">
-                            <a:latin typeface="Cambria Math" panose="02040503050406030204" pitchFamily="18" charset="0"/>
-                          </a:rPr>
-                          <m:t>−</m:t>
-                        </m:r>
-                        <m:r>
-                          <a:rPr lang="en-US" b="0" i="1" dirty="0" smtClean="0">
-                            <a:latin typeface="Cambria Math" panose="02040503050406030204" pitchFamily="18" charset="0"/>
-                          </a:rPr>
-                          <m:t>𝑠𝑡𝑎𝑔𝑒</m:t>
-                        </m:r>
-                      </m:sup>
-                    </m:sSup>
-                  </m:oMath>
-                </a14:m>
-                <a:endParaRPr lang="en-IN" baseline="30000" dirty="0"/>
-              </a:p>
-              <a:p>
-                <a:pPr marL="285750" indent="-285750">
-                  <a:buFont typeface="Arial" panose="020B0604020202020204" pitchFamily="34" charset="0"/>
-                  <a:buChar char="•"/>
-                </a:pPr>
-                <a:r>
-                  <a:rPr lang="en-US" dirty="0">
+                  <a:rPr lang="en-US" dirty="0" smtClean="0">
                     <a:latin typeface="Simplified Arabic Fixed" panose="02070309020205020404" pitchFamily="49" charset="-78"/>
                     <a:cs typeface="Simplified Arabic Fixed" panose="02070309020205020404" pitchFamily="49" charset="-78"/>
                   </a:rPr>
@@ -32431,122 +31797,6 @@
           </a:p>
         </p:txBody>
       </p:sp>
-      <p:grpSp>
-        <p:nvGrpSpPr>
-          <p:cNvPr id="130" name="Group 129"/>
-          <p:cNvGrpSpPr/>
-          <p:nvPr/>
-        </p:nvGrpSpPr>
-        <p:grpSpPr>
-          <a:xfrm>
-            <a:off x="407549" y="3799913"/>
-            <a:ext cx="1545608" cy="271677"/>
-            <a:chOff x="275670" y="5845544"/>
-            <a:chExt cx="3396560" cy="271677"/>
-          </a:xfrm>
-        </p:grpSpPr>
-        <p:sp>
-          <p:nvSpPr>
-            <p:cNvPr id="24" name="Flowchart: Or 23"/>
-            <p:cNvSpPr/>
-            <p:nvPr/>
-          </p:nvSpPr>
-          <p:spPr>
-            <a:xfrm>
-              <a:off x="275670" y="5876543"/>
-              <a:ext cx="414582" cy="196497"/>
-            </a:xfrm>
-            <a:prstGeom prst="flowChartOr">
-              <a:avLst/>
-            </a:prstGeom>
-            <a:noFill/>
-            <a:ln w="3175">
-              <a:solidFill>
-                <a:schemeClr val="tx1"/>
-              </a:solidFill>
-            </a:ln>
-          </p:spPr>
-          <p:style>
-            <a:lnRef idx="2">
-              <a:schemeClr val="accent1">
-                <a:shade val="50000"/>
-              </a:schemeClr>
-            </a:lnRef>
-            <a:fillRef idx="1">
-              <a:schemeClr val="accent1"/>
-            </a:fillRef>
-            <a:effectRef idx="0">
-              <a:schemeClr val="accent1"/>
-            </a:effectRef>
-            <a:fontRef idx="minor">
-              <a:schemeClr val="lt1"/>
-            </a:fontRef>
-          </p:style>
-          <p:txBody>
-            <a:bodyPr rot="0" spcFirstLastPara="0" vertOverflow="overflow" horzOverflow="overflow" vert="horz" wrap="square" lIns="91440" tIns="45720" rIns="91440" bIns="45720" numCol="1" spcCol="0" rtlCol="0" fromWordArt="0" anchor="t" anchorCtr="0" forceAA="0" compatLnSpc="1">
-              <a:prstTxWarp prst="textNoShape">
-                <a:avLst/>
-              </a:prstTxWarp>
-              <a:noAutofit/>
-            </a:bodyPr>
-            <a:lstStyle/>
-            <a:p>
-              <a:pPr algn="ctr">
-                <a:lnSpc>
-                  <a:spcPct val="114000"/>
-                </a:lnSpc>
-              </a:pPr>
-              <a:endParaRPr lang="en-US" dirty="0" smtClean="0"/>
-            </a:p>
-          </p:txBody>
-        </p:sp>
-        <p:sp>
-          <p:nvSpPr>
-            <p:cNvPr id="25" name="TextBox 24"/>
-            <p:cNvSpPr txBox="1"/>
-            <p:nvPr/>
-          </p:nvSpPr>
-          <p:spPr>
-            <a:xfrm>
-              <a:off x="841248" y="5845544"/>
-              <a:ext cx="2830982" cy="271677"/>
-            </a:xfrm>
-            <a:prstGeom prst="rect">
-              <a:avLst/>
-            </a:prstGeom>
-            <a:noFill/>
-          </p:spPr>
-          <p:txBody>
-            <a:bodyPr wrap="square" lIns="0" tIns="0" rIns="0" bIns="0" rtlCol="0">
-              <a:spAutoFit/>
-            </a:bodyPr>
-            <a:lstStyle/>
-            <a:p>
-              <a:pPr>
-                <a:lnSpc>
-                  <a:spcPct val="114000"/>
-                </a:lnSpc>
-              </a:pPr>
-              <a:r>
-                <a:rPr lang="en-US" sz="1600" dirty="0">
-                  <a:latin typeface="Simplified Arabic Fixed" panose="02070309020205020404" pitchFamily="49" charset="-78"/>
-                  <a:cs typeface="Simplified Arabic Fixed" panose="02070309020205020404" pitchFamily="49" charset="-78"/>
-                </a:rPr>
-                <a:t>XOR</a:t>
-              </a:r>
-              <a:r>
-                <a:rPr lang="en-US" sz="1600" dirty="0" smtClean="0">
-                  <a:latin typeface="+mn-lt"/>
-                </a:rPr>
-                <a:t> operation</a:t>
-              </a:r>
-              <a:endParaRPr lang="en-US" sz="1600" dirty="0" smtClean="0">
-                <a:latin typeface="+mn-lt"/>
-              </a:endParaRPr>
-            </a:p>
-          </p:txBody>
-        </p:sp>
-      </p:grpSp>
       <p:pic>
         <p:nvPicPr>
           <p:cNvPr id="256" name="Picture 255"/>
@@ -32569,7 +31819,7 @@
         </p:blipFill>
         <p:spPr>
           <a:xfrm>
-            <a:off x="7072550" y="2187506"/>
+            <a:off x="7014028" y="1412095"/>
             <a:ext cx="1456841" cy="1729450"/>
           </a:xfrm>
           <a:prstGeom prst="rect">
@@ -32577,66 +31827,326 @@
           </a:prstGeom>
         </p:spPr>
       </p:pic>
-      <mc:AlternateContent xmlns:mc="http://schemas.openxmlformats.org/markup-compatibility/2006">
-        <mc:Choice xmlns:a14="http://schemas.microsoft.com/office/drawing/2010/main" Requires="a14">
+      <p:grpSp>
+        <p:nvGrpSpPr>
+          <p:cNvPr id="648" name="Group 647"/>
+          <p:cNvGrpSpPr/>
+          <p:nvPr/>
+        </p:nvGrpSpPr>
+        <p:grpSpPr>
+          <a:xfrm>
+            <a:off x="436810" y="3486929"/>
+            <a:ext cx="2910534" cy="307777"/>
+            <a:chOff x="407549" y="3788263"/>
+            <a:chExt cx="2910534" cy="307777"/>
+          </a:xfrm>
+        </p:grpSpPr>
+        <p:grpSp>
+          <p:nvGrpSpPr>
+            <p:cNvPr id="130" name="Group 129"/>
+            <p:cNvGrpSpPr/>
+            <p:nvPr/>
+          </p:nvGrpSpPr>
+          <p:grpSpPr>
+            <a:xfrm>
+              <a:off x="407549" y="3799913"/>
+              <a:ext cx="1545608" cy="271677"/>
+              <a:chOff x="275670" y="5845544"/>
+              <a:chExt cx="3396560" cy="271677"/>
+            </a:xfrm>
+          </p:grpSpPr>
           <p:sp>
             <p:nvSpPr>
-              <p:cNvPr id="548" name="Rectangle 547"/>
+              <p:cNvPr id="24" name="Flowchart: Or 23"/>
               <p:cNvSpPr/>
               <p:nvPr/>
             </p:nvSpPr>
             <p:spPr>
               <a:xfrm>
-                <a:off x="1953158" y="3788263"/>
-                <a:ext cx="1364925" cy="307777"/>
+                <a:off x="275670" y="5876543"/>
+                <a:ext cx="414582" cy="196497"/>
+              </a:xfrm>
+              <a:prstGeom prst="flowChartOr">
+                <a:avLst/>
+              </a:prstGeom>
+              <a:noFill/>
+              <a:ln w="3175">
+                <a:solidFill>
+                  <a:schemeClr val="tx1"/>
+                </a:solidFill>
+              </a:ln>
+            </p:spPr>
+            <p:style>
+              <a:lnRef idx="2">
+                <a:schemeClr val="accent1">
+                  <a:shade val="50000"/>
+                </a:schemeClr>
+              </a:lnRef>
+              <a:fillRef idx="1">
+                <a:schemeClr val="accent1"/>
+              </a:fillRef>
+              <a:effectRef idx="0">
+                <a:schemeClr val="accent1"/>
+              </a:effectRef>
+              <a:fontRef idx="minor">
+                <a:schemeClr val="lt1"/>
+              </a:fontRef>
+            </p:style>
+            <p:txBody>
+              <a:bodyPr rot="0" spcFirstLastPara="0" vertOverflow="overflow" horzOverflow="overflow" vert="horz" wrap="square" lIns="91440" tIns="45720" rIns="91440" bIns="45720" numCol="1" spcCol="0" rtlCol="0" fromWordArt="0" anchor="t" anchorCtr="0" forceAA="0" compatLnSpc="1">
+                <a:prstTxWarp prst="textNoShape">
+                  <a:avLst/>
+                </a:prstTxWarp>
+                <a:noAutofit/>
+              </a:bodyPr>
+              <a:lstStyle/>
+              <a:p>
+                <a:pPr algn="ctr">
+                  <a:lnSpc>
+                    <a:spcPct val="114000"/>
+                  </a:lnSpc>
+                </a:pPr>
+                <a:endParaRPr lang="en-US" dirty="0" smtClean="0"/>
+              </a:p>
+            </p:txBody>
+          </p:sp>
+          <p:sp>
+            <p:nvSpPr>
+              <p:cNvPr id="25" name="TextBox 24"/>
+              <p:cNvSpPr txBox="1"/>
+              <p:nvPr/>
+            </p:nvSpPr>
+            <p:spPr>
+              <a:xfrm>
+                <a:off x="841248" y="5845544"/>
+                <a:ext cx="2830982" cy="271677"/>
               </a:xfrm>
               <a:prstGeom prst="rect">
                 <a:avLst/>
               </a:prstGeom>
+              <a:noFill/>
             </p:spPr>
             <p:txBody>
-              <a:bodyPr wrap="none">
+              <a:bodyPr wrap="square" lIns="0" tIns="0" rIns="0" bIns="0" rtlCol="0">
+                <a:spAutoFit/>
+              </a:bodyPr>
+              <a:lstStyle/>
+              <a:p>
+                <a:pPr>
+                  <a:lnSpc>
+                    <a:spcPct val="114000"/>
+                  </a:lnSpc>
+                </a:pPr>
+                <a:r>
+                  <a:rPr lang="en-US" sz="1600" dirty="0">
+                    <a:latin typeface="Simplified Arabic Fixed" panose="02070309020205020404" pitchFamily="49" charset="-78"/>
+                    <a:cs typeface="Simplified Arabic Fixed" panose="02070309020205020404" pitchFamily="49" charset="-78"/>
+                  </a:rPr>
+                  <a:t>XOR</a:t>
+                </a:r>
+                <a:r>
+                  <a:rPr lang="en-US" sz="1600" dirty="0" smtClean="0">
+                    <a:latin typeface="+mn-lt"/>
+                  </a:rPr>
+                  <a:t> operation</a:t>
+                </a:r>
+                <a:endParaRPr lang="en-US" sz="1600" dirty="0" smtClean="0">
+                  <a:latin typeface="+mn-lt"/>
+                </a:endParaRPr>
+              </a:p>
+            </p:txBody>
+          </p:sp>
+        </p:grpSp>
+        <mc:AlternateContent xmlns:mc="http://schemas.openxmlformats.org/markup-compatibility/2006">
+          <mc:Choice xmlns:a14="http://schemas.microsoft.com/office/drawing/2010/main" Requires="a14">
+            <p:sp>
+              <p:nvSpPr>
+                <p:cNvPr id="548" name="Rectangle 547"/>
+                <p:cNvSpPr/>
+                <p:nvPr/>
+              </p:nvSpPr>
+              <p:spPr>
+                <a:xfrm>
+                  <a:off x="1953158" y="3788263"/>
+                  <a:ext cx="1364925" cy="307777"/>
+                </a:xfrm>
+                <a:prstGeom prst="rect">
+                  <a:avLst/>
+                </a:prstGeom>
+              </p:spPr>
+              <p:txBody>
+                <a:bodyPr wrap="none">
+                  <a:spAutoFit/>
+                </a:bodyPr>
+                <a:lstStyle/>
+                <a:p>
+                  <a:r>
+                    <a:rPr lang="en-US" sz="1400" dirty="0" smtClean="0"/>
+                    <a:t> </a:t>
+                  </a:r>
+                  <a14:m>
+                    <m:oMath xmlns:m="http://schemas.openxmlformats.org/officeDocument/2006/math">
+                      <m:r>
+                        <a:rPr lang="en-US" sz="1400" i="1" dirty="0">
+                          <a:latin typeface="Cambria Math" panose="02040503050406030204" pitchFamily="18" charset="0"/>
+                        </a:rPr>
+                        <m:t>𝐾</m:t>
+                      </m:r>
+                      <m:r>
+                        <a:rPr lang="en-US" sz="1400" i="1" dirty="0">
+                          <a:latin typeface="Cambria Math" panose="02040503050406030204" pitchFamily="18" charset="0"/>
+                        </a:rPr>
+                        <m:t>=4, </m:t>
+                      </m:r>
+                      <m:r>
+                        <a:rPr lang="en-US" sz="1400" i="1" dirty="0">
+                          <a:latin typeface="Cambria Math" panose="02040503050406030204" pitchFamily="18" charset="0"/>
+                        </a:rPr>
+                        <m:t>𝑁</m:t>
+                      </m:r>
+                      <m:r>
+                        <a:rPr lang="en-US" sz="1400" i="1" dirty="0">
+                          <a:latin typeface="Cambria Math" panose="02040503050406030204" pitchFamily="18" charset="0"/>
+                        </a:rPr>
+                        <m:t> = 8</m:t>
+                      </m:r>
+                    </m:oMath>
+                  </a14:m>
+                  <a:r>
+                    <a:rPr lang="en-US" sz="1400" dirty="0"/>
+                    <a:t>.</a:t>
+                  </a:r>
+                  <a:endParaRPr lang="en-US" sz="1400" dirty="0"/>
+                </a:p>
+              </p:txBody>
+            </p:sp>
+          </mc:Choice>
+          <mc:Fallback>
+            <p:sp>
+              <p:nvSpPr>
+                <p:cNvPr id="548" name="Rectangle 547"/>
+                <p:cNvSpPr>
+                  <a:spLocks noRot="1" noChangeAspect="1" noMove="1" noResize="1" noEditPoints="1" noAdjustHandles="1" noChangeArrowheads="1" noChangeShapeType="1" noTextEdit="1"/>
+                </p:cNvSpPr>
+                <p:nvPr/>
+              </p:nvSpPr>
+              <p:spPr>
+                <a:xfrm>
+                  <a:off x="1953158" y="3788263"/>
+                  <a:ext cx="1364925" cy="307777"/>
+                </a:xfrm>
+                <a:prstGeom prst="rect">
+                  <a:avLst/>
+                </a:prstGeom>
+                <a:blipFill>
+                  <a:blip r:embed="rId7"/>
+                  <a:stretch>
+                    <a:fillRect t="-4000" r="-446" b="-22000"/>
+                  </a:stretch>
+                </a:blipFill>
+              </p:spPr>
+              <p:txBody>
+                <a:bodyPr/>
+                <a:lstStyle/>
+                <a:p>
+                  <a:r>
+                    <a:rPr lang="en-US">
+                      <a:noFill/>
+                    </a:rPr>
+                    <a:t> </a:t>
+                  </a:r>
+                </a:p>
+              </p:txBody>
+            </p:sp>
+          </mc:Fallback>
+        </mc:AlternateContent>
+      </p:grpSp>
+      <mc:AlternateContent xmlns:mc="http://schemas.openxmlformats.org/markup-compatibility/2006">
+        <mc:Choice xmlns:a14="http://schemas.microsoft.com/office/drawing/2010/main" Requires="a14">
+          <p:sp>
+            <p:nvSpPr>
+              <p:cNvPr id="644" name="TextBox 643"/>
+              <p:cNvSpPr txBox="1"/>
+              <p:nvPr/>
+            </p:nvSpPr>
+            <p:spPr>
+              <a:xfrm>
+                <a:off x="6893735" y="3547970"/>
+                <a:ext cx="2052074" cy="369332"/>
+              </a:xfrm>
+              <a:prstGeom prst="rect">
+                <a:avLst/>
+              </a:prstGeom>
+              <a:noFill/>
+            </p:spPr>
+            <p:txBody>
+              <a:bodyPr wrap="square" lIns="0" tIns="0" rIns="0" bIns="0" rtlCol="0">
                 <a:spAutoFit/>
               </a:bodyPr>
               <a:lstStyle/>
               <a:p>
                 <a:r>
-                  <a:rPr lang="en-US" sz="1400" dirty="0" smtClean="0"/>
-                  <a:t> </a:t>
+                  <a:rPr lang="en-IN" sz="1200" dirty="0"/>
+                  <a:t>Each </a:t>
+                </a:r>
+                <a:r>
+                  <a:rPr lang="en-IN" sz="1200" dirty="0"/>
+                  <a:t>stage contains vector of size </a:t>
                 </a:r>
                 <a14:m>
                   <m:oMath xmlns:m="http://schemas.openxmlformats.org/officeDocument/2006/math">
                     <m:r>
-                      <a:rPr lang="en-US" sz="1400" i="1" dirty="0">
+                      <a:rPr lang="en-IN" sz="1200" i="1" dirty="0">
                         <a:latin typeface="Cambria Math" panose="02040503050406030204" pitchFamily="18" charset="0"/>
                       </a:rPr>
-                      <m:t>𝐾</m:t>
+                      <m:t>𝑁𝑣</m:t>
                     </m:r>
                     <m:r>
-                      <a:rPr lang="en-US" sz="1400" i="1" dirty="0">
+                      <a:rPr lang="en-IN" sz="1200" i="1" dirty="0">
                         <a:latin typeface="Cambria Math" panose="02040503050406030204" pitchFamily="18" charset="0"/>
                       </a:rPr>
-                      <m:t>=4, </m:t>
+                      <m:t> = </m:t>
                     </m:r>
-                    <m:r>
-                      <a:rPr lang="en-US" sz="1400" i="1" dirty="0">
-                        <a:latin typeface="Cambria Math" panose="02040503050406030204" pitchFamily="18" charset="0"/>
-                      </a:rPr>
-                      <m:t>𝑁</m:t>
-                    </m:r>
-                    <m:r>
-                      <a:rPr lang="en-US" sz="1400" i="1" dirty="0">
-                        <a:latin typeface="Cambria Math" panose="02040503050406030204" pitchFamily="18" charset="0"/>
-                      </a:rPr>
-                      <m:t> = 8</m:t>
-                    </m:r>
+                    <m:sSup>
+                      <m:sSupPr>
+                        <m:ctrlPr>
+                          <a:rPr lang="en-IN" sz="1200" i="1" dirty="0">
+                            <a:latin typeface="Cambria Math" panose="02040503050406030204" pitchFamily="18" charset="0"/>
+                          </a:rPr>
+                        </m:ctrlPr>
+                      </m:sSupPr>
+                      <m:e>
+                        <m:r>
+                          <a:rPr lang="en-US" sz="1200" i="1" dirty="0">
+                            <a:latin typeface="Cambria Math" panose="02040503050406030204" pitchFamily="18" charset="0"/>
+                          </a:rPr>
+                          <m:t>2</m:t>
+                        </m:r>
+                      </m:e>
+                      <m:sup>
+                        <m:r>
+                          <a:rPr lang="en-US" sz="1200" i="1" dirty="0">
+                            <a:latin typeface="Cambria Math" panose="02040503050406030204" pitchFamily="18" charset="0"/>
+                          </a:rPr>
+                          <m:t>𝑁</m:t>
+                        </m:r>
+                        <m:r>
+                          <a:rPr lang="en-US" sz="1200" i="1" dirty="0">
+                            <a:latin typeface="Cambria Math" panose="02040503050406030204" pitchFamily="18" charset="0"/>
+                          </a:rPr>
+                          <m:t>−</m:t>
+                        </m:r>
+                        <m:r>
+                          <a:rPr lang="en-US" sz="1200" i="1" dirty="0">
+                            <a:latin typeface="Cambria Math" panose="02040503050406030204" pitchFamily="18" charset="0"/>
+                          </a:rPr>
+                          <m:t>𝑠𝑡𝑎𝑔𝑒</m:t>
+                        </m:r>
+                      </m:sup>
+                    </m:sSup>
                   </m:oMath>
                 </a14:m>
-                <a:r>
-                  <a:rPr lang="en-US" sz="1400" dirty="0"/>
-                  <a:t>.</a:t>
-                </a:r>
-                <a:endParaRPr lang="en-US" sz="1400" dirty="0"/>
+                <a:endParaRPr lang="en-IN" sz="1200" baseline="30000" dirty="0"/>
               </a:p>
             </p:txBody>
           </p:sp>
@@ -32644,24 +32154,24 @@
         <mc:Fallback>
           <p:sp>
             <p:nvSpPr>
-              <p:cNvPr id="548" name="Rectangle 547"/>
-              <p:cNvSpPr>
+              <p:cNvPr id="644" name="TextBox 643"/>
+              <p:cNvSpPr txBox="1">
                 <a:spLocks noRot="1" noChangeAspect="1" noMove="1" noResize="1" noEditPoints="1" noAdjustHandles="1" noChangeArrowheads="1" noChangeShapeType="1" noTextEdit="1"/>
               </p:cNvSpPr>
               <p:nvPr/>
             </p:nvSpPr>
             <p:spPr>
               <a:xfrm>
-                <a:off x="1953158" y="3788263"/>
-                <a:ext cx="1364925" cy="307777"/>
+                <a:off x="6893735" y="3547970"/>
+                <a:ext cx="2052074" cy="369332"/>
               </a:xfrm>
               <a:prstGeom prst="rect">
                 <a:avLst/>
               </a:prstGeom>
               <a:blipFill>
-                <a:blip r:embed="rId7"/>
+                <a:blip r:embed="rId8"/>
                 <a:stretch>
-                  <a:fillRect t="-1961" r="-446" b="-19608"/>
+                  <a:fillRect l="-4762" t="-14754" r="-3869" b="-22951"/>
                 </a:stretch>
               </a:blipFill>
             </p:spPr>
@@ -32682,7 +32192,7 @@
       </mc:AlternateContent>
       <p:sp>
         <p:nvSpPr>
-          <p:cNvPr id="627" name="RS_Classification_Standard"/>
+          <p:cNvPr id="676" name="RS_Classification_Standard"/>
           <p:cNvSpPr txBox="1"/>
           <p:nvPr/>
         </p:nvSpPr>
@@ -32901,9 +32411,138 @@
           </a:p>
         </p:txBody>
       </p:sp>
+      <mc:AlternateContent xmlns:mc="http://schemas.openxmlformats.org/markup-compatibility/2006">
+        <mc:Choice xmlns:a14="http://schemas.microsoft.com/office/drawing/2010/main" Requires="a14">
+          <p:sp>
+            <p:nvSpPr>
+              <p:cNvPr id="617" name="TextBox 616"/>
+              <p:cNvSpPr txBox="1"/>
+              <p:nvPr/>
+            </p:nvSpPr>
+            <p:spPr>
+              <a:xfrm>
+                <a:off x="6835214" y="2999574"/>
+                <a:ext cx="2052074" cy="369332"/>
+              </a:xfrm>
+              <a:prstGeom prst="rect">
+                <a:avLst/>
+              </a:prstGeom>
+              <a:noFill/>
+            </p:spPr>
+            <p:txBody>
+              <a:bodyPr wrap="square" lIns="0" tIns="0" rIns="0" bIns="0" rtlCol="0">
+                <a:spAutoFit/>
+              </a:bodyPr>
+              <a:lstStyle/>
+              <a:p>
+                <a:r>
+                  <a:rPr lang="en-IN" sz="1200" dirty="0"/>
+                  <a:t>Each </a:t>
+                </a:r>
+                <a:r>
+                  <a:rPr lang="en-IN" sz="1200" dirty="0"/>
+                  <a:t>stage contains vector of size </a:t>
+                </a:r>
+                <a14:m>
+                  <m:oMath xmlns:m="http://schemas.openxmlformats.org/officeDocument/2006/math">
+                    <m:r>
+                      <a:rPr lang="en-IN" sz="1200" i="1" dirty="0">
+                        <a:latin typeface="Cambria Math" panose="02040503050406030204" pitchFamily="18" charset="0"/>
+                      </a:rPr>
+                      <m:t>𝑁𝑣</m:t>
+                    </m:r>
+                    <m:r>
+                      <a:rPr lang="en-IN" sz="1200" i="1" dirty="0">
+                        <a:latin typeface="Cambria Math" panose="02040503050406030204" pitchFamily="18" charset="0"/>
+                      </a:rPr>
+                      <m:t> = </m:t>
+                    </m:r>
+                    <m:sSup>
+                      <m:sSupPr>
+                        <m:ctrlPr>
+                          <a:rPr lang="en-IN" sz="1200" i="1" dirty="0">
+                            <a:latin typeface="Cambria Math" panose="02040503050406030204" pitchFamily="18" charset="0"/>
+                          </a:rPr>
+                        </m:ctrlPr>
+                      </m:sSupPr>
+                      <m:e>
+                        <m:r>
+                          <a:rPr lang="en-US" sz="1200" i="1" dirty="0">
+                            <a:latin typeface="Cambria Math" panose="02040503050406030204" pitchFamily="18" charset="0"/>
+                          </a:rPr>
+                          <m:t>2</m:t>
+                        </m:r>
+                      </m:e>
+                      <m:sup>
+                        <m:r>
+                          <a:rPr lang="en-US" sz="1200" i="1" dirty="0">
+                            <a:latin typeface="Cambria Math" panose="02040503050406030204" pitchFamily="18" charset="0"/>
+                          </a:rPr>
+                          <m:t>𝑁</m:t>
+                        </m:r>
+                        <m:r>
+                          <a:rPr lang="en-US" sz="1200" i="1" dirty="0">
+                            <a:latin typeface="Cambria Math" panose="02040503050406030204" pitchFamily="18" charset="0"/>
+                          </a:rPr>
+                          <m:t>−</m:t>
+                        </m:r>
+                        <m:r>
+                          <a:rPr lang="en-US" sz="1200" i="1" dirty="0">
+                            <a:latin typeface="Cambria Math" panose="02040503050406030204" pitchFamily="18" charset="0"/>
+                          </a:rPr>
+                          <m:t>𝑠𝑡𝑎𝑔𝑒</m:t>
+                        </m:r>
+                      </m:sup>
+                    </m:sSup>
+                  </m:oMath>
+                </a14:m>
+                <a:endParaRPr lang="en-IN" sz="1200" baseline="30000" dirty="0"/>
+              </a:p>
+            </p:txBody>
+          </p:sp>
+        </mc:Choice>
+        <mc:Fallback>
+          <p:sp>
+            <p:nvSpPr>
+              <p:cNvPr id="617" name="TextBox 616"/>
+              <p:cNvSpPr txBox="1">
+                <a:spLocks noRot="1" noChangeAspect="1" noMove="1" noResize="1" noEditPoints="1" noAdjustHandles="1" noChangeArrowheads="1" noChangeShapeType="1" noTextEdit="1"/>
+              </p:cNvSpPr>
+              <p:nvPr/>
+            </p:nvSpPr>
+            <p:spPr>
+              <a:xfrm>
+                <a:off x="6835214" y="2999574"/>
+                <a:ext cx="2052074" cy="369332"/>
+              </a:xfrm>
+              <a:prstGeom prst="rect">
+                <a:avLst/>
+              </a:prstGeom>
+              <a:blipFill>
+                <a:blip r:embed="rId4"/>
+                <a:stretch>
+                  <a:fillRect l="-4451" t="-14754" r="-3858" b="-22951"/>
+                </a:stretch>
+              </a:blipFill>
+            </p:spPr>
+            <p:txBody>
+              <a:bodyPr/>
+              <a:lstStyle/>
+              <a:p>
+                <a:r>
+                  <a:rPr lang="en-US">
+                    <a:noFill/>
+                  </a:rPr>
+                  <a:t> </a:t>
+                </a:r>
+              </a:p>
+            </p:txBody>
+          </p:sp>
+        </mc:Fallback>
+      </mc:AlternateContent>
       <p:sp>
         <p:nvSpPr>
-          <p:cNvPr id="596" name="RS_Classification_Standard"/>
+          <p:cNvPr id="644" name="RS_Classification_Standard"/>
           <p:cNvSpPr txBox="1"/>
           <p:nvPr/>
         </p:nvSpPr>
@@ -33588,6 +33227,15 @@
                       </m:sSubPr>
                       <m:e>
                         <m:r>
+                          <a:rPr lang="en-US" i="1" dirty="0">
+                            <a:solidFill>
+                              <a:prstClr val="black"/>
+                            </a:solidFill>
+                            <a:latin typeface="Cambria Math" panose="02040503050406030204" pitchFamily="18" charset="0"/>
+                          </a:rPr>
+                          <m:t>|</m:t>
+                        </m:r>
+                        <m:r>
                           <a:rPr lang="en-US" i="1">
                             <a:solidFill>
                               <a:prstClr val="black"/>
@@ -33611,16 +33259,6 @@
                         </m:r>
                       </m:sub>
                     </m:sSub>
-                    <m:r>
-                      <a:rPr lang="en-US" i="1">
-                        <a:solidFill>
-                          <a:prstClr val="black"/>
-                        </a:solidFill>
-                        <a:latin typeface="Cambria Math" panose="02040503050406030204" pitchFamily="18" charset="0"/>
-                        <a:ea typeface="Cambria Math" panose="02040503050406030204" pitchFamily="18" charset="0"/>
-                      </a:rPr>
-                      <m:t> </m:t>
-                    </m:r>
                     <m:d>
                       <m:dPr>
                         <m:begChr m:val="["/>
@@ -33706,6 +33344,15 @@
                         </m:f>
                       </m:e>
                     </m:d>
+                    <m:r>
+                      <a:rPr lang="en-US" i="1" dirty="0">
+                        <a:solidFill>
+                          <a:prstClr val="black"/>
+                        </a:solidFill>
+                        <a:latin typeface="Cambria Math" panose="02040503050406030204" pitchFamily="18" charset="0"/>
+                      </a:rPr>
+                      <m:t>|</m:t>
+                    </m:r>
                     <m:r>
                       <a:rPr lang="en-US" i="1" dirty="0">
                         <a:solidFill>
@@ -34993,7 +34640,7 @@
       </p:sp>
       <p:sp>
         <p:nvSpPr>
-          <p:cNvPr id="449" name="RS_Classification_Standard"/>
+          <p:cNvPr id="496" name="RS_Classification_Standard"/>
           <p:cNvSpPr txBox="1"/>
           <p:nvPr/>
         </p:nvSpPr>
@@ -35066,36 +34713,6 @@
           <a:chExt cx="0" cy="0"/>
         </a:xfrm>
       </p:grpSpPr>
-      <p:pic>
-        <p:nvPicPr>
-          <p:cNvPr id="125" name="Picture 124"/>
-          <p:cNvPicPr>
-            <a:picLocks noChangeAspect="1"/>
-          </p:cNvPicPr>
-          <p:nvPr/>
-        </p:nvPicPr>
-        <p:blipFill>
-          <a:blip r:embed="rId4">
-            <a:extLst>
-              <a:ext uri="{28A0092B-C50C-407E-A947-70E740481C1C}">
-                <a14:useLocalDpi xmlns:a14="http://schemas.microsoft.com/office/drawing/2010/main" val="0"/>
-              </a:ext>
-            </a:extLst>
-          </a:blip>
-          <a:stretch>
-            <a:fillRect/>
-          </a:stretch>
-        </p:blipFill>
-        <p:spPr>
-          <a:xfrm>
-            <a:off x="0" y="3694360"/>
-            <a:ext cx="9144000" cy="2778953"/>
-          </a:xfrm>
-          <a:prstGeom prst="rect">
-            <a:avLst/>
-          </a:prstGeom>
-        </p:spPr>
-      </p:pic>
       <p:sp>
         <p:nvSpPr>
           <p:cNvPr id="3" name="Slide Number Placeholder 2"/>
@@ -35184,7 +34801,15 @@
                 </a:pPr>
                 <a:r>
                   <a:rPr lang="en-US" dirty="0" smtClean="0"/>
-                  <a:t>Fast-SSC algorithm identifies special component codes from polar code which allow immediate decoding avoiding full tree traversal.</a:t>
+                  <a:t>Fast-SSC algorithm</a:t>
+                </a:r>
+                <a:r>
+                  <a:rPr lang="en-US" baseline="30000" dirty="0" smtClean="0"/>
+                  <a:t>[1] </a:t>
+                </a:r>
+                <a:r>
+                  <a:rPr lang="en-US" dirty="0" smtClean="0"/>
+                  <a:t>identifies special component codes from polar code which allow immediate decoding avoiding full tree traversal.</a:t>
                 </a:r>
                 <a:endParaRPr lang="en-US" dirty="0"/>
               </a:p>
@@ -35281,7 +34906,7 @@
                 <a:ext cx="8508999" cy="4699572"/>
               </a:xfrm>
               <a:blipFill>
-                <a:blip r:embed="rId5"/>
+                <a:blip r:embed="rId4"/>
                 <a:stretch>
                   <a:fillRect l="-1361" t="-1169"/>
                 </a:stretch>
@@ -35302,93 +34927,255 @@
           </p:sp>
         </mc:Fallback>
       </mc:AlternateContent>
+      <p:grpSp>
+        <p:nvGrpSpPr>
+          <p:cNvPr id="605" name="Group 604"/>
+          <p:cNvGrpSpPr/>
+          <p:nvPr/>
+        </p:nvGrpSpPr>
+        <p:grpSpPr>
+          <a:xfrm>
+            <a:off x="-1" y="3089664"/>
+            <a:ext cx="9144000" cy="3097949"/>
+            <a:chOff x="-1" y="3375364"/>
+            <a:chExt cx="9144000" cy="3097949"/>
+          </a:xfrm>
+        </p:grpSpPr>
+        <p:pic>
+          <p:nvPicPr>
+            <p:cNvPr id="125" name="Picture 124"/>
+            <p:cNvPicPr>
+              <a:picLocks noChangeAspect="1"/>
+            </p:cNvPicPr>
+            <p:nvPr/>
+          </p:nvPicPr>
+          <p:blipFill>
+            <a:blip r:embed="rId5">
+              <a:extLst>
+                <a:ext uri="{28A0092B-C50C-407E-A947-70E740481C1C}">
+                  <a14:useLocalDpi xmlns:a14="http://schemas.microsoft.com/office/drawing/2010/main" val="0"/>
+                </a:ext>
+              </a:extLst>
+            </a:blip>
+            <a:stretch>
+              <a:fillRect/>
+            </a:stretch>
+          </p:blipFill>
+          <p:spPr>
+            <a:xfrm>
+              <a:off x="-1" y="3694360"/>
+              <a:ext cx="9144000" cy="2778953"/>
+            </a:xfrm>
+            <a:prstGeom prst="rect">
+              <a:avLst/>
+            </a:prstGeom>
+          </p:spPr>
+        </p:pic>
+        <p:sp>
+          <p:nvSpPr>
+            <p:cNvPr id="160" name="TextBox 159"/>
+            <p:cNvSpPr txBox="1"/>
+            <p:nvPr/>
+          </p:nvSpPr>
+          <p:spPr>
+            <a:xfrm>
+              <a:off x="860156" y="3375364"/>
+              <a:ext cx="3169404" cy="257250"/>
+            </a:xfrm>
+            <a:prstGeom prst="rect">
+              <a:avLst/>
+            </a:prstGeom>
+            <a:noFill/>
+          </p:spPr>
+          <p:txBody>
+            <a:bodyPr wrap="square" lIns="0" tIns="0" rIns="0" bIns="0" rtlCol="0">
+              <a:spAutoFit/>
+            </a:bodyPr>
+            <a:lstStyle/>
+            <a:p>
+              <a:pPr algn="ctr">
+                <a:lnSpc>
+                  <a:spcPct val="114000"/>
+                </a:lnSpc>
+              </a:pPr>
+              <a:r>
+                <a:rPr lang="en-US" sz="1600" dirty="0" smtClean="0">
+                  <a:latin typeface="+mn-lt"/>
+                </a:rPr>
+                <a:t>Origina</a:t>
+              </a:r>
+              <a:r>
+                <a:rPr lang="en-US" sz="1600" dirty="0" smtClean="0">
+                  <a:latin typeface="+mn-lt"/>
+                </a:rPr>
+                <a:t>l decoder tree</a:t>
+              </a:r>
+              <a:endParaRPr lang="en-US" sz="1600" dirty="0" smtClean="0">
+                <a:latin typeface="+mn-lt"/>
+              </a:endParaRPr>
+            </a:p>
+          </p:txBody>
+        </p:sp>
+        <p:sp>
+          <p:nvSpPr>
+            <p:cNvPr id="162" name="TextBox 161"/>
+            <p:cNvSpPr txBox="1"/>
+            <p:nvPr/>
+          </p:nvSpPr>
+          <p:spPr>
+            <a:xfrm>
+              <a:off x="5916586" y="3375364"/>
+              <a:ext cx="2045776" cy="257250"/>
+            </a:xfrm>
+            <a:prstGeom prst="rect">
+              <a:avLst/>
+            </a:prstGeom>
+            <a:noFill/>
+          </p:spPr>
+          <p:txBody>
+            <a:bodyPr wrap="square" lIns="0" tIns="0" rIns="0" bIns="0" rtlCol="0">
+              <a:spAutoFit/>
+            </a:bodyPr>
+            <a:lstStyle/>
+            <a:p>
+              <a:pPr algn="ctr">
+                <a:lnSpc>
+                  <a:spcPct val="114000"/>
+                </a:lnSpc>
+              </a:pPr>
+              <a:r>
+                <a:rPr lang="en-US" sz="1600" dirty="0" smtClean="0">
+                  <a:latin typeface="+mn-lt"/>
+                </a:rPr>
+                <a:t>Reduced tree</a:t>
+              </a:r>
+              <a:endParaRPr lang="en-US" sz="1600" dirty="0" smtClean="0">
+                <a:latin typeface="+mn-lt"/>
+              </a:endParaRPr>
+            </a:p>
+          </p:txBody>
+        </p:sp>
+      </p:grpSp>
       <p:sp>
         <p:nvSpPr>
-          <p:cNvPr id="160" name="TextBox 159"/>
-          <p:cNvSpPr txBox="1"/>
-          <p:nvPr/>
+          <p:cNvPr id="607" name="Footer Placeholder 39"/>
+          <p:cNvSpPr>
+            <a:spLocks noGrp="1"/>
+          </p:cNvSpPr>
+          <p:nvPr>
+            <p:ph type="ftr" sz="quarter" idx="12"/>
+          </p:nvPr>
         </p:nvSpPr>
         <p:spPr>
           <a:xfrm>
-            <a:off x="860156" y="3375364"/>
-            <a:ext cx="3169404" cy="257250"/>
+            <a:off x="319090" y="6438900"/>
+            <a:ext cx="8297379" cy="257178"/>
           </a:xfrm>
-          <a:prstGeom prst="rect">
-            <a:avLst/>
-          </a:prstGeom>
-          <a:noFill/>
         </p:spPr>
         <p:txBody>
-          <a:bodyPr wrap="square" lIns="0" tIns="0" rIns="0" bIns="0" rtlCol="0">
-            <a:spAutoFit/>
-          </a:bodyPr>
+          <a:bodyPr/>
           <a:lstStyle/>
           <a:p>
-            <a:pPr algn="ctr">
+            <a:pPr marL="228600" indent="-228600">
+              <a:buFont typeface="+mj-lt"/>
+              <a:buAutoNum type="arabicPeriod"/>
+            </a:pPr>
+            <a:r>
+              <a:rPr lang="en-US" sz="800" dirty="0" smtClean="0"/>
+              <a:t>Fast Polar Decoders: Algorithm and Implementation.</a:t>
+            </a:r>
+            <a:r>
+              <a:rPr lang="en-US" dirty="0"/>
+              <a:t> </a:t>
+            </a:r>
+            <a:r>
+              <a:rPr lang="en-US" sz="800" dirty="0"/>
+              <a:t>Gabi </a:t>
+            </a:r>
+            <a:r>
+              <a:rPr lang="en-US" sz="800" dirty="0" err="1"/>
+              <a:t>Sarkis</a:t>
+            </a:r>
+            <a:r>
+              <a:rPr lang="en-US" sz="800" dirty="0"/>
+              <a:t>, </a:t>
+            </a:r>
+            <a:r>
+              <a:rPr lang="en-US" sz="800" dirty="0"/>
+              <a:t>Pascal </a:t>
+            </a:r>
+            <a:r>
+              <a:rPr lang="en-US" sz="800" dirty="0" err="1"/>
+              <a:t>Giard</a:t>
+            </a:r>
+            <a:r>
+              <a:rPr lang="en-US" sz="800" dirty="0"/>
+              <a:t> </a:t>
+            </a:r>
+            <a:r>
+              <a:rPr lang="en-US" sz="800" dirty="0"/>
+              <a:t>, </a:t>
+            </a:r>
+            <a:r>
+              <a:rPr lang="en-US" sz="800" dirty="0"/>
+              <a:t>Alexander </a:t>
+            </a:r>
+            <a:r>
+              <a:rPr lang="en-US" sz="800" dirty="0"/>
+              <a:t>Vardy</a:t>
+            </a:r>
+            <a:r>
+              <a:rPr lang="en-US" sz="800" dirty="0"/>
+              <a:t> </a:t>
+            </a:r>
+            <a:r>
+              <a:rPr lang="en-US" sz="800" dirty="0"/>
+              <a:t>, </a:t>
+            </a:r>
+            <a:r>
+              <a:rPr lang="en-US" sz="800" dirty="0"/>
+              <a:t>Claude </a:t>
+            </a:r>
+            <a:r>
+              <a:rPr lang="en-US" sz="800" dirty="0" err="1"/>
+              <a:t>Thibeault</a:t>
+            </a:r>
+            <a:r>
+              <a:rPr lang="en-US" sz="800" dirty="0"/>
+              <a:t>, </a:t>
+            </a:r>
+            <a:r>
+              <a:rPr lang="en-US" sz="800" dirty="0"/>
+              <a:t>and Warren J. </a:t>
+            </a:r>
+            <a:r>
+              <a:rPr lang="en-US" sz="800" dirty="0"/>
+              <a:t>Gross</a:t>
+            </a:r>
+            <a:endParaRPr lang="en-US" sz="800" dirty="0"/>
+          </a:p>
+          <a:p>
+            <a:pPr marL="342900" lvl="0" indent="-342900" eaLnBrk="1" fontAlgn="auto" hangingPunct="1">
               <a:lnSpc>
-                <a:spcPct val="114000"/>
+                <a:spcPct val="112000"/>
               </a:lnSpc>
+              <a:spcBef>
+                <a:spcPts val="0"/>
+              </a:spcBef>
+              <a:spcAft>
+                <a:spcPts val="0"/>
+              </a:spcAft>
+              <a:buSzPct val="105000"/>
+              <a:buFont typeface="+mj-lt"/>
+              <a:buAutoNum type="arabicPeriod"/>
             </a:pPr>
-            <a:r>
-              <a:rPr lang="en-US" sz="1600" dirty="0" smtClean="0">
-                <a:latin typeface="+mn-lt"/>
-              </a:rPr>
-              <a:t>Origina</a:t>
-            </a:r>
-            <a:r>
-              <a:rPr lang="en-US" sz="1600" dirty="0" smtClean="0">
-                <a:latin typeface="+mn-lt"/>
-              </a:rPr>
-              <a:t>l decoder tree</a:t>
-            </a:r>
-            <a:endParaRPr lang="en-US" sz="1600" dirty="0" smtClean="0">
-              <a:latin typeface="+mn-lt"/>
-            </a:endParaRPr>
+            <a:endParaRPr lang="en-US" sz="800" dirty="0"/>
           </a:p>
         </p:txBody>
       </p:sp>
       <p:sp>
         <p:nvSpPr>
-          <p:cNvPr id="162" name="TextBox 161"/>
-          <p:cNvSpPr txBox="1"/>
-          <p:nvPr/>
-        </p:nvSpPr>
-        <p:spPr>
-          <a:xfrm>
-            <a:off x="5916586" y="3375364"/>
-            <a:ext cx="2045776" cy="257250"/>
-          </a:xfrm>
-          <a:prstGeom prst="rect">
-            <a:avLst/>
-          </a:prstGeom>
-          <a:noFill/>
-        </p:spPr>
-        <p:txBody>
-          <a:bodyPr wrap="square" lIns="0" tIns="0" rIns="0" bIns="0" rtlCol="0">
-            <a:spAutoFit/>
-          </a:bodyPr>
-          <a:lstStyle/>
-          <a:p>
-            <a:pPr algn="ctr">
-              <a:lnSpc>
-                <a:spcPct val="114000"/>
-              </a:lnSpc>
-            </a:pPr>
-            <a:r>
-              <a:rPr lang="en-US" sz="1600" dirty="0" smtClean="0">
-                <a:latin typeface="+mn-lt"/>
-              </a:rPr>
-              <a:t>Reduced tree</a:t>
-            </a:r>
-            <a:endParaRPr lang="en-US" sz="1600" dirty="0" smtClean="0">
-              <a:latin typeface="+mn-lt"/>
-            </a:endParaRPr>
-          </a:p>
-        </p:txBody>
-      </p:sp>
-      <p:sp>
-        <p:nvSpPr>
-          <p:cNvPr id="598" name="RS_Classification_Standard"/>
+          <p:cNvPr id="647" name="RS_Classification_Standard"/>
           <p:cNvSpPr txBox="1"/>
           <p:nvPr/>
         </p:nvSpPr>
@@ -35670,7 +35457,7 @@
       </p:sp>
       <p:sp>
         <p:nvSpPr>
-          <p:cNvPr id="592" name="RS_Classification_Standard"/>
+          <p:cNvPr id="639" name="RS_Classification_Standard"/>
           <p:cNvSpPr txBox="1"/>
           <p:nvPr/>
         </p:nvSpPr>

--- a/final_presentation/finalPpt1.1.pptx
+++ b/final_presentation/finalPpt1.1.pptx
@@ -41,8 +41,8 @@
     <p:sldId id="423" r:id="rId29"/>
     <p:sldId id="424" r:id="rId30"/>
     <p:sldId id="429" r:id="rId31"/>
-    <p:sldId id="425" r:id="rId32"/>
-    <p:sldId id="427" r:id="rId33"/>
+    <p:sldId id="427" r:id="rId32"/>
+    <p:sldId id="425" r:id="rId33"/>
     <p:sldId id="428" r:id="rId34"/>
     <p:sldId id="409" r:id="rId35"/>
     <p:sldId id="426" r:id="rId36"/>
@@ -321,7 +321,7 @@
               <a:pPr>
                 <a:defRPr/>
               </a:pPr>
-              <a:t>14/11/2018</a:t>
+              <a:t>15/11/2018</a:t>
             </a:fld>
             <a:endParaRPr lang="en-GB" dirty="0"/>
           </a:p>
@@ -540,7 +540,7 @@
               <a:pPr>
                 <a:defRPr/>
               </a:pPr>
-              <a:t>14/11/2018</a:t>
+              <a:t>15/11/2018</a:t>
             </a:fld>
             <a:endParaRPr lang="en-GB"/>
           </a:p>
@@ -1575,13 +1575,13 @@
           <a:lstStyle/>
           <a:p>
             <a:r>
-              <a:rPr lang="en-US" dirty="0" smtClean="0"/>
+              <a:rPr lang="en-US" dirty="0"/>
               <a:t>position searching, polar transform</a:t>
             </a:r>
           </a:p>
           <a:p>
             <a:r>
-              <a:rPr lang="en-US" dirty="0" smtClean="0"/>
+              <a:rPr lang="en-US" dirty="0"/>
               <a:t> Parity calculation,</a:t>
             </a:r>
           </a:p>
@@ -2405,10 +2405,6 @@
             <a:br>
               <a:rPr lang="de-DE" noProof="0" dirty="0"/>
             </a:br>
-            <a:r>
-              <a:rPr lang="de-DE" noProof="0" dirty="0"/>
-              <a:t/>
-            </a:r>
             <a:br>
               <a:rPr lang="de-DE" noProof="0" dirty="0"/>
             </a:br>
@@ -2621,10 +2617,6 @@
             <a:br>
               <a:rPr lang="de-DE" noProof="0" dirty="0"/>
             </a:br>
-            <a:r>
-              <a:rPr lang="de-DE" noProof="0" dirty="0"/>
-              <a:t/>
-            </a:r>
             <a:br>
               <a:rPr lang="de-DE" noProof="0" dirty="0"/>
             </a:br>
@@ -8292,23 +8284,7 @@
           <a:p>
             <a:r>
               <a:rPr lang="de-DE" dirty="0"/>
-              <a:t>Yadhunandana </a:t>
-            </a:r>
-            <a:r>
-              <a:rPr lang="de-DE" dirty="0" smtClean="0"/>
-              <a:t>Kumaraiah </a:t>
-            </a:r>
-            <a:r>
-              <a:rPr lang="de-DE" dirty="0"/>
-              <a:t>(</a:t>
-            </a:r>
-            <a:r>
-              <a:rPr lang="de-DE" dirty="0" smtClean="0"/>
-              <a:t>Yadhu</a:t>
-            </a:r>
-            <a:r>
-              <a:rPr lang="de-DE" dirty="0"/>
-              <a:t>)</a:t>
+              <a:t>Yadhunandana Kumaraiah (Yadhu)</a:t>
             </a:r>
           </a:p>
           <a:p>
@@ -8331,28 +8307,20 @@
           </a:p>
           <a:p>
             <a:r>
-              <a:rPr lang="en-US" dirty="0" smtClean="0"/>
+              <a:rPr lang="en-US" dirty="0"/>
               <a:t>Fabian Steiner, Peihong Yuan (TUM)</a:t>
             </a:r>
           </a:p>
           <a:p>
             <a:r>
-              <a:rPr lang="en-US" dirty="0" smtClean="0"/>
-              <a:t>Dr</a:t>
-            </a:r>
-            <a:r>
               <a:rPr lang="en-US" dirty="0"/>
-              <a:t>. Moritz Harteneck, Alexander Heinz </a:t>
+              <a:t>Dr. Moritz Harteneck, Alexander Heinz </a:t>
             </a:r>
           </a:p>
           <a:p>
             <a:r>
               <a:rPr lang="en-US" dirty="0"/>
-              <a:t>			(Rohde &amp; Schwarz</a:t>
-            </a:r>
-            <a:r>
-              <a:rPr lang="en-US" dirty="0" smtClean="0"/>
-              <a:t>)</a:t>
+              <a:t>			(Rohde &amp; Schwarz)</a:t>
             </a:r>
           </a:p>
           <a:p>
@@ -8413,7 +8381,7 @@
           </a:bodyPr>
           <a:lstStyle/>
           <a:p>
-            <a:endParaRPr lang="en-US" sz="1100" b="1" kern="900" spc="100" dirty="0" err="1" smtClean="0">
+            <a:endParaRPr lang="en-US" sz="1100" b="1" kern="900" spc="100" dirty="0" err="1">
               <a:solidFill>
                 <a:srgbClr val="000000"/>
               </a:solidFill>
@@ -8435,13 +8403,6 @@
   <p:clrMapOvr>
     <a:masterClrMapping/>
   </p:clrMapOvr>
-  <p:timing>
-    <p:tnLst>
-      <p:par>
-        <p:cTn id="1" dur="indefinite" restart="never" nodeType="tmRoot"/>
-      </p:par>
-    </p:tnLst>
-  </p:timing>
 </p:sld>
 </file>
 
@@ -8511,15 +8472,7 @@
             </a:r>
             <a:r>
               <a:rPr lang="en-US" sz="800" dirty="0"/>
-              <a:t>, “Chip multi core processors.” Lecture Notes, Institute for </a:t>
-            </a:r>
-            <a:r>
-              <a:rPr lang="en-US" sz="800" dirty="0" smtClean="0"/>
-              <a:t>Integrated Systems</a:t>
-            </a:r>
-            <a:r>
-              <a:rPr lang="en-US" sz="800" dirty="0"/>
-              <a:t>, </a:t>
+              <a:t>, “Chip multi core processors.” Lecture Notes, Institute for Integrated Systems, </a:t>
             </a:r>
             <a:r>
               <a:rPr lang="en-US" sz="800" dirty="0" err="1"/>
@@ -8530,22 +8483,21 @@
               <a:t> </a:t>
             </a:r>
             <a:r>
-              <a:rPr lang="en-US" sz="800" dirty="0" err="1" smtClean="0"/>
+              <a:rPr lang="en-US" sz="800" dirty="0" err="1"/>
               <a:t>Universitaet</a:t>
             </a:r>
             <a:r>
-              <a:rPr lang="en-US" sz="800" dirty="0" smtClean="0"/>
+              <a:rPr lang="en-US" sz="800" dirty="0"/>
               <a:t> </a:t>
             </a:r>
             <a:r>
-              <a:rPr lang="en-US" sz="800" dirty="0" err="1" smtClean="0"/>
+              <a:rPr lang="en-US" sz="800" dirty="0" err="1"/>
               <a:t>Muenchen</a:t>
             </a:r>
             <a:r>
               <a:rPr lang="en-US" sz="800" dirty="0"/>
               <a:t>,</a:t>
             </a:r>
-            <a:endParaRPr lang="en-US" sz="800" dirty="0"/>
           </a:p>
         </p:txBody>
       </p:sp>
@@ -8575,15 +8527,7 @@
                   <a:schemeClr val="bg2"/>
                 </a:solidFill>
               </a:rPr>
-              <a:t>Instruction </a:t>
-            </a:r>
-            <a:r>
-              <a:rPr lang="en-US" dirty="0">
-                <a:solidFill>
-                  <a:schemeClr val="bg2"/>
-                </a:solidFill>
-              </a:rPr>
-              <a:t>pipelining</a:t>
+              <a:t>Instruction pipelining</a:t>
             </a:r>
           </a:p>
         </p:txBody>
@@ -8613,7 +8557,7 @@
               <a:buChar char="•"/>
             </a:pPr>
             <a:r>
-              <a:rPr lang="en-US" dirty="0" smtClean="0"/>
+              <a:rPr lang="en-US" dirty="0"/>
               <a:t>Modern processors come with advanced pipelining.</a:t>
             </a:r>
           </a:p>
@@ -8623,7 +8567,7 @@
               <a:buChar char="•"/>
             </a:pPr>
             <a:r>
-              <a:rPr lang="en-US" dirty="0" smtClean="0"/>
+              <a:rPr lang="en-US" dirty="0"/>
               <a:t>Pipelining increases IPC (Instructions Per Cycle).</a:t>
             </a:r>
           </a:p>
@@ -8633,7 +8577,7 @@
               <a:buChar char="•"/>
             </a:pPr>
             <a:r>
-              <a:rPr lang="en-US" dirty="0" smtClean="0"/>
+              <a:rPr lang="en-US" dirty="0"/>
               <a:t>Branching and  cache misses create stalls in pipelining which reduce IPC.</a:t>
             </a:r>
           </a:p>
@@ -8650,10 +8594,9 @@
               <a:buChar char="•"/>
             </a:pPr>
             <a:r>
-              <a:rPr lang="en-US" dirty="0" smtClean="0"/>
+              <a:rPr lang="en-US" dirty="0"/>
               <a:t>Branches and cache misses need to be reduced in code to achieve high performance.</a:t>
             </a:r>
-            <a:endParaRPr lang="en-US" dirty="0"/>
           </a:p>
         </p:txBody>
       </p:sp>
@@ -8720,7 +8663,7 @@
           </a:bodyPr>
           <a:lstStyle/>
           <a:p>
-            <a:endParaRPr lang="en-US" sz="1100" b="1" kern="900" spc="100" dirty="0" err="1" smtClean="0">
+            <a:endParaRPr lang="en-US" sz="1100" b="1" kern="900" spc="100" dirty="0" err="1">
               <a:solidFill>
                 <a:srgbClr val="000000"/>
               </a:solidFill>
@@ -8742,13 +8685,6 @@
   <p:clrMapOvr>
     <a:masterClrMapping/>
   </p:clrMapOvr>
-  <p:timing>
-    <p:tnLst>
-      <p:par>
-        <p:cTn id="1" dur="indefinite" restart="never" nodeType="tmRoot"/>
-      </p:par>
-    </p:tnLst>
-  </p:timing>
 </p:sld>
 </file>
 
@@ -8794,10 +8730,9 @@
               <a:buChar char="•"/>
             </a:pPr>
             <a:r>
-              <a:rPr lang="en-US" dirty="0" smtClean="0"/>
+              <a:rPr lang="en-US" dirty="0"/>
               <a:t>Process multiple data elements (vectors) in a single instruction. Incorporated in modern processors.</a:t>
             </a:r>
-            <a:endParaRPr lang="en-US" dirty="0"/>
           </a:p>
           <a:p>
             <a:pPr marL="285750" indent="-285750">
@@ -8805,20 +8740,8 @@
               <a:buChar char="•"/>
             </a:pPr>
             <a:r>
-              <a:rPr lang="en-US" dirty="0" smtClean="0"/>
-              <a:t>Allow data parallelism, </a:t>
-            </a:r>
-            <a:r>
               <a:rPr lang="en-US" dirty="0"/>
-              <a:t>popular among </a:t>
-            </a:r>
-            <a:r>
-              <a:rPr lang="en-US" dirty="0" smtClean="0"/>
-              <a:t>video/image </a:t>
-            </a:r>
-            <a:r>
-              <a:rPr lang="en-US" dirty="0"/>
-              <a:t>processing community.</a:t>
+              <a:t>Allow data parallelism, popular among video/image processing community.</a:t>
             </a:r>
           </a:p>
           <a:p>
@@ -8828,29 +8751,8 @@
             </a:pPr>
             <a:r>
               <a:rPr lang="en-US" dirty="0"/>
-              <a:t>Faster encoding/decoding in communication systems can be implemented </a:t>
-            </a:r>
-            <a:r>
-              <a:rPr lang="en-US" dirty="0" smtClean="0"/>
-              <a:t>using </a:t>
-            </a:r>
-            <a:r>
-              <a:rPr lang="en-US" dirty="0" smtClean="0"/>
-              <a:t>SIMD</a:t>
-            </a:r>
-            <a:r>
-              <a:rPr lang="en-US" dirty="0"/>
-              <a:t> </a:t>
-            </a:r>
-            <a:r>
-              <a:rPr lang="en-US" dirty="0" smtClean="0"/>
-              <a:t>(Single instruction multiple data) </a:t>
-            </a:r>
-            <a:r>
-              <a:rPr lang="en-US" dirty="0" smtClean="0"/>
-              <a:t>instructions.</a:t>
-            </a:r>
-            <a:endParaRPr lang="en-US" dirty="0"/>
+              <a:t>Faster encoding/decoding in communication systems can be implemented using SIMD (Single instruction multiple data) instructions.</a:t>
+            </a:r>
           </a:p>
           <a:p>
             <a:pPr marL="285750" indent="-285750">
@@ -8859,21 +8761,8 @@
             </a:pPr>
             <a:r>
               <a:rPr lang="en-US" dirty="0"/>
-              <a:t>SIMD feature allows encoding/decoding with low </a:t>
-            </a:r>
-            <a:r>
-              <a:rPr lang="en-US" dirty="0" smtClean="0"/>
-              <a:t>latency </a:t>
-            </a:r>
-            <a:r>
-              <a:rPr lang="en-US" dirty="0"/>
-              <a:t>due to </a:t>
-            </a:r>
-            <a:r>
-              <a:rPr lang="en-US" dirty="0" smtClean="0"/>
-              <a:t>vector.</a:t>
-            </a:r>
-            <a:endParaRPr lang="en-US" dirty="0"/>
+              <a:t>SIMD feature allows encoding/decoding with low latency due to vector.</a:t>
+            </a:r>
           </a:p>
           <a:p>
             <a:endParaRPr lang="en-US" dirty="0"/>
@@ -8995,17 +8884,8 @@
             </a:r>
             <a:r>
               <a:rPr lang="en-US" sz="800" dirty="0"/>
-              <a:t> - </a:t>
-            </a:r>
-            <a:r>
-              <a:rPr lang="en-US" sz="800" dirty="0" smtClean="0"/>
-              <a:t>CC </a:t>
-            </a:r>
-            <a:r>
-              <a:rPr lang="en-US" sz="800" dirty="0"/>
-              <a:t>BY-SA 4.0, https://commons.wikimedia.org/w/index.php?curid=39715273</a:t>
-            </a:r>
-            <a:endParaRPr lang="en-US" sz="800" dirty="0"/>
+              <a:t> - CC BY-SA 4.0, https://commons.wikimedia.org/w/index.php?curid=39715273</a:t>
+            </a:r>
           </a:p>
         </p:txBody>
       </p:sp>
@@ -9035,7 +8915,7 @@
           </a:bodyPr>
           <a:lstStyle/>
           <a:p>
-            <a:endParaRPr lang="en-US" sz="1100" b="1" kern="900" spc="100" dirty="0" err="1" smtClean="0">
+            <a:endParaRPr lang="en-US" sz="1100" b="1" kern="900" spc="100" dirty="0" err="1">
               <a:solidFill>
                 <a:srgbClr val="000000"/>
               </a:solidFill>
@@ -9057,13 +8937,6 @@
   <p:clrMapOvr>
     <a:masterClrMapping/>
   </p:clrMapOvr>
-  <p:timing>
-    <p:tnLst>
-      <p:par>
-        <p:cTn id="1" dur="indefinite" restart="never" nodeType="tmRoot"/>
-      </p:par>
-    </p:tnLst>
-  </p:timing>
 </p:sld>
 </file>
 
@@ -9527,7 +9400,7 @@
           </a:bodyPr>
           <a:lstStyle/>
           <a:p>
-            <a:endParaRPr lang="en-US" sz="1100" b="1" kern="900" spc="100" dirty="0" err="1" smtClean="0">
+            <a:endParaRPr lang="en-US" sz="1100" b="1" kern="900" spc="100" dirty="0" err="1">
               <a:solidFill>
                 <a:srgbClr val="000000"/>
               </a:solidFill>
@@ -9544,13 +9417,6 @@
   <p:clrMapOvr>
     <a:masterClrMapping/>
   </p:clrMapOvr>
-  <p:timing>
-    <p:tnLst>
-      <p:par>
-        <p:cTn id="1" dur="indefinite" restart="never" nodeType="tmRoot"/>
-      </p:par>
-    </p:tnLst>
-  </p:timing>
 </p:sld>
 </file>
 
@@ -9571,8 +9437,8 @@
           <a:chExt cx="0" cy="0"/>
         </a:xfrm>
       </p:grpSpPr>
-      <mc:AlternateContent xmlns:mc="http://schemas.openxmlformats.org/markup-compatibility/2006">
-        <mc:Choice xmlns:a14="http://schemas.microsoft.com/office/drawing/2010/main" Requires="a14">
+      <mc:AlternateContent xmlns:mc="http://schemas.openxmlformats.org/markup-compatibility/2006" xmlns:a14="http://schemas.microsoft.com/office/drawing/2010/main">
+        <mc:Choice Requires="a14">
           <p:sp>
             <p:nvSpPr>
               <p:cNvPr id="2" name="Content Placeholder 1"/>
@@ -9601,12 +9467,8 @@
                   <a:buChar char="•"/>
                 </a:pPr>
                 <a:r>
-                  <a:rPr lang="en-US" dirty="0" smtClean="0"/>
-                  <a:t>Reliable </a:t>
-                </a:r>
-                <a:r>
                   <a:rPr lang="en-US" dirty="0"/>
-                  <a:t>bit indices need to be selected by considering effect of rate matching on reliability values.</a:t>
+                  <a:t>Reliable bit indices need to be selected by considering effect of rate matching on reliability values.</a:t>
                 </a:r>
               </a:p>
               <a:p>
@@ -9616,15 +9478,7 @@
                 </a:pPr>
                 <a:r>
                   <a:rPr lang="en-US" dirty="0"/>
-                  <a:t>Due </a:t>
-                </a:r>
-                <a:r>
-                  <a:rPr lang="en-US" dirty="0" smtClean="0"/>
-                  <a:t>to this </a:t>
-                </a:r>
-                <a:r>
-                  <a:rPr lang="en-US" dirty="0"/>
-                  <a:t>dependency reliability indices selection process involves </a:t>
+                  <a:t>Due to this dependency reliability indices selection process involves </a:t>
                 </a:r>
                 <a14:m>
                   <m:oMath xmlns:m="http://schemas.openxmlformats.org/officeDocument/2006/math">
@@ -9670,11 +9524,7 @@
                 </a:r>
                 <a:r>
                   <a:rPr lang="en-US" dirty="0"/>
-                  <a:t>s in the functional implementation</a:t>
-                </a:r>
-                <a:r>
-                  <a:rPr lang="en-US" dirty="0" smtClean="0"/>
-                  <a:t>).</a:t>
+                  <a:t>s in the functional implementation).</a:t>
                 </a:r>
               </a:p>
               <a:p>
@@ -9683,10 +9533,9 @@
                   <a:buChar char="•"/>
                 </a:pPr>
                 <a:r>
-                  <a:rPr lang="en-US" dirty="0" smtClean="0"/>
+                  <a:rPr lang="en-US" dirty="0"/>
                   <a:t>Algorithm reformulated to use lookup table and mark the elements instead of removing.</a:t>
                 </a:r>
-                <a:endParaRPr lang="en-US" dirty="0"/>
               </a:p>
               <a:p>
                 <a:pPr marL="285750" indent="-285750">
@@ -9694,20 +9543,8 @@
                   <a:buChar char="•"/>
                 </a:pPr>
                 <a:r>
-                  <a:rPr lang="en-US" dirty="0" smtClean="0"/>
-                  <a:t>Reformulated algorithm avoids redundant copying, search </a:t>
-                </a:r>
-                <a:r>
                   <a:rPr lang="en-US" dirty="0"/>
-                  <a:t>and remove </a:t>
-                </a:r>
-                <a:r>
-                  <a:rPr lang="en-US" dirty="0" smtClean="0"/>
-                  <a:t>operations. </a:t>
-                </a:r>
-                <a:r>
-                  <a:rPr lang="en-US" dirty="0"/>
-                  <a:t>Latency reduced to 15 </a:t>
+                  <a:t>Reformulated algorithm avoids redundant copying, search and remove operations. Latency reduced to 15 </a:t>
                 </a:r>
                 <a:r>
                   <a:rPr lang="el-GR" dirty="0"/>
@@ -9721,7 +9558,7 @@
             </p:txBody>
           </p:sp>
         </mc:Choice>
-        <mc:Fallback>
+        <mc:Fallback xmlns="">
           <p:sp>
             <p:nvSpPr>
               <p:cNvPr id="2" name="Content Placeholder 1"/>
@@ -9804,18 +9641,13 @@
           <a:lstStyle/>
           <a:p>
             <a:r>
-              <a:rPr lang="en-US" dirty="0" smtClean="0">
+              <a:rPr lang="en-US" dirty="0">
                 <a:solidFill>
                   <a:schemeClr val="bg2"/>
                 </a:solidFill>
               </a:rPr>
               <a:t>Polar code construction</a:t>
             </a:r>
-            <a:endParaRPr lang="en-US" dirty="0">
-              <a:solidFill>
-                <a:schemeClr val="bg2"/>
-              </a:solidFill>
-            </a:endParaRPr>
           </a:p>
         </p:txBody>
       </p:sp>
@@ -9875,7 +9707,7 @@
           </a:bodyPr>
           <a:lstStyle/>
           <a:p>
-            <a:endParaRPr lang="en-US" sz="1100" b="1" kern="900" spc="100" dirty="0" err="1" smtClean="0">
+            <a:endParaRPr lang="en-US" sz="1100" b="1" kern="900" spc="100" dirty="0" err="1">
               <a:solidFill>
                 <a:srgbClr val="000000"/>
               </a:solidFill>
@@ -9897,13 +9729,6 @@
   <p:clrMapOvr>
     <a:masterClrMapping/>
   </p:clrMapOvr>
-  <p:timing>
-    <p:tnLst>
-      <p:par>
-        <p:cTn id="1" dur="indefinite" restart="never" nodeType="tmRoot"/>
-      </p:par>
-    </p:tnLst>
-  </p:timing>
 </p:sld>
 </file>
 
@@ -9924,8 +9749,8 @@
           <a:chExt cx="0" cy="0"/>
         </a:xfrm>
       </p:grpSpPr>
-      <mc:AlternateContent xmlns:mc="http://schemas.openxmlformats.org/markup-compatibility/2006">
-        <mc:Choice xmlns:a14="http://schemas.microsoft.com/office/drawing/2010/main" Requires="a14">
+      <mc:AlternateContent xmlns:mc="http://schemas.openxmlformats.org/markup-compatibility/2006" xmlns:a14="http://schemas.microsoft.com/office/drawing/2010/main">
+        <mc:Choice Requires="a14">
           <p:sp>
             <p:nvSpPr>
               <p:cNvPr id="2" name="Content Placeholder 1"/>
@@ -9951,17 +9776,6 @@
                   <a:buChar char="•"/>
                 </a:pPr>
                 <a:r>
-                  <a:rPr lang="en-US" dirty="0" smtClean="0">
-                    <a:solidFill>
-                      <a:schemeClr val="bg2"/>
-                    </a:solidFill>
-                    <a:latin typeface="+mj-lt"/>
-                    <a:ea typeface="+mj-ea"/>
-                    <a:cs typeface="+mj-cs"/>
-                  </a:rPr>
-                  <a:t>Avoid </a:t>
-                </a:r>
-                <a:r>
                   <a:rPr lang="en-US" dirty="0">
                     <a:solidFill>
                       <a:schemeClr val="bg2"/>
@@ -9970,16 +9784,8 @@
                     <a:ea typeface="+mj-ea"/>
                     <a:cs typeface="+mj-cs"/>
                   </a:rPr>
-                  <a:t>superfluous copying: </a:t>
+                  <a:t>Avoid superfluous copying: </a:t>
                 </a:r>
-                <a:endParaRPr lang="en-US" dirty="0" smtClean="0">
-                  <a:solidFill>
-                    <a:schemeClr val="bg2"/>
-                  </a:solidFill>
-                  <a:latin typeface="+mj-lt"/>
-                  <a:ea typeface="+mj-ea"/>
-                  <a:cs typeface="+mj-cs"/>
-                </a:endParaRPr>
               </a:p>
               <a:p>
                 <a:pPr marL="646113" lvl="2" indent="-285750">
@@ -9988,11 +9794,7 @@
                 </a:pPr>
                 <a:r>
                   <a:rPr lang="en-US" dirty="0"/>
-                  <a:t>I</a:t>
-                </a:r>
-                <a:r>
-                  <a:rPr lang="en-US" dirty="0" smtClean="0"/>
-                  <a:t>ntelligent memory layout design for </a:t>
+                  <a:t>Intelligent memory layout design for </a:t>
                 </a:r>
                 <a14:m>
                   <m:oMath xmlns:m="http://schemas.openxmlformats.org/officeDocument/2006/math">
@@ -10058,13 +9860,13 @@
                     </m:sSub>
                   </m:oMath>
                 </a14:m>
-                <a:endParaRPr lang="en-US" dirty="0" smtClean="0"/>
+                <a:endParaRPr lang="en-US" dirty="0"/>
               </a:p>
               <a:p>
                 <a:pPr lvl="3" indent="0">
                   <a:buNone/>
                 </a:pPr>
-                <a:endParaRPr lang="en-US" i="1" dirty="0" smtClean="0">
+                <a:endParaRPr lang="en-US" i="1" dirty="0">
                   <a:solidFill>
                     <a:prstClr val="black"/>
                   </a:solidFill>
@@ -10745,16 +10547,7 @@
                         </a:solidFill>
                         <a:latin typeface="Cambria Math" panose="02040503050406030204" pitchFamily="18" charset="0"/>
                       </a:rPr>
-                      <m:t>   </m:t>
-                    </m:r>
-                    <m:r>
-                      <a:rPr lang="en-US" i="1">
-                        <a:solidFill>
-                          <a:prstClr val="black"/>
-                        </a:solidFill>
-                        <a:latin typeface="Cambria Math" panose="02040503050406030204" pitchFamily="18" charset="0"/>
-                      </a:rPr>
-                      <m:t>             </m:t>
+                      <m:t>                </m:t>
                     </m:r>
                     <m:r>
                       <a:rPr lang="en-US" i="1" dirty="0">
@@ -10903,7 +10696,7 @@
                 <a:endParaRPr lang="en-US" dirty="0"/>
               </a:p>
               <a:p>
-                <a:endParaRPr lang="en-US" dirty="0" smtClean="0"/>
+                <a:endParaRPr lang="en-US" dirty="0"/>
               </a:p>
               <a:p>
                 <a:pPr marL="285750" indent="-285750">
@@ -10911,7 +10704,7 @@
                   <a:buChar char="•"/>
                 </a:pPr>
                 <a:r>
-                  <a:rPr lang="en-US" dirty="0" smtClean="0">
+                  <a:rPr lang="en-US" dirty="0">
                     <a:solidFill>
                       <a:schemeClr val="bg2"/>
                     </a:solidFill>
@@ -10926,51 +10719,8 @@
                   <a:buChar char="•"/>
                 </a:pPr>
                 <a:r>
-                  <a:rPr lang="en-US" dirty="0" smtClean="0"/>
-                  <a:t>Naive </a:t>
-                </a:r>
-                <a:r>
                   <a:rPr lang="en-US" dirty="0"/>
-                  <a:t>implementation in software considers each bit as one </a:t>
-                </a:r>
-                <a:r>
-                  <a:rPr lang="en-US" dirty="0" smtClean="0"/>
-                  <a:t>integer. </a:t>
-                </a:r>
-                <a:r>
-                  <a:rPr lang="en-US" dirty="0"/>
-                  <a:t>E</a:t>
-                </a:r>
-                <a:r>
-                  <a:rPr lang="en-US" dirty="0" smtClean="0"/>
-                  <a:t>ach </a:t>
-                </a:r>
-                <a:r>
-                  <a:rPr lang="en-US" dirty="0"/>
-                  <a:t>bit </a:t>
-                </a:r>
-                <a:r>
-                  <a:rPr lang="en-US" dirty="0" smtClean="0"/>
-                  <a:t>is processed sequentially.</a:t>
-                </a:r>
-                <a:endParaRPr lang="en-US" dirty="0"/>
-              </a:p>
-              <a:p>
-                <a:pPr marL="461963" lvl="1" indent="-285750">
-                  <a:buFont typeface="Arial" panose="020B0604020202020204" pitchFamily="34" charset="0"/>
-                  <a:buChar char="•"/>
-                </a:pPr>
-                <a:r>
-                  <a:rPr lang="en-US" dirty="0"/>
-                  <a:t>Information bits can be processed in parallel by packing multiple </a:t>
-                </a:r>
-                <a:r>
-                  <a:rPr lang="en-US" dirty="0" smtClean="0"/>
-                  <a:t> bits </a:t>
-                </a:r>
-                <a:r>
-                  <a:rPr lang="en-US" dirty="0"/>
-                  <a:t>to single integer.</a:t>
+                  <a:t>Naive implementation in software considers each bit as one integer. Each bit is processed sequentially.</a:t>
                 </a:r>
               </a:p>
               <a:p>
@@ -10980,15 +10730,17 @@
                 </a:pPr>
                 <a:r>
                   <a:rPr lang="en-US" dirty="0"/>
-                  <a:t>For example: 8 bit integer = 8 info bits, </a:t>
+                  <a:t>Information bits can be processed in parallel by packing multiple  bits to single integer.</a:t>
                 </a:r>
-                <a:r>
-                  <a:rPr lang="en-US" dirty="0" smtClean="0"/>
-                  <a:t>32 </a:t>
-                </a:r>
+              </a:p>
+              <a:p>
+                <a:pPr marL="461963" lvl="1" indent="-285750">
+                  <a:buFont typeface="Arial" panose="020B0604020202020204" pitchFamily="34" charset="0"/>
+                  <a:buChar char="•"/>
+                </a:pPr>
                 <a:r>
                   <a:rPr lang="en-US" dirty="0"/>
-                  <a:t>bit integer = 32 info bits, 64 bits integer = 64 info bits.</a:t>
+                  <a:t>For example: 8 bit integer = 8 info bits, 32 bit integer = 32 info bits, 64 bits integer = 64 info bits.</a:t>
                 </a:r>
               </a:p>
               <a:p>
@@ -11004,24 +10756,8 @@
                   <a:buChar char="•"/>
                 </a:pPr>
                 <a:r>
-                  <a:rPr lang="en-US" dirty="0" smtClean="0"/>
-                  <a:t>Processors with </a:t>
-                </a:r>
-                <a:r>
-                  <a:rPr lang="en-US" dirty="0" smtClean="0"/>
-                  <a:t>SIMD </a:t>
-                </a:r>
-                <a:r>
-                  <a:rPr lang="en-US" dirty="0" smtClean="0"/>
-                  <a:t>have </a:t>
-                </a:r>
-                <a:r>
                   <a:rPr lang="en-US" dirty="0"/>
-                  <a:t>register size of 256 bits therefore 256 bits can be processed in a single instruction</a:t>
-                </a:r>
-                <a:r>
-                  <a:rPr lang="en-US" dirty="0" smtClean="0"/>
-                  <a:t>. Resulting in a parallelism factor </a:t>
+                  <a:t>Processors with SIMD have register size of 256 bits therefore 256 bits can be processed in a single instruction. Resulting in a parallelism factor </a:t>
                 </a:r>
                 <a14:m>
                   <m:oMath xmlns:m="http://schemas.openxmlformats.org/officeDocument/2006/math">
@@ -11040,10 +10776,9 @@
                   </m:oMath>
                 </a14:m>
                 <a:r>
-                  <a:rPr lang="en-US" dirty="0" smtClean="0"/>
+                  <a:rPr lang="en-US" dirty="0"/>
                   <a:t>.</a:t>
                 </a:r>
-                <a:endParaRPr lang="en-US" dirty="0"/>
               </a:p>
               <a:p>
                 <a:pPr marL="285750" indent="-285750">
@@ -11055,7 +10790,7 @@
             </p:txBody>
           </p:sp>
         </mc:Choice>
-        <mc:Fallback>
+        <mc:Fallback xmlns="">
           <p:sp>
             <p:nvSpPr>
               <p:cNvPr id="2" name="Content Placeholder 1"/>
@@ -11143,21 +10878,8 @@
                   <a:schemeClr val="bg2"/>
                 </a:solidFill>
               </a:rPr>
-              <a:t>Optimization of Polar </a:t>
-            </a:r>
-            <a:r>
-              <a:rPr lang="en-US" dirty="0" smtClean="0">
-                <a:solidFill>
-                  <a:schemeClr val="bg2"/>
-                </a:solidFill>
-              </a:rPr>
-              <a:t>Encoder</a:t>
-            </a:r>
-            <a:endParaRPr lang="en-US" dirty="0">
-              <a:solidFill>
-                <a:schemeClr val="bg2"/>
-              </a:solidFill>
-            </a:endParaRPr>
+              <a:t>Optimization of Polar Encoder</a:t>
+            </a:r>
           </a:p>
         </p:txBody>
       </p:sp>
@@ -11217,7 +10939,7 @@
           </a:bodyPr>
           <a:lstStyle/>
           <a:p>
-            <a:endParaRPr lang="en-US" sz="1100" b="1" kern="900" spc="100" dirty="0" err="1" smtClean="0">
+            <a:endParaRPr lang="en-US" sz="1100" b="1" kern="900" spc="100" dirty="0" err="1">
               <a:solidFill>
                 <a:srgbClr val="000000"/>
               </a:solidFill>
@@ -11239,13 +10961,6 @@
   <p:clrMapOvr>
     <a:masterClrMapping/>
   </p:clrMapOvr>
-  <p:timing>
-    <p:tnLst>
-      <p:par>
-        <p:cTn id="1" dur="indefinite" restart="never" nodeType="tmRoot"/>
-      </p:par>
-    </p:tnLst>
-  </p:timing>
 </p:sld>
 </file>
 
@@ -15487,7 +15202,7 @@
               <a:buChar char="•"/>
             </a:pPr>
             <a:r>
-              <a:rPr lang="en-US" sz="1600" dirty="0" smtClean="0">
+              <a:rPr lang="en-US" sz="1600" dirty="0">
                 <a:latin typeface="+mn-lt"/>
               </a:rPr>
               <a:t>Packing/Unpacking need to be performed very efficiently.</a:t>
@@ -15502,20 +15217,11 @@
               <a:buChar char="•"/>
             </a:pPr>
             <a:r>
-              <a:rPr lang="en-US" sz="1600" dirty="0" smtClean="0">
+              <a:rPr lang="en-US" sz="1600" dirty="0">
                 <a:latin typeface="+mn-lt"/>
               </a:rPr>
-              <a:t>SIMD extensions provide dedicated instructions to perform fast packing and unpacking</a:t>
-            </a:r>
-            <a:r>
-              <a:rPr lang="en-US" sz="1600" dirty="0" smtClean="0">
-                <a:latin typeface="+mn-lt"/>
-              </a:rPr>
-              <a:t>.</a:t>
-            </a:r>
-            <a:endParaRPr lang="en-US" sz="1600" dirty="0" smtClean="0">
-              <a:latin typeface="+mn-lt"/>
-            </a:endParaRPr>
+              <a:t>SIMD extensions provide dedicated instructions to perform fast packing and unpacking.</a:t>
+            </a:r>
           </a:p>
         </p:txBody>
       </p:sp>
@@ -15545,7 +15251,7 @@
           </a:bodyPr>
           <a:lstStyle/>
           <a:p>
-            <a:endParaRPr lang="en-US" sz="1100" b="1" kern="900" spc="100" dirty="0" err="1" smtClean="0">
+            <a:endParaRPr lang="en-US" sz="1100" b="1" kern="900" spc="100" dirty="0" err="1">
               <a:solidFill>
                 <a:srgbClr val="000000"/>
               </a:solidFill>
@@ -15567,13 +15273,6 @@
   <p:clrMapOvr>
     <a:masterClrMapping/>
   </p:clrMapOvr>
-  <p:timing>
-    <p:tnLst>
-      <p:par>
-        <p:cTn id="1" dur="indefinite" restart="never" nodeType="tmRoot"/>
-      </p:par>
-    </p:tnLst>
-  </p:timing>
 </p:sld>
 </file>
 
@@ -15882,8 +15581,8 @@
           </p:txBody>
         </p:sp>
       </p:grpSp>
-      <mc:AlternateContent xmlns:mc="http://schemas.openxmlformats.org/markup-compatibility/2006">
-        <mc:Choice xmlns:a14="http://schemas.microsoft.com/office/drawing/2010/main" Requires="a14">
+      <mc:AlternateContent xmlns:mc="http://schemas.openxmlformats.org/markup-compatibility/2006" xmlns:a14="http://schemas.microsoft.com/office/drawing/2010/main">
+        <mc:Choice Requires="a14">
           <p:sp>
             <p:nvSpPr>
               <p:cNvPr id="2" name="Content Placeholder 1"/>
@@ -15930,11 +15629,7 @@
                 </a14:m>
                 <a:r>
                   <a:rPr lang="en-US" dirty="0"/>
-                  <a:t>, encoder needs to </a:t>
-                </a:r>
-                <a:r>
-                  <a:rPr lang="en-US" dirty="0" smtClean="0"/>
-                  <a:t>traverse </a:t>
+                  <a:t>, encoder needs to traverse </a:t>
                 </a:r>
                 <a14:m>
                   <m:oMath xmlns:m="http://schemas.openxmlformats.org/officeDocument/2006/math">
@@ -15948,15 +15643,7 @@
                 </a14:m>
                 <a:r>
                   <a:rPr lang="en-US" dirty="0"/>
-                  <a:t> nodes </a:t>
-                </a:r>
-                <a:r>
-                  <a:rPr lang="en-US" dirty="0" smtClean="0"/>
-                  <a:t>of a tree</a:t>
-                </a:r>
-                <a:r>
-                  <a:rPr lang="en-US" dirty="0"/>
-                  <a:t>.</a:t>
+                  <a:t> nodes of a tree.</a:t>
                 </a:r>
               </a:p>
               <a:p>
@@ -15965,12 +15652,8 @@
                   <a:buChar char="•"/>
                 </a:pPr>
                 <a:r>
-                  <a:rPr lang="en-US" dirty="0" smtClean="0"/>
-                  <a:t>Pruning </a:t>
-                </a:r>
-                <a:r>
                   <a:rPr lang="en-US" dirty="0"/>
-                  <a:t>of tree can be done by building a lookup table and stopping encoding when level is </a:t>
+                  <a:t>Pruning of tree can be done by building a lookup table and stopping encoding when level is </a:t>
                 </a:r>
                 <a14:m>
                   <m:oMath xmlns:m="http://schemas.openxmlformats.org/officeDocument/2006/math">
@@ -16031,11 +15714,7 @@
                 </a14:m>
                 <a:r>
                   <a:rPr lang="en-US" dirty="0"/>
-                  <a:t>, </a:t>
-                </a:r>
-                <a:r>
-                  <a:rPr lang="en-US" dirty="0" smtClean="0"/>
-                  <a:t>i.e. </a:t>
+                  <a:t>, i.e. </a:t>
                 </a:r>
                 <a:r>
                   <a:rPr lang="en-US" dirty="0">
@@ -16055,15 +15734,7 @@
                 </a:pPr>
                 <a:r>
                   <a:rPr lang="en-US" dirty="0"/>
-                  <a:t>R</a:t>
-                </a:r>
-                <a:r>
-                  <a:rPr lang="en-US" dirty="0" smtClean="0"/>
-                  <a:t>educes </a:t>
-                </a:r>
-                <a:r>
-                  <a:rPr lang="en-US" dirty="0"/>
-                  <a:t>the number of nodes to be traversed to </a:t>
+                  <a:t>Reduces the number of nodes to be traversed to </a:t>
                 </a:r>
                 <a:r>
                   <a:rPr lang="en-US" dirty="0">
@@ -16076,26 +15747,14 @@
                   <a:t> from </a:t>
                 </a:r>
                 <a:r>
-                  <a:rPr lang="en-US" dirty="0" smtClean="0">
+                  <a:rPr lang="en-US" dirty="0">
                     <a:latin typeface="Cambria Math" panose="02040503050406030204" pitchFamily="18" charset="0"/>
                   </a:rPr>
                   <a:t>2047</a:t>
                 </a:r>
                 <a:r>
                   <a:rPr lang="en-US" dirty="0"/>
-                  <a:t> </a:t>
-                </a:r>
-                <a:r>
-                  <a:rPr lang="en-US" dirty="0" smtClean="0"/>
-                  <a:t>hence</a:t>
-                </a:r>
-                <a:r>
-                  <a:rPr lang="en-US" dirty="0" smtClean="0"/>
-                  <a:t> </a:t>
-                </a:r>
-                <a:r>
-                  <a:rPr lang="en-US" dirty="0"/>
-                  <a:t>significantly reduces the latency.</a:t>
+                  <a:t> hence significantly reduces the latency.</a:t>
                 </a:r>
               </a:p>
               <a:p>
@@ -16105,11 +15764,7 @@
                 </a:pPr>
                 <a:r>
                   <a:rPr lang="en-US" dirty="0"/>
-                  <a:t>This optimization can also be applied for hardware implementations</a:t>
-                </a:r>
-                <a:r>
-                  <a:rPr lang="en-US" dirty="0" smtClean="0"/>
-                  <a:t>.</a:t>
+                  <a:t>This optimization can also be applied for hardware implementations.</a:t>
                 </a:r>
               </a:p>
               <a:p>
@@ -16117,7 +15772,7 @@
                   <a:buFont typeface="Arial" panose="020B0604020202020204" pitchFamily="34" charset="0"/>
                   <a:buChar char="•"/>
                 </a:pPr>
-                <a:endParaRPr lang="en-US" dirty="0" smtClean="0"/>
+                <a:endParaRPr lang="en-US" dirty="0"/>
               </a:p>
               <a:p>
                 <a:pPr marL="285750" indent="-285750">
@@ -16126,18 +15781,13 @@
                 </a:pPr>
                 <a:r>
                   <a:rPr lang="en-US" dirty="0"/>
-                  <a:t>Recursive function has overhead since every function call requires new stack allocation and </a:t>
+                  <a:t>Recursive function has overhead since every function call requires new stack allocation and branching. Both have huge overhead.</a:t>
                 </a:r>
-                <a:r>
-                  <a:rPr lang="en-US" dirty="0" smtClean="0"/>
-                  <a:t>branching. Both have huge overhead.</a:t>
-                </a:r>
-                <a:endParaRPr lang="en-US" dirty="0"/>
               </a:p>
             </p:txBody>
           </p:sp>
         </mc:Choice>
-        <mc:Fallback>
+        <mc:Fallback xmlns="">
           <p:sp>
             <p:nvSpPr>
               <p:cNvPr id="2" name="Content Placeholder 1"/>
@@ -16225,29 +15875,8 @@
                   <a:schemeClr val="bg2"/>
                 </a:solidFill>
               </a:rPr>
-              <a:t>T</a:t>
-            </a:r>
-            <a:r>
-              <a:rPr lang="en-US" dirty="0" smtClean="0">
-                <a:solidFill>
-                  <a:schemeClr val="bg2"/>
-                </a:solidFill>
-              </a:rPr>
-              <a:t>ree pruning and Unrolling recursi</a:t>
-            </a:r>
-            <a:r>
-              <a:rPr lang="en-US" dirty="0" smtClean="0">
-                <a:solidFill>
-                  <a:schemeClr val="bg2"/>
-                </a:solidFill>
-              </a:rPr>
-              <a:t>on</a:t>
-            </a:r>
-            <a:endParaRPr lang="en-US" dirty="0">
-              <a:solidFill>
-                <a:schemeClr val="bg2"/>
-              </a:solidFill>
-            </a:endParaRPr>
+              <a:t>Tree pruning and Unrolling recursion</a:t>
+            </a:r>
           </a:p>
         </p:txBody>
       </p:sp>
@@ -16277,7 +15906,7 @@
           </a:bodyPr>
           <a:lstStyle/>
           <a:p>
-            <a:endParaRPr lang="en-US" sz="1100" b="1" kern="900" spc="100" dirty="0" err="1" smtClean="0">
+            <a:endParaRPr lang="en-US" sz="1100" b="1" kern="900" spc="100" dirty="0" err="1">
               <a:solidFill>
                 <a:srgbClr val="000000"/>
               </a:solidFill>
@@ -16299,13 +15928,6 @@
   <p:clrMapOvr>
     <a:masterClrMapping/>
   </p:clrMapOvr>
-  <p:timing>
-    <p:tnLst>
-      <p:par>
-        <p:cTn id="1" dur="indefinite" restart="never" nodeType="tmRoot"/>
-      </p:par>
-    </p:tnLst>
-  </p:timing>
 </p:sld>
 </file>
 
@@ -16326,8 +15948,8 @@
           <a:chExt cx="0" cy="0"/>
         </a:xfrm>
       </p:grpSpPr>
-      <mc:AlternateContent xmlns:mc="http://schemas.openxmlformats.org/markup-compatibility/2006">
-        <mc:Choice xmlns:a14="http://schemas.microsoft.com/office/drawing/2010/main" Requires="a14">
+      <mc:AlternateContent xmlns:mc="http://schemas.openxmlformats.org/markup-compatibility/2006" xmlns:a14="http://schemas.microsoft.com/office/drawing/2010/main">
+        <mc:Choice Requires="a14">
           <p:sp>
             <p:nvSpPr>
               <p:cNvPr id="2" name="Content Placeholder 1"/>
@@ -16368,13 +15990,13 @@
                     </m:r>
                   </m:oMath>
                 </a14:m>
-                <a:endParaRPr lang="en-US" dirty="0" smtClean="0"/>
+                <a:endParaRPr lang="en-US" dirty="0"/>
               </a:p>
               <a:p>
-                <a:endParaRPr lang="en-US" dirty="0" smtClean="0"/>
+                <a:endParaRPr lang="en-US" dirty="0"/>
               </a:p>
               <a:p>
-                <a:endParaRPr lang="en-US" b="1" dirty="0" smtClean="0"/>
+                <a:endParaRPr lang="en-US" b="1" dirty="0"/>
               </a:p>
               <a:p>
                 <a:endParaRPr lang="en-US" b="1" dirty="0"/>
@@ -16388,7 +16010,7 @@
             </p:txBody>
           </p:sp>
         </mc:Choice>
-        <mc:Fallback>
+        <mc:Fallback xmlns="">
           <p:sp>
             <p:nvSpPr>
               <p:cNvPr id="2" name="Content Placeholder 1"/>
@@ -16471,34 +16093,13 @@
           <a:lstStyle/>
           <a:p>
             <a:r>
-              <a:rPr lang="en-US" dirty="0" smtClean="0">
-                <a:solidFill>
-                  <a:schemeClr val="bg2"/>
-                </a:solidFill>
-              </a:rPr>
-              <a:t>Encoding chain </a:t>
-            </a:r>
-            <a:r>
               <a:rPr lang="en-US" dirty="0">
                 <a:solidFill>
                   <a:schemeClr val="bg2"/>
                 </a:solidFill>
               </a:rPr>
-              <a:t>r</a:t>
-            </a:r>
-            <a:r>
-              <a:rPr lang="en-US" dirty="0" smtClean="0">
-                <a:solidFill>
-                  <a:schemeClr val="bg2"/>
-                </a:solidFill>
-              </a:rPr>
-              <a:t>esults</a:t>
-            </a:r>
-            <a:endParaRPr lang="en-US" dirty="0">
-              <a:solidFill>
-                <a:schemeClr val="bg2"/>
-              </a:solidFill>
-            </a:endParaRPr>
+              <a:t>Encoding chain results</a:t>
+            </a:r>
           </a:p>
         </p:txBody>
       </p:sp>
@@ -16511,13 +16112,13 @@
           <p:nvPr>
             <p:extLst>
               <p:ext uri="{D42A27DB-BD31-4B8C-83A1-F6EECF244321}">
-                <p14:modId xmlns:p14="http://schemas.microsoft.com/office/powerpoint/2010/main" val="2866562157"/>
+                <p14:modId xmlns:p14="http://schemas.microsoft.com/office/powerpoint/2010/main" val="983407153"/>
               </p:ext>
             </p:extLst>
           </p:nvPr>
         </p:nvGraphicFramePr>
         <p:xfrm>
-          <a:off x="318007" y="3708320"/>
+          <a:off x="316992" y="2608955"/>
           <a:ext cx="4431104" cy="747556"/>
         </p:xfrm>
         <a:graphic>
@@ -16692,11 +16293,11 @@
                     <a:lstStyle/>
                     <a:p>
                       <a:r>
-                        <a:rPr lang="en-US" sz="1700" baseline="0" dirty="0" smtClean="0"/>
+                        <a:rPr lang="en-US" sz="1700" baseline="0" dirty="0"/>
                         <a:t>451</a:t>
                       </a:r>
                       <a:r>
-                        <a:rPr lang="en-US" sz="1800" dirty="0" smtClean="0"/>
+                        <a:rPr lang="en-US" sz="1800" dirty="0"/>
                         <a:t> </a:t>
                       </a:r>
                       <a:r>
@@ -16754,11 +16355,11 @@
                     <a:lstStyle/>
                     <a:p>
                       <a:r>
-                        <a:rPr lang="en-US" sz="1700" baseline="0" dirty="0" smtClean="0"/>
+                        <a:rPr lang="en-US" sz="1700" baseline="0" dirty="0"/>
                         <a:t>40</a:t>
                       </a:r>
                       <a:r>
-                        <a:rPr lang="en-US" sz="1800" dirty="0" smtClean="0"/>
+                        <a:rPr lang="en-US" sz="1800" dirty="0"/>
                         <a:t> </a:t>
                       </a:r>
                       <a:r>
@@ -16867,21 +16468,8 @@
                   <a:srgbClr val="000000"/>
                 </a:solidFill>
               </a:rPr>
-              <a:t>) (No SIMD optimization</a:t>
-            </a:r>
-            <a:r>
-              <a:rPr lang="en-US" dirty="0" smtClean="0">
-                <a:solidFill>
-                  <a:srgbClr val="000000"/>
-                </a:solidFill>
-              </a:rPr>
-              <a:t>)</a:t>
-            </a:r>
-            <a:endParaRPr lang="en-US" dirty="0">
-              <a:solidFill>
-                <a:srgbClr val="000000"/>
-              </a:solidFill>
-            </a:endParaRPr>
+              <a:t>) (No SIMD optimization)</a:t>
+            </a:r>
           </a:p>
         </p:txBody>
       </p:sp>
@@ -16894,13 +16482,13 @@
           <p:nvPr>
             <p:extLst>
               <p:ext uri="{D42A27DB-BD31-4B8C-83A1-F6EECF244321}">
-                <p14:modId xmlns:p14="http://schemas.microsoft.com/office/powerpoint/2010/main" val="2119315552"/>
+                <p14:modId xmlns:p14="http://schemas.microsoft.com/office/powerpoint/2010/main" val="4107866162"/>
               </p:ext>
             </p:extLst>
           </p:nvPr>
         </p:nvGraphicFramePr>
         <p:xfrm>
-          <a:off x="318006" y="2424068"/>
+          <a:off x="317169" y="4022066"/>
           <a:ext cx="4431105" cy="808401"/>
         </p:xfrm>
         <a:graphic>
@@ -17258,7 +16846,7 @@
         </p:nvSpPr>
         <p:spPr>
           <a:xfrm>
-            <a:off x="318007" y="3363513"/>
+            <a:off x="316992" y="2264148"/>
             <a:ext cx="4133088" cy="257250"/>
           </a:xfrm>
           <a:prstGeom prst="rect">
@@ -17279,13 +16867,8 @@
             </a:pPr>
             <a:r>
               <a:rPr lang="en-US" sz="1600" b="1" dirty="0"/>
-              <a:t>Worst case encoding FEC chain</a:t>
-            </a:r>
-            <a:r>
-              <a:rPr lang="en-US" sz="1600" b="1" dirty="0" smtClean="0"/>
-              <a:t>:</a:t>
-            </a:r>
-            <a:endParaRPr lang="en-US" sz="1600" b="1" dirty="0"/>
+              <a:t>Worst case encoding FEC chain:</a:t>
+            </a:r>
           </a:p>
         </p:txBody>
       </p:sp>
@@ -17297,7 +16880,7 @@
         </p:nvSpPr>
         <p:spPr>
           <a:xfrm>
-            <a:off x="317829" y="2079261"/>
+            <a:off x="316992" y="3677259"/>
             <a:ext cx="4133088" cy="257250"/>
           </a:xfrm>
           <a:prstGeom prst="rect">
@@ -17317,10 +16900,9 @@
               </a:lnSpc>
             </a:pPr>
             <a:r>
-              <a:rPr lang="en-US" sz="1600" b="1" dirty="0" smtClean="0"/>
+              <a:rPr lang="en-US" sz="1600" b="1" dirty="0"/>
               <a:t>Encoder Latency:</a:t>
             </a:r>
-            <a:endParaRPr lang="en-US" sz="1600" b="1" dirty="0"/>
           </a:p>
         </p:txBody>
       </p:sp>
@@ -17350,7 +16932,7 @@
           </a:bodyPr>
           <a:lstStyle/>
           <a:p>
-            <a:endParaRPr lang="en-US" sz="1100" b="1" kern="900" spc="100" dirty="0" err="1" smtClean="0">
+            <a:endParaRPr lang="en-US" sz="1100" b="1" kern="900" spc="100" dirty="0" err="1">
               <a:solidFill>
                 <a:srgbClr val="000000"/>
               </a:solidFill>
@@ -17372,13 +16954,6 @@
   <p:clrMapOvr>
     <a:masterClrMapping/>
   </p:clrMapOvr>
-  <p:timing>
-    <p:tnLst>
-      <p:par>
-        <p:cTn id="1" dur="indefinite" restart="never" nodeType="tmRoot"/>
-      </p:par>
-    </p:tnLst>
-  </p:timing>
 </p:sld>
 </file>
 
@@ -17496,26 +17071,25 @@
               <a:buChar char="•"/>
             </a:pPr>
             <a:r>
-              <a:rPr lang="en-US" dirty="0" smtClean="0"/>
+              <a:rPr lang="en-US" dirty="0"/>
               <a:t>Decoding FEC chain for Physical Uplink Control Channel (</a:t>
             </a:r>
             <a:r>
-              <a:rPr lang="en-US" i="1" dirty="0" smtClean="0"/>
+              <a:rPr lang="en-US" i="1" dirty="0"/>
               <a:t>PUCCH</a:t>
             </a:r>
             <a:r>
-              <a:rPr lang="en-US" dirty="0" smtClean="0"/>
+              <a:rPr lang="en-US" dirty="0"/>
               <a:t>) and Physical uplink shared Channel (</a:t>
             </a:r>
             <a:r>
-              <a:rPr lang="en-US" i="1" dirty="0" smtClean="0"/>
+              <a:rPr lang="en-US" i="1" dirty="0"/>
               <a:t>PUSCH</a:t>
             </a:r>
             <a:r>
-              <a:rPr lang="en-US" dirty="0" smtClean="0"/>
+              <a:rPr lang="en-US" dirty="0"/>
               <a:t>).</a:t>
             </a:r>
-            <a:endParaRPr lang="en-US" dirty="0"/>
           </a:p>
         </p:txBody>
       </p:sp>
@@ -17582,7 +17156,7 @@
           </a:bodyPr>
           <a:lstStyle/>
           <a:p>
-            <a:endParaRPr lang="en-US" sz="1100" b="1" kern="900" spc="100" dirty="0" err="1" smtClean="0">
+            <a:endParaRPr lang="en-US" sz="1100" b="1" kern="900" spc="100" dirty="0" err="1">
               <a:solidFill>
                 <a:srgbClr val="000000"/>
               </a:solidFill>
@@ -17604,13 +17178,6 @@
   <p:clrMapOvr>
     <a:masterClrMapping/>
   </p:clrMapOvr>
-  <p:timing>
-    <p:tnLst>
-      <p:par>
-        <p:cTn id="1" dur="indefinite" restart="never" nodeType="tmRoot"/>
-      </p:par>
-    </p:tnLst>
-  </p:timing>
 </p:sld>
 </file>
 
@@ -17631,8 +17198,8 @@
           <a:chExt cx="0" cy="0"/>
         </a:xfrm>
       </p:grpSpPr>
-      <mc:AlternateContent xmlns:mc="http://schemas.openxmlformats.org/markup-compatibility/2006">
-        <mc:Choice xmlns:a14="http://schemas.microsoft.com/office/drawing/2010/main" Requires="a14">
+      <mc:AlternateContent xmlns:mc="http://schemas.openxmlformats.org/markup-compatibility/2006" xmlns:a14="http://schemas.microsoft.com/office/drawing/2010/main">
+        <mc:Choice Requires="a14">
           <p:sp>
             <p:nvSpPr>
               <p:cNvPr id="2" name="Content Placeholder 1">
@@ -17705,15 +17272,7 @@
                 </a:pPr>
                 <a:r>
                   <a:rPr lang="en-US" dirty="0"/>
-                  <a:t>E</a:t>
-                </a:r>
-                <a:r>
-                  <a:rPr lang="en-US" dirty="0" smtClean="0"/>
-                  <a:t>xpensive </a:t>
-                </a:r>
-                <a:r>
-                  <a:rPr lang="en-US" dirty="0"/>
-                  <a:t>operation due to huge number of division, multiplication and modulus operations and it is also sequential.</a:t>
+                  <a:t>Expensive operation due to huge number of division, multiplication and modulus operations and it is also sequential.</a:t>
                 </a:r>
               </a:p>
               <a:p>
@@ -17755,11 +17314,7 @@
                 </a:pPr>
                 <a:r>
                   <a:rPr lang="en-US" dirty="0"/>
-                  <a:t>Latency reduced from </a:t>
-                </a:r>
-                <a:r>
-                  <a:rPr lang="en-US" dirty="0" smtClean="0"/>
-                  <a:t>19</a:t>
+                  <a:t>Latency reduced from 19</a:t>
                 </a:r>
                 <a14:m>
                   <m:oMath xmlns:m="http://schemas.openxmlformats.org/officeDocument/2006/math">
@@ -17785,7 +17340,7 @@
                   </m:oMath>
                 </a14:m>
                 <a:r>
-                  <a:rPr lang="en-US" dirty="0" smtClean="0"/>
+                  <a:rPr lang="en-US" dirty="0"/>
                   <a:t>to  0.47</a:t>
                 </a:r>
                 <a14:m>
@@ -17820,7 +17375,7 @@
             </p:txBody>
           </p:sp>
         </mc:Choice>
-        <mc:Fallback>
+        <mc:Fallback xmlns="">
           <p:sp>
             <p:nvSpPr>
               <p:cNvPr id="2" name="Content Placeholder 1">
@@ -18008,7 +17563,7 @@
           </a:bodyPr>
           <a:lstStyle/>
           <a:p>
-            <a:endParaRPr lang="en-US" sz="1100" b="1" kern="900" spc="100" dirty="0" err="1" smtClean="0">
+            <a:endParaRPr lang="en-US" sz="1100" b="1" kern="900" spc="100" dirty="0" err="1">
               <a:solidFill>
                 <a:srgbClr val="000000"/>
               </a:solidFill>
@@ -18030,13 +17585,6 @@
   <p:clrMapOvr>
     <a:masterClrMapping/>
   </p:clrMapOvr>
-  <p:timing>
-    <p:tnLst>
-      <p:par>
-        <p:cTn id="1" dur="indefinite" restart="never" nodeType="tmRoot"/>
-      </p:par>
-    </p:tnLst>
-  </p:timing>
 </p:sld>
 </file>
 
@@ -18093,10 +17641,9 @@
               <a:buChar char="•"/>
             </a:pPr>
             <a:r>
-              <a:rPr lang="en-US" dirty="0" smtClean="0"/>
+              <a:rPr lang="en-US" dirty="0"/>
               <a:t>Motivation</a:t>
             </a:r>
-            <a:endParaRPr lang="en-US" dirty="0"/>
           </a:p>
           <a:p>
             <a:pPr marL="285750" indent="-285750">
@@ -18121,11 +17668,7 @@
             </a:pPr>
             <a:r>
               <a:rPr lang="en-IN" dirty="0"/>
-              <a:t>Encoding FEC </a:t>
-            </a:r>
-            <a:r>
-              <a:rPr lang="en-IN" dirty="0" smtClean="0"/>
-              <a:t>chain</a:t>
+              <a:t>Encoding FEC chain</a:t>
             </a:r>
           </a:p>
           <a:p>
@@ -18137,18 +17680,9 @@
               <a:buChar char="•"/>
             </a:pPr>
             <a:r>
-              <a:rPr lang="en-IN" dirty="0" smtClean="0"/>
-              <a:t>Latency results : </a:t>
-            </a:r>
-            <a:r>
               <a:rPr lang="en-IN" dirty="0"/>
-              <a:t>Encoding </a:t>
-            </a:r>
-            <a:r>
-              <a:rPr lang="en-IN" dirty="0" smtClean="0"/>
-              <a:t>chain</a:t>
-            </a:r>
-            <a:endParaRPr lang="en-IN" dirty="0"/>
+              <a:t>Latency results : Encoding chain</a:t>
+            </a:r>
           </a:p>
           <a:p>
             <a:pPr marL="285750" indent="-285750">
@@ -18173,13 +17707,8 @@
             </a:pPr>
             <a:r>
               <a:rPr lang="en-IN" dirty="0"/>
-              <a:t>Latency results : </a:t>
-            </a:r>
-            <a:r>
-              <a:rPr lang="en-IN" dirty="0" smtClean="0"/>
-              <a:t>Decoding chain</a:t>
-            </a:r>
-            <a:endParaRPr lang="en-IN" dirty="0"/>
+              <a:t>Latency results : Decoding chain</a:t>
+            </a:r>
           </a:p>
           <a:p>
             <a:pPr marL="285750" indent="-285750">
@@ -18190,10 +17719,9 @@
               <a:buChar char="•"/>
             </a:pPr>
             <a:r>
-              <a:rPr lang="en-US" dirty="0" smtClean="0"/>
+              <a:rPr lang="en-US" dirty="0"/>
               <a:t>Conclusion and Outlook</a:t>
             </a:r>
-            <a:endParaRPr lang="en-US" dirty="0"/>
           </a:p>
           <a:p>
             <a:pPr marL="285750" indent="-285750">
@@ -18296,7 +17824,7 @@
           </a:bodyPr>
           <a:lstStyle/>
           <a:p>
-            <a:endParaRPr lang="en-US" sz="1100" b="1" kern="900" spc="100" dirty="0" err="1" smtClean="0">
+            <a:endParaRPr lang="en-US" sz="1100" b="1" kern="900" spc="100" dirty="0" err="1">
               <a:solidFill>
                 <a:srgbClr val="000000"/>
               </a:solidFill>
@@ -18318,13 +17846,6 @@
   <p:clrMapOvr>
     <a:masterClrMapping/>
   </p:clrMapOvr>
-  <p:timing>
-    <p:tnLst>
-      <p:par>
-        <p:cTn id="1" dur="indefinite" restart="never" nodeType="tmRoot"/>
-      </p:par>
-    </p:tnLst>
-  </p:timing>
 </p:sld>
 </file>
 
@@ -18371,15 +17892,7 @@
             </a:pPr>
             <a:r>
               <a:rPr lang="en-US" dirty="0"/>
-              <a:t>Packing multiple frozen bits </a:t>
-            </a:r>
-            <a:r>
-              <a:rPr lang="en-US" dirty="0" smtClean="0"/>
-              <a:t>allows efficient </a:t>
-            </a:r>
-            <a:r>
-              <a:rPr lang="en-US" dirty="0"/>
-              <a:t>identification of component codes.</a:t>
+              <a:t>Packing multiple frozen bits allows efficient identification of component codes.</a:t>
             </a:r>
           </a:p>
           <a:p>
@@ -18409,11 +17922,7 @@
             </a:pPr>
             <a:r>
               <a:rPr lang="en-US" dirty="0"/>
-              <a:t>Packing of multiple bits together allows identification of component codes in a single comparison instruction</a:t>
-            </a:r>
-            <a:r>
-              <a:rPr lang="en-US" dirty="0" smtClean="0"/>
-              <a:t>.</a:t>
+              <a:t>Packing of multiple bits together allows identification of component codes in a single comparison instruction.</a:t>
             </a:r>
           </a:p>
           <a:p>
@@ -18422,10 +17931,9 @@
               <a:buChar char="•"/>
             </a:pPr>
             <a:r>
-              <a:rPr lang="en-US" dirty="0" smtClean="0"/>
+              <a:rPr lang="en-US" dirty="0"/>
               <a:t>Reduces the expensive branch instructions and exploits data parallelism.</a:t>
             </a:r>
-            <a:endParaRPr lang="en-US" dirty="0" smtClean="0"/>
           </a:p>
           <a:p>
             <a:pPr marL="285750" indent="-285750">
@@ -18440,10 +17948,9 @@
               <a:buChar char="•"/>
             </a:pPr>
             <a:r>
-              <a:rPr lang="en-US" dirty="0" smtClean="0"/>
+              <a:rPr lang="en-US" dirty="0"/>
               <a:t>For frozen pattern at child node  = {1,1……..1,1} //256 values.</a:t>
             </a:r>
-            <a:endParaRPr lang="en-US" dirty="0"/>
           </a:p>
           <a:p>
             <a:pPr marL="285750" indent="-285750">
@@ -18520,7 +18027,7 @@
               <a:t>frozenPattern</a:t>
             </a:r>
             <a:r>
-              <a:rPr lang="de-DE" sz="900" b="1" dirty="0" smtClean="0">
+              <a:rPr lang="de-DE" sz="900" b="1" dirty="0">
                 <a:solidFill>
                   <a:srgbClr val="000000"/>
                 </a:solidFill>
@@ -18528,12 +18035,6 @@
               </a:rPr>
               <a:t>[])</a:t>
             </a:r>
-            <a:endParaRPr lang="de-DE" sz="900" b="1" dirty="0">
-              <a:solidFill>
-                <a:srgbClr val="000000"/>
-              </a:solidFill>
-              <a:latin typeface="Consolas" panose="020B0609020204030204" pitchFamily="49" charset="0"/>
-            </a:endParaRPr>
           </a:p>
           <a:p>
             <a:r>
@@ -18691,19 +18192,10 @@
                 </a:solidFill>
                 <a:latin typeface="Consolas" panose="020B0609020204030204" pitchFamily="49" charset="0"/>
               </a:rPr>
-              <a:t> &lt; </a:t>
-            </a:r>
-            <a:r>
-              <a:rPr lang="en-US" sz="900" b="1" dirty="0" smtClean="0">
-                <a:solidFill>
-                  <a:srgbClr val="000000"/>
-                </a:solidFill>
-                <a:latin typeface="Consolas" panose="020B0609020204030204" pitchFamily="49" charset="0"/>
-              </a:rPr>
-              <a:t>256;i++) </a:t>
-            </a:r>
-            <a:r>
-              <a:rPr lang="en-US" sz="900" dirty="0" smtClean="0">
+              <a:t> &lt; 256;i++) </a:t>
+            </a:r>
+            <a:r>
+              <a:rPr lang="en-US" sz="900" dirty="0">
                 <a:solidFill>
                   <a:srgbClr val="000000"/>
                 </a:solidFill>
@@ -18711,16 +18203,10 @@
               </a:rPr>
               <a:t>{  </a:t>
             </a:r>
-            <a:endParaRPr lang="en-US" sz="900" dirty="0">
-              <a:solidFill>
-                <a:srgbClr val="000000"/>
-              </a:solidFill>
-              <a:latin typeface="Consolas" panose="020B0609020204030204" pitchFamily="49" charset="0"/>
-            </a:endParaRPr>
-          </a:p>
-          <a:p>
-            <a:r>
-              <a:rPr lang="en-US" sz="900" dirty="0" smtClean="0">
+          </a:p>
+          <a:p>
+            <a:r>
+              <a:rPr lang="en-US" sz="900" dirty="0">
                 <a:solidFill>
                   <a:srgbClr val="000000"/>
                 </a:solidFill>
@@ -18729,7 +18215,7 @@
               <a:t>        </a:t>
             </a:r>
             <a:r>
-              <a:rPr lang="en-US" sz="900" b="1" dirty="0" smtClean="0">
+              <a:rPr lang="en-US" sz="900" b="1" dirty="0">
                 <a:solidFill>
                   <a:srgbClr val="7F0055"/>
                 </a:solidFill>
@@ -18738,7 +18224,7 @@
               <a:t>if</a:t>
             </a:r>
             <a:r>
-              <a:rPr lang="en-US" sz="900" b="1" dirty="0" smtClean="0">
+              <a:rPr lang="en-US" sz="900" b="1" dirty="0">
                 <a:solidFill>
                   <a:srgbClr val="000000"/>
                 </a:solidFill>
@@ -18747,7 +18233,7 @@
               <a:t>(</a:t>
             </a:r>
             <a:r>
-              <a:rPr lang="en-US" sz="900" b="1" dirty="0" err="1" smtClean="0">
+              <a:rPr lang="en-US" sz="900" b="1" dirty="0" err="1">
                 <a:solidFill>
                   <a:srgbClr val="000000"/>
                 </a:solidFill>
@@ -18756,7 +18242,7 @@
               <a:t>frozenPattern</a:t>
             </a:r>
             <a:r>
-              <a:rPr lang="en-US" sz="900" b="1" dirty="0" smtClean="0">
+              <a:rPr lang="en-US" sz="900" b="1" dirty="0">
                 <a:solidFill>
                   <a:srgbClr val="000000"/>
                 </a:solidFill>
@@ -18765,7 +18251,7 @@
               <a:t>[</a:t>
             </a:r>
             <a:r>
-              <a:rPr lang="en-US" sz="900" b="1" dirty="0" err="1" smtClean="0">
+              <a:rPr lang="en-US" sz="900" b="1" dirty="0" err="1">
                 <a:solidFill>
                   <a:srgbClr val="000000"/>
                 </a:solidFill>
@@ -18774,7 +18260,7 @@
               <a:t>i</a:t>
             </a:r>
             <a:r>
-              <a:rPr lang="en-US" sz="900" b="1" dirty="0" smtClean="0">
+              <a:rPr lang="en-US" sz="900" b="1" dirty="0">
                 <a:solidFill>
                   <a:srgbClr val="000000"/>
                 </a:solidFill>
@@ -18785,7 +18271,7 @@
           </a:p>
           <a:p>
             <a:r>
-              <a:rPr lang="en-US" sz="900" dirty="0" smtClean="0">
+              <a:rPr lang="en-US" sz="900" dirty="0">
                 <a:solidFill>
                   <a:srgbClr val="000000"/>
                 </a:solidFill>
@@ -18878,23 +18364,8 @@
                 </a:solidFill>
                 <a:latin typeface="Consolas" panose="020B0609020204030204" pitchFamily="49" charset="0"/>
               </a:rPr>
-              <a:t>    </a:t>
-            </a:r>
-            <a:r>
-              <a:rPr lang="en-US" sz="900" dirty="0" smtClean="0">
-                <a:solidFill>
-                  <a:srgbClr val="000000"/>
-                </a:solidFill>
-                <a:latin typeface="Consolas" panose="020B0609020204030204" pitchFamily="49" charset="0"/>
-              </a:rPr>
-              <a:t>}  </a:t>
-            </a:r>
-            <a:endParaRPr lang="en-US" sz="900" dirty="0">
-              <a:solidFill>
-                <a:srgbClr val="000000"/>
-              </a:solidFill>
-              <a:latin typeface="Consolas" panose="020B0609020204030204" pitchFamily="49" charset="0"/>
-            </a:endParaRPr>
+              <a:t>    }  </a:t>
+            </a:r>
           </a:p>
           <a:p>
             <a:r>
@@ -18934,7 +18405,7 @@
               <a:t>rateZeroNode</a:t>
             </a:r>
             <a:r>
-              <a:rPr lang="en-US" sz="900" b="1" dirty="0" smtClean="0">
+              <a:rPr lang="en-US" sz="900" b="1" dirty="0">
                 <a:solidFill>
                   <a:srgbClr val="000000"/>
                 </a:solidFill>
@@ -18942,12 +18413,6 @@
               </a:rPr>
               <a:t>; </a:t>
             </a:r>
-            <a:endParaRPr lang="en-US" sz="900" b="1" dirty="0">
-              <a:solidFill>
-                <a:srgbClr val="000000"/>
-              </a:solidFill>
-              <a:latin typeface="Consolas" panose="020B0609020204030204" pitchFamily="49" charset="0"/>
-            </a:endParaRPr>
           </a:p>
           <a:p>
             <a:r>
@@ -19013,21 +18478,8 @@
                   <a:schemeClr val="bg2"/>
                 </a:solidFill>
               </a:rPr>
-              <a:t>Polar decoding: Packing frozen </a:t>
-            </a:r>
-            <a:r>
-              <a:rPr lang="en-US" dirty="0" smtClean="0">
-                <a:solidFill>
-                  <a:schemeClr val="bg2"/>
-                </a:solidFill>
-              </a:rPr>
-              <a:t>pattern</a:t>
-            </a:r>
-            <a:endParaRPr lang="en-US" dirty="0">
-              <a:solidFill>
-                <a:schemeClr val="bg2"/>
-              </a:solidFill>
-            </a:endParaRPr>
+              <a:t>Polar decoding: Packing frozen pattern</a:t>
+            </a:r>
           </a:p>
         </p:txBody>
       </p:sp>
@@ -19059,7 +18511,7 @@
               </a:lnSpc>
             </a:pPr>
             <a:r>
-              <a:rPr lang="en-US" sz="1600" dirty="0" smtClean="0">
+              <a:rPr lang="en-US" sz="1600" dirty="0">
                 <a:latin typeface="+mn-lt"/>
               </a:rPr>
               <a:t>Naive way</a:t>
@@ -19095,7 +18547,7 @@
               </a:lnSpc>
             </a:pPr>
             <a:r>
-              <a:rPr lang="en-US" sz="1600" dirty="0" smtClean="0">
+              <a:rPr lang="en-US" sz="1600" dirty="0">
                 <a:latin typeface="+mn-lt"/>
               </a:rPr>
               <a:t>Efficient SIMD way</a:t>
@@ -19163,7 +18615,7 @@
               <a:t> </a:t>
             </a:r>
             <a:r>
-              <a:rPr lang="en-US" sz="900" b="1" dirty="0" smtClean="0">
+              <a:rPr lang="en-US" sz="900" b="1" dirty="0">
                 <a:solidFill>
                   <a:srgbClr val="7F0055"/>
                 </a:solidFill>
@@ -19172,7 +18624,7 @@
               <a:t>bool</a:t>
             </a:r>
             <a:r>
-              <a:rPr lang="en-US" sz="900" b="1" dirty="0" smtClean="0">
+              <a:rPr lang="en-US" sz="900" b="1" dirty="0">
                 <a:solidFill>
                   <a:srgbClr val="000000"/>
                 </a:solidFill>
@@ -19181,7 +18633,7 @@
               <a:t> </a:t>
             </a:r>
             <a:r>
-              <a:rPr lang="de-DE" sz="900" b="1" dirty="0" err="1" smtClean="0">
+              <a:rPr lang="de-DE" sz="900" b="1" dirty="0" err="1">
                 <a:solidFill>
                   <a:srgbClr val="000000"/>
                 </a:solidFill>
@@ -19199,7 +18651,7 @@
               <a:t>(</a:t>
             </a:r>
             <a:r>
-              <a:rPr lang="en-US" sz="900" b="1" dirty="0" smtClean="0">
+              <a:rPr lang="en-US" sz="900" b="1" dirty="0">
                 <a:solidFill>
                   <a:srgbClr val="005032"/>
                 </a:solidFill>
@@ -19208,40 +18660,13 @@
               <a:t>uint64_t</a:t>
             </a:r>
             <a:r>
-              <a:rPr lang="en-US" sz="900" b="1" dirty="0" smtClean="0">
-                <a:solidFill>
-                  <a:srgbClr val="000000"/>
-                </a:solidFill>
-                <a:latin typeface="Consolas" panose="020B0609020204030204" pitchFamily="49" charset="0"/>
-              </a:rPr>
-              <a:t> </a:t>
-            </a:r>
-            <a:r>
               <a:rPr lang="en-US" sz="900" b="1" dirty="0">
                 <a:solidFill>
                   <a:srgbClr val="000000"/>
                 </a:solidFill>
                 <a:latin typeface="Consolas" panose="020B0609020204030204" pitchFamily="49" charset="0"/>
               </a:rPr>
-              <a:t>s</a:t>
-            </a:r>
-            <a:r>
-              <a:rPr lang="en-US" sz="900" b="1" dirty="0" smtClean="0">
-                <a:solidFill>
-                  <a:srgbClr val="000000"/>
-                </a:solidFill>
-                <a:latin typeface="Consolas" panose="020B0609020204030204" pitchFamily="49" charset="0"/>
-              </a:rPr>
-              <a:t>[]) </a:t>
-            </a:r>
-            <a:r>
-              <a:rPr lang="en-US" sz="900" b="1" dirty="0">
-                <a:solidFill>
-                  <a:srgbClr val="000000"/>
-                </a:solidFill>
-                <a:latin typeface="Consolas" panose="020B0609020204030204" pitchFamily="49" charset="0"/>
-              </a:rPr>
-              <a:t>{</a:t>
+              <a:t> s[]) {</a:t>
             </a:r>
           </a:p>
           <a:p>
@@ -19322,31 +18747,13 @@
                 </a:solidFill>
                 <a:latin typeface="Consolas" panose="020B0609020204030204" pitchFamily="49" charset="0"/>
               </a:rPr>
-              <a:t> temp2</a:t>
-            </a:r>
-            <a:r>
-              <a:rPr lang="en-US" sz="900" dirty="0" smtClean="0">
-                <a:solidFill>
-                  <a:srgbClr val="000000"/>
-                </a:solidFill>
-                <a:latin typeface="Consolas" panose="020B0609020204030204" pitchFamily="49" charset="0"/>
-              </a:rPr>
-              <a:t>;</a:t>
+              <a:t> temp2;</a:t>
             </a:r>
             <a:endParaRPr lang="en-US" sz="900" dirty="0">
               <a:latin typeface="Consolas" panose="020B0609020204030204" pitchFamily="49" charset="0"/>
             </a:endParaRPr>
           </a:p>
           <a:p>
-            <a:r>
-              <a:rPr lang="en-US" sz="900" dirty="0" smtClean="0">
-                <a:solidFill>
-                  <a:srgbClr val="000000"/>
-                </a:solidFill>
-                <a:latin typeface="Consolas" panose="020B0609020204030204" pitchFamily="49" charset="0"/>
-              </a:rPr>
-              <a:t>    temp2 </a:t>
-            </a:r>
             <a:r>
               <a:rPr lang="en-US" sz="900" dirty="0">
                 <a:solidFill>
@@ -19354,7 +18761,7 @@
                 </a:solidFill>
                 <a:latin typeface="Consolas" panose="020B0609020204030204" pitchFamily="49" charset="0"/>
               </a:rPr>
-              <a:t>= _mm256_set1_epi8 ((</a:t>
+              <a:t>    temp2 = _mm256_set1_epi8 ((</a:t>
             </a:r>
             <a:r>
               <a:rPr lang="en-US" sz="900" b="1" dirty="0">
@@ -19372,20 +18779,11 @@
                 </a:solidFill>
                 <a:latin typeface="Consolas" panose="020B0609020204030204" pitchFamily="49" charset="0"/>
               </a:rPr>
-              <a:t>)0xFF</a:t>
-            </a:r>
-            <a:r>
-              <a:rPr lang="en-US" sz="900" b="1" dirty="0" smtClean="0">
-                <a:solidFill>
-                  <a:srgbClr val="000000"/>
-                </a:solidFill>
-                <a:latin typeface="Consolas" panose="020B0609020204030204" pitchFamily="49" charset="0"/>
-              </a:rPr>
-              <a:t>);</a:t>
-            </a:r>
-          </a:p>
-          <a:p>
-            <a:endParaRPr lang="en-US" sz="900" b="1" dirty="0" smtClean="0">
+              <a:t>)0xFF);</a:t>
+            </a:r>
+          </a:p>
+          <a:p>
+            <a:endParaRPr lang="en-US" sz="900" b="1" dirty="0">
               <a:solidFill>
                 <a:srgbClr val="000000"/>
               </a:solidFill>
@@ -19393,15 +18791,6 @@
             </a:endParaRPr>
           </a:p>
           <a:p>
-            <a:r>
-              <a:rPr lang="en-US" sz="900" dirty="0" smtClean="0">
-                <a:solidFill>
-                  <a:srgbClr val="005032"/>
-                </a:solidFill>
-                <a:latin typeface="Consolas" panose="020B0609020204030204" pitchFamily="49" charset="0"/>
-              </a:rPr>
-              <a:t>    __</a:t>
-            </a:r>
             <a:r>
               <a:rPr lang="en-US" sz="900" dirty="0">
                 <a:solidFill>
@@ -19409,7 +18798,7 @@
                 </a:solidFill>
                 <a:latin typeface="Consolas" panose="020B0609020204030204" pitchFamily="49" charset="0"/>
               </a:rPr>
-              <a:t>m256i</a:t>
+              <a:t>    __m256i</a:t>
             </a:r>
             <a:r>
               <a:rPr lang="en-US" sz="900" dirty="0">
@@ -19482,7 +18871,7 @@
               <a:t>pcmp</a:t>
             </a:r>
             <a:r>
-              <a:rPr lang="en-US" sz="900" b="1" dirty="0" smtClean="0">
+              <a:rPr lang="en-US" sz="900" b="1" dirty="0">
                 <a:solidFill>
                   <a:srgbClr val="000000"/>
                 </a:solidFill>
@@ -19565,7 +18954,7 @@
           </a:bodyPr>
           <a:lstStyle/>
           <a:p>
-            <a:endParaRPr lang="en-US" sz="1100" b="1" kern="900" spc="100" dirty="0" err="1" smtClean="0">
+            <a:endParaRPr lang="en-US" sz="1100" b="1" kern="900" spc="100" dirty="0" err="1">
               <a:solidFill>
                 <a:srgbClr val="000000"/>
               </a:solidFill>
@@ -19587,13 +18976,6 @@
   <p:clrMapOvr>
     <a:masterClrMapping/>
   </p:clrMapOvr>
-  <p:timing>
-    <p:tnLst>
-      <p:par>
-        <p:cTn id="1" dur="indefinite" restart="never" nodeType="tmRoot"/>
-      </p:par>
-    </p:tnLst>
-  </p:timing>
 </p:sld>
 </file>
 
@@ -19614,8 +18996,8 @@
           <a:chExt cx="0" cy="0"/>
         </a:xfrm>
       </p:grpSpPr>
-      <mc:AlternateContent xmlns:mc="http://schemas.openxmlformats.org/markup-compatibility/2006">
-        <mc:Choice xmlns:a14="http://schemas.microsoft.com/office/drawing/2010/main" Requires="a14">
+      <mc:AlternateContent xmlns:mc="http://schemas.openxmlformats.org/markup-compatibility/2006" xmlns:a14="http://schemas.microsoft.com/office/drawing/2010/main">
+        <mc:Choice Requires="a14">
           <p:sp>
             <p:nvSpPr>
               <p:cNvPr id="2" name="Content Placeholder 1"/>
@@ -19641,7 +19023,7 @@
                   <a:buChar char="•"/>
                 </a:pPr>
                 <a:r>
-                  <a:rPr lang="en-US" dirty="0" smtClean="0"/>
+                  <a:rPr lang="en-US" dirty="0"/>
                   <a:t>Decoding operation involves CN, VN and bit combination instructions in every node of decoding tree.</a:t>
                 </a:r>
               </a:p>
@@ -19651,7 +19033,7 @@
                   <a:buChar char="•"/>
                 </a:pPr>
                 <a:r>
-                  <a:rPr lang="en-US" dirty="0" smtClean="0"/>
+                  <a:rPr lang="en-US" dirty="0"/>
                   <a:t>Efficient implementation of these operations is critical for achieving low latency.</a:t>
                 </a:r>
               </a:p>
@@ -19661,18 +19043,17 @@
                   <a:buChar char="•"/>
                 </a:pPr>
                 <a:r>
-                  <a:rPr lang="en-US" dirty="0" smtClean="0"/>
+                  <a:rPr lang="en-US" dirty="0"/>
                   <a:t>CN, VN and bit combination operations are </a:t>
                 </a:r>
                 <a:r>
-                  <a:rPr lang="en-US" dirty="0" err="1" smtClean="0"/>
+                  <a:rPr lang="en-US" dirty="0" err="1"/>
                   <a:t>vectorized</a:t>
                 </a:r>
                 <a:r>
                   <a:rPr lang="en-US" dirty="0"/>
                   <a:t>.</a:t>
                 </a:r>
-                <a:endParaRPr lang="en-US" dirty="0" smtClean="0"/>
               </a:p>
               <a:p>
                 <a:pPr marL="285750" indent="-285750">
@@ -19680,7 +19061,7 @@
                   <a:buChar char="•"/>
                 </a:pPr>
                 <a:r>
-                  <a:rPr lang="en-US" dirty="0" smtClean="0"/>
+                  <a:rPr lang="en-US" dirty="0"/>
                   <a:t>Sign multiplication in CN operation is reduced to bitwise negation and implemented using SIMD instructions.</a:t>
                 </a:r>
               </a:p>
@@ -19690,7 +19071,7 @@
                   <a:buChar char="•"/>
                 </a:pPr>
                 <a:r>
-                  <a:rPr lang="en-US" dirty="0" smtClean="0"/>
+                  <a:rPr lang="en-US" dirty="0"/>
                   <a:t>In VN operation multiplication based on </a:t>
                 </a:r>
                 <a14:m>
@@ -19747,10 +19128,9 @@
                   </m:oMath>
                 </a14:m>
                 <a:r>
-                  <a:rPr lang="en-US" dirty="0" smtClean="0"/>
+                  <a:rPr lang="en-US" dirty="0"/>
                   <a:t> is reformulated using bit wise negation.</a:t>
                 </a:r>
-                <a:endParaRPr lang="en-US" dirty="0"/>
               </a:p>
               <a:p>
                 <a:pPr marL="285750" indent="-285750">
@@ -19758,18 +19138,18 @@
                   <a:buChar char="•"/>
                 </a:pPr>
                 <a:r>
-                  <a:rPr lang="en-US" dirty="0" smtClean="0"/>
+                  <a:rPr lang="en-US" dirty="0"/>
                   <a:t>Bit combination is performed with </a:t>
                 </a:r>
                 <a:r>
-                  <a:rPr lang="en-US" dirty="0" smtClean="0">
+                  <a:rPr lang="en-US" dirty="0">
                     <a:latin typeface="Simplified Arabic Fixed" panose="02070309020205020404" pitchFamily="49" charset="-78"/>
                     <a:cs typeface="Simplified Arabic Fixed" panose="02070309020205020404" pitchFamily="49" charset="-78"/>
                   </a:rPr>
                   <a:t>SIMD XOR </a:t>
                 </a:r>
                 <a:r>
-                  <a:rPr lang="en-US" dirty="0" smtClean="0">
+                  <a:rPr lang="en-US" dirty="0">
                     <a:cs typeface="Simplified Arabic Fixed" panose="02070309020205020404" pitchFamily="49" charset="-78"/>
                   </a:rPr>
                   <a:t>instructions.</a:t>
@@ -19782,14 +19162,9 @@
                   </a:rPr>
                   <a:t> </a:t>
                 </a:r>
-                <a:endParaRPr lang="en-US" sz="1800" dirty="0" smtClean="0">
-                  <a:solidFill>
-                    <a:schemeClr val="bg2"/>
-                  </a:solidFill>
-                </a:endParaRPr>
               </a:p>
               <a:p>
-                <a:endParaRPr lang="en-US" sz="600" dirty="0" smtClean="0">
+                <a:endParaRPr lang="en-US" sz="600" dirty="0">
                   <a:solidFill>
                     <a:schemeClr val="bg2"/>
                   </a:solidFill>
@@ -19797,20 +19172,12 @@
               </a:p>
               <a:p>
                 <a:r>
-                  <a:rPr lang="en-US" sz="1800" dirty="0" smtClean="0">
-                    <a:solidFill>
-                      <a:schemeClr val="bg2"/>
-                    </a:solidFill>
-                  </a:rPr>
-                  <a:t>Avoiding </a:t>
-                </a:r>
-                <a:r>
                   <a:rPr lang="en-US" sz="1800" dirty="0">
                     <a:solidFill>
                       <a:schemeClr val="bg2"/>
                     </a:solidFill>
                   </a:rPr>
-                  <a:t>superfluous copying: </a:t>
+                  <a:t>Avoiding superfluous copying: </a:t>
                 </a:r>
                 <a:endParaRPr lang="en-US" dirty="0">
                   <a:solidFill>
@@ -19825,31 +19192,13 @@
                   <a:buChar char="•"/>
                 </a:pPr>
                 <a:r>
-                  <a:rPr lang="en-US" dirty="0" smtClean="0">
-                    <a:solidFill>
-                      <a:prstClr val="black"/>
-                    </a:solidFill>
-                    <a:cs typeface="Simplified Arabic Fixed" panose="02070309020205020404" pitchFamily="49" charset="-78"/>
-                  </a:rPr>
-                  <a:t>Intelligent memory </a:t>
-                </a:r>
-                <a:r>
                   <a:rPr lang="en-US" dirty="0">
                     <a:solidFill>
                       <a:prstClr val="black"/>
                     </a:solidFill>
                     <a:cs typeface="Simplified Arabic Fixed" panose="02070309020205020404" pitchFamily="49" charset="-78"/>
                   </a:rPr>
-                  <a:t>layout </a:t>
-                </a:r>
-                <a:r>
-                  <a:rPr lang="en-US" dirty="0" smtClean="0">
-                    <a:solidFill>
-                      <a:prstClr val="black"/>
-                    </a:solidFill>
-                    <a:cs typeface="Simplified Arabic Fixed" panose="02070309020205020404" pitchFamily="49" charset="-78"/>
-                  </a:rPr>
-                  <a:t>design for </a:t>
+                  <a:t>Intelligent memory layout design for </a:t>
                 </a:r>
                 <a14:m>
                   <m:oMath xmlns:m="http://schemas.openxmlformats.org/officeDocument/2006/math">
@@ -19970,23 +19319,14 @@
                     </a:solidFill>
                     <a:cs typeface="Simplified Arabic Fixed" panose="02070309020205020404" pitchFamily="49" charset="-78"/>
                   </a:rPr>
-                  <a:t> without explicit copying</a:t>
-                </a:r>
-                <a:r>
-                  <a:rPr lang="en-US" dirty="0" smtClean="0">
-                    <a:solidFill>
-                      <a:prstClr val="black"/>
-                    </a:solidFill>
-                    <a:cs typeface="Simplified Arabic Fixed" panose="02070309020205020404" pitchFamily="49" charset="-78"/>
-                  </a:rPr>
-                  <a:t>.</a:t>
+                  <a:t> without explicit copying.</a:t>
                 </a:r>
                 <a:endParaRPr lang="en-US" dirty="0"/>
               </a:p>
             </p:txBody>
           </p:sp>
         </mc:Choice>
-        <mc:Fallback>
+        <mc:Fallback xmlns="">
           <p:sp>
             <p:nvSpPr>
               <p:cNvPr id="2" name="Content Placeholder 1"/>
@@ -20076,16 +19416,11 @@
               </a:rPr>
               <a:t>Optimized CN, VN and bit combination operations</a:t>
             </a:r>
-            <a:endParaRPr lang="en-US" dirty="0">
-              <a:solidFill>
-                <a:schemeClr val="bg2"/>
-              </a:solidFill>
-            </a:endParaRPr>
           </a:p>
         </p:txBody>
       </p:sp>
-      <mc:AlternateContent xmlns:mc="http://schemas.openxmlformats.org/markup-compatibility/2006">
-        <mc:Choice xmlns:a14="http://schemas.microsoft.com/office/drawing/2010/main" Requires="a14">
+      <mc:AlternateContent xmlns:mc="http://schemas.openxmlformats.org/markup-compatibility/2006" xmlns:a14="http://schemas.microsoft.com/office/drawing/2010/main">
+        <mc:Choice Requires="a14">
           <p:sp>
             <p:nvSpPr>
               <p:cNvPr id="456" name="Content Placeholder 1"/>
@@ -20316,7 +19651,7 @@
                   </m:oMath>
                 </a14:m>
                 <a:r>
-                  <a:rPr lang="en-US" sz="1200" dirty="0" smtClean="0">
+                  <a:rPr lang="en-US" sz="1200" dirty="0">
                     <a:solidFill>
                       <a:prstClr val="black"/>
                     </a:solidFill>
@@ -20966,7 +20301,7 @@
             </p:txBody>
           </p:sp>
         </mc:Choice>
-        <mc:Fallback>
+        <mc:Fallback xmlns="">
           <p:sp>
             <p:nvSpPr>
               <p:cNvPr id="456" name="Content Placeholder 1"/>
@@ -21011,8 +20346,8 @@
           </p:sp>
         </mc:Fallback>
       </mc:AlternateContent>
-      <mc:AlternateContent xmlns:mc="http://schemas.openxmlformats.org/markup-compatibility/2006">
-        <mc:Choice xmlns:a14="http://schemas.microsoft.com/office/drawing/2010/main" Requires="a14">
+      <mc:AlternateContent xmlns:mc="http://schemas.openxmlformats.org/markup-compatibility/2006" xmlns:a14="http://schemas.microsoft.com/office/drawing/2010/main">
+        <mc:Choice Requires="a14">
           <p:sp>
             <p:nvSpPr>
               <p:cNvPr id="457" name="Content Placeholder 1"/>
@@ -21230,29 +20565,8 @@
                       <a:prstClr val="black"/>
                     </a:solidFill>
                   </a:rPr>
-                  <a:t>VN </a:t>
+                  <a:t>VN operation:</a:t>
                 </a:r>
-                <a:r>
-                  <a:rPr lang="en-US" sz="1200" dirty="0">
-                    <a:solidFill>
-                      <a:prstClr val="black"/>
-                    </a:solidFill>
-                  </a:rPr>
-                  <a:t>operation</a:t>
-                </a:r>
-                <a:r>
-                  <a:rPr lang="en-US" sz="1200" dirty="0" smtClean="0">
-                    <a:solidFill>
-                      <a:prstClr val="black"/>
-                    </a:solidFill>
-                  </a:rPr>
-                  <a:t>:</a:t>
-                </a:r>
-                <a:endParaRPr lang="en-US" sz="1200" dirty="0">
-                  <a:solidFill>
-                    <a:prstClr val="black"/>
-                  </a:solidFill>
-                </a:endParaRPr>
               </a:p>
               <a:p>
                 <a:pPr marL="538162" lvl="4" indent="0">
@@ -22236,7 +21550,7 @@
             </p:txBody>
           </p:sp>
         </mc:Choice>
-        <mc:Fallback>
+        <mc:Fallback xmlns="">
           <p:sp>
             <p:nvSpPr>
               <p:cNvPr id="457" name="Content Placeholder 1"/>
@@ -22307,7 +21621,7 @@
           </a:bodyPr>
           <a:lstStyle/>
           <a:p>
-            <a:endParaRPr lang="en-US" sz="1100" b="1" kern="900" spc="100" dirty="0" err="1" smtClean="0">
+            <a:endParaRPr lang="en-US" sz="1100" b="1" kern="900" spc="100" dirty="0" err="1">
               <a:solidFill>
                 <a:srgbClr val="000000"/>
               </a:solidFill>
@@ -22329,13 +21643,6 @@
   <p:clrMapOvr>
     <a:masterClrMapping/>
   </p:clrMapOvr>
-  <p:timing>
-    <p:tnLst>
-      <p:par>
-        <p:cTn id="1" dur="indefinite" restart="never" nodeType="tmRoot"/>
-      </p:par>
-    </p:tnLst>
-  </p:timing>
 </p:sld>
 </file>
 
@@ -22356,8 +21663,8 @@
           <a:chExt cx="0" cy="0"/>
         </a:xfrm>
       </p:grpSpPr>
-      <mc:AlternateContent xmlns:mc="http://schemas.openxmlformats.org/markup-compatibility/2006">
-        <mc:Choice xmlns:a14="http://schemas.microsoft.com/office/drawing/2010/main" Requires="a14">
+      <mc:AlternateContent xmlns:mc="http://schemas.openxmlformats.org/markup-compatibility/2006" xmlns:a14="http://schemas.microsoft.com/office/drawing/2010/main">
+        <mc:Choice Requires="a14">
           <p:sp>
             <p:nvSpPr>
               <p:cNvPr id="284" name="Content Placeholder 283"/>
@@ -22407,15 +21714,7 @@
                 </a:pPr>
                 <a:r>
                   <a:rPr lang="en-US" dirty="0"/>
-                  <a:t>D</a:t>
-                </a:r>
-                <a:r>
-                  <a:rPr lang="en-US" dirty="0" smtClean="0"/>
-                  <a:t>ecoded </a:t>
-                </a:r>
-                <a:r>
-                  <a:rPr lang="en-US" dirty="0"/>
-                  <a:t>bits are set to zero. Further tree traversal isn’t necessary.</a:t>
+                  <a:t>Decoded bits are set to zero. Further tree traversal isn’t necessary.</a:t>
                 </a:r>
               </a:p>
               <a:p>
@@ -22470,16 +21769,8 @@
                   <a:buChar char="Ø"/>
                 </a:pPr>
                 <a:r>
-                  <a:rPr lang="en-US" dirty="0" smtClean="0"/>
-                  <a:t>Decoding </a:t>
-                </a:r>
-                <a:r>
                   <a:rPr lang="en-US" dirty="0"/>
-                  <a:t>performed by applying threshold detection and polar </a:t>
-                </a:r>
-                <a:r>
-                  <a:rPr lang="en-US" dirty="0" smtClean="0"/>
-                  <a:t>transform.</a:t>
+                  <a:t>Decoding performed by applying threshold detection and polar transform.</a:t>
                 </a:r>
               </a:p>
               <a:p>
@@ -22495,20 +21786,16 @@
                   <a:buChar char="•"/>
                 </a:pPr>
                 <a:r>
-                  <a:rPr lang="en-US" dirty="0" smtClean="0"/>
+                  <a:rPr lang="en-US" dirty="0"/>
                   <a:t>To speedup R1 node decoding, threshold detection and polar transform is </a:t>
                 </a:r>
                 <a:r>
-                  <a:rPr lang="en-US" dirty="0" err="1" smtClean="0"/>
+                  <a:rPr lang="en-US" dirty="0" err="1"/>
                   <a:t>vectorized</a:t>
                 </a:r>
                 <a:r>
                   <a:rPr lang="en-US" dirty="0"/>
-                  <a:t> </a:t>
-                </a:r>
-                <a:r>
-                  <a:rPr lang="en-US" dirty="0" smtClean="0"/>
-                  <a:t>with a parallelism factor of 16 (</a:t>
+                  <a:t> with a parallelism factor of 16 (</a:t>
                 </a:r>
                 <a14:m>
                   <m:oMath xmlns:m="http://schemas.openxmlformats.org/officeDocument/2006/math">
@@ -22527,7 +21814,7 @@
                   </m:oMath>
                 </a14:m>
                 <a:r>
-                  <a:rPr lang="en-US" dirty="0" smtClean="0"/>
+                  <a:rPr lang="en-US" dirty="0"/>
                   <a:t>)</a:t>
                 </a:r>
               </a:p>
@@ -22538,21 +21825,17 @@
                 </a:pPr>
                 <a:r>
                   <a:rPr lang="en-US" dirty="0"/>
-                  <a:t>P</a:t>
+                  <a:t>Processes vectors of size 16 using SIMD instructions. Namely with </a:t>
                 </a:r>
                 <a:r>
-                  <a:rPr lang="en-US" dirty="0" smtClean="0"/>
-                  <a:t>rocesses vectors of size 16 using SIMD instructions. Namely with </a:t>
-                </a:r>
-                <a:r>
-                  <a:rPr lang="en-US" dirty="0" err="1" smtClean="0">
+                  <a:rPr lang="en-US" dirty="0" err="1">
                     <a:latin typeface="Simplified Arabic Fixed" panose="02070309020205020404" pitchFamily="49" charset="-78"/>
                     <a:cs typeface="Simplified Arabic Fixed" panose="02070309020205020404" pitchFamily="49" charset="-78"/>
                   </a:rPr>
                   <a:t>vpcmpeq</a:t>
                 </a:r>
                 <a:r>
-                  <a:rPr lang="en-US" dirty="0" smtClean="0">
+                  <a:rPr lang="en-US" dirty="0">
                     <a:latin typeface="Simplified Arabic Fixed" panose="02070309020205020404" pitchFamily="49" charset="-78"/>
                     <a:cs typeface="Simplified Arabic Fixed" panose="02070309020205020404" pitchFamily="49" charset="-78"/>
                   </a:rPr>
@@ -22572,14 +21855,14 @@
                   <a:t> </a:t>
                 </a:r>
                 <a:r>
-                  <a:rPr lang="en-US" dirty="0" err="1" smtClean="0">
+                  <a:rPr lang="en-US" dirty="0" err="1">
                     <a:latin typeface="Simplified Arabic Fixed" panose="02070309020205020404" pitchFamily="49" charset="-78"/>
                     <a:cs typeface="Simplified Arabic Fixed" panose="02070309020205020404" pitchFamily="49" charset="-78"/>
                   </a:rPr>
                   <a:t>vpxor</a:t>
                 </a:r>
                 <a:r>
-                  <a:rPr lang="en-US" dirty="0" smtClean="0">
+                  <a:rPr lang="en-US" dirty="0">
                     <a:latin typeface="Simplified Arabic Fixed" panose="02070309020205020404" pitchFamily="49" charset="-78"/>
                     <a:cs typeface="Simplified Arabic Fixed" panose="02070309020205020404" pitchFamily="49" charset="-78"/>
                   </a:rPr>
@@ -22591,7 +21874,7 @@
                   <a:buFont typeface="Arial" panose="020B0604020202020204" pitchFamily="34" charset="0"/>
                   <a:buChar char="•"/>
                 </a:pPr>
-                <a:endParaRPr lang="en-US" dirty="0" smtClean="0"/>
+                <a:endParaRPr lang="en-US" dirty="0"/>
               </a:p>
               <a:p>
                 <a:pPr marL="285750" indent="-285750">
@@ -22613,7 +21896,7 @@
             </p:txBody>
           </p:sp>
         </mc:Choice>
-        <mc:Fallback>
+        <mc:Fallback xmlns="">
           <p:sp>
             <p:nvSpPr>
               <p:cNvPr id="284" name="Content Placeholder 283"/>
@@ -22701,21 +21984,8 @@
                   <a:schemeClr val="bg2"/>
                 </a:solidFill>
               </a:rPr>
-              <a:t>Decoding R0 and R1 </a:t>
-            </a:r>
-            <a:r>
-              <a:rPr lang="en-US" dirty="0" smtClean="0">
-                <a:solidFill>
-                  <a:schemeClr val="bg2"/>
-                </a:solidFill>
-              </a:rPr>
-              <a:t>codes</a:t>
-            </a:r>
-            <a:endParaRPr lang="en-US" dirty="0">
-              <a:solidFill>
-                <a:schemeClr val="bg2"/>
-              </a:solidFill>
-            </a:endParaRPr>
+              <a:t>Decoding R0 and R1 codes</a:t>
+            </a:r>
           </a:p>
         </p:txBody>
       </p:sp>
@@ -22745,7 +22015,7 @@
           </a:bodyPr>
           <a:lstStyle/>
           <a:p>
-            <a:endParaRPr lang="en-US" sz="1100" b="1" kern="900" spc="100" dirty="0" err="1" smtClean="0">
+            <a:endParaRPr lang="en-US" sz="1100" b="1" kern="900" spc="100" dirty="0" err="1">
               <a:solidFill>
                 <a:srgbClr val="000000"/>
               </a:solidFill>
@@ -22767,13 +22037,6 @@
   <p:clrMapOvr>
     <a:masterClrMapping/>
   </p:clrMapOvr>
-  <p:timing>
-    <p:tnLst>
-      <p:par>
-        <p:cTn id="1" dur="indefinite" restart="never" nodeType="tmRoot"/>
-      </p:par>
-    </p:tnLst>
-  </p:timing>
 </p:sld>
 </file>
 
@@ -22819,7 +22082,7 @@
               <a:buChar char="•"/>
             </a:pPr>
             <a:r>
-              <a:rPr lang="en-US" dirty="0" smtClean="0"/>
+              <a:rPr lang="en-US" dirty="0"/>
               <a:t>RPC node’s right most descendent contains information and all remaining bits are frozen.</a:t>
             </a:r>
           </a:p>
@@ -22829,7 +22092,7 @@
               <a:buChar char="•"/>
             </a:pPr>
             <a:r>
-              <a:rPr lang="en-US" dirty="0" smtClean="0"/>
+              <a:rPr lang="en-US" dirty="0"/>
               <a:t>Decoding operation involves summing of all the elements of LLR vector and deciding the bit based on the sum.</a:t>
             </a:r>
           </a:p>
@@ -22839,7 +22102,7 @@
               <a:buChar char="•"/>
             </a:pPr>
             <a:r>
-              <a:rPr lang="en-US" dirty="0" smtClean="0"/>
+              <a:rPr lang="en-US" dirty="0"/>
               <a:t>Result is stored at information bit position and zeros are stored in frozen bit positions.</a:t>
             </a:r>
           </a:p>
@@ -22849,10 +22112,9 @@
               <a:buChar char="•"/>
             </a:pPr>
             <a:r>
-              <a:rPr lang="en-US" dirty="0" smtClean="0"/>
+              <a:rPr lang="en-US" dirty="0"/>
               <a:t>Summation is calculated block wise with AVX2 vector instructions.</a:t>
             </a:r>
-            <a:endParaRPr lang="en-US" dirty="0"/>
           </a:p>
         </p:txBody>
       </p:sp>
@@ -22906,21 +22168,8 @@
                   <a:schemeClr val="bg2"/>
                 </a:solidFill>
               </a:rPr>
-              <a:t>Decoding RPC </a:t>
-            </a:r>
-            <a:r>
-              <a:rPr lang="en-US" dirty="0" smtClean="0">
-                <a:solidFill>
-                  <a:schemeClr val="bg2"/>
-                </a:solidFill>
-              </a:rPr>
-              <a:t>Node</a:t>
-            </a:r>
-            <a:endParaRPr lang="en-US" dirty="0">
-              <a:solidFill>
-                <a:schemeClr val="bg2"/>
-              </a:solidFill>
-            </a:endParaRPr>
+              <a:t>Decoding RPC Node</a:t>
+            </a:r>
           </a:p>
         </p:txBody>
       </p:sp>
@@ -22956,8 +22205,8 @@
           </a:prstGeom>
         </p:spPr>
       </p:pic>
-      <mc:AlternateContent xmlns:mc="http://schemas.openxmlformats.org/markup-compatibility/2006">
-        <mc:Choice xmlns:a14="http://schemas.microsoft.com/office/drawing/2010/main" Requires="a14">
+      <mc:AlternateContent xmlns:mc="http://schemas.openxmlformats.org/markup-compatibility/2006" xmlns:a14="http://schemas.microsoft.com/office/drawing/2010/main">
+        <mc:Choice Requires="a14">
           <p:sp>
             <p:nvSpPr>
               <p:cNvPr id="325" name="TextBox 324"/>
@@ -23262,14 +22511,14 @@
                     </m:oMath>
                   </m:oMathPara>
                 </a14:m>
-                <a:endParaRPr lang="en-US" sz="1600" dirty="0" err="1" smtClean="0">
+                <a:endParaRPr lang="en-US" sz="1600" dirty="0" err="1">
                   <a:latin typeface="+mn-lt"/>
                 </a:endParaRPr>
               </a:p>
             </p:txBody>
           </p:sp>
         </mc:Choice>
-        <mc:Fallback>
+        <mc:Fallback xmlns="">
           <p:sp>
             <p:nvSpPr>
               <p:cNvPr id="325" name="TextBox 324"/>
@@ -23334,7 +22583,7 @@
           </a:bodyPr>
           <a:lstStyle/>
           <a:p>
-            <a:endParaRPr lang="en-US" sz="1100" b="1" kern="900" spc="100" dirty="0" err="1" smtClean="0">
+            <a:endParaRPr lang="en-US" sz="1100" b="1" kern="900" spc="100" dirty="0" err="1">
               <a:solidFill>
                 <a:srgbClr val="000000"/>
               </a:solidFill>
@@ -23356,13 +22605,6 @@
   <p:clrMapOvr>
     <a:masterClrMapping/>
   </p:clrMapOvr>
-  <p:timing>
-    <p:tnLst>
-      <p:par>
-        <p:cTn id="1" dur="indefinite" restart="never" nodeType="tmRoot"/>
-      </p:par>
-    </p:tnLst>
-  </p:timing>
 </p:sld>
 </file>
 
@@ -23428,18 +22670,13 @@
           <a:lstStyle/>
           <a:p>
             <a:r>
-              <a:rPr lang="en-US" dirty="0" smtClean="0">
+              <a:rPr lang="en-US" dirty="0">
                 <a:solidFill>
                   <a:schemeClr val="bg2"/>
                 </a:solidFill>
               </a:rPr>
               <a:t>Decoding SPC node</a:t>
             </a:r>
-            <a:endParaRPr lang="en-US" dirty="0">
-              <a:solidFill>
-                <a:schemeClr val="bg2"/>
-              </a:solidFill>
-            </a:endParaRPr>
           </a:p>
         </p:txBody>
       </p:sp>
@@ -23468,7 +22705,7 @@
               <a:buChar char="•"/>
             </a:pPr>
             <a:r>
-              <a:rPr lang="en-US" dirty="0" smtClean="0"/>
+              <a:rPr lang="en-US" dirty="0"/>
               <a:t>SPC node’s left most descendent is a frozen bit and remaining positions contain information bits.</a:t>
             </a:r>
           </a:p>
@@ -23478,7 +22715,7 @@
               <a:buChar char="•"/>
             </a:pPr>
             <a:r>
-              <a:rPr lang="en-US" dirty="0" smtClean="0"/>
+              <a:rPr lang="en-US" dirty="0"/>
               <a:t>Decoding involves threshold detection, parity calculation, searching minimum magnitude LLR and polar transform.</a:t>
             </a:r>
           </a:p>
@@ -23488,16 +22725,8 @@
               <a:buChar char="•"/>
             </a:pPr>
             <a:r>
-              <a:rPr lang="en-US" dirty="0" smtClean="0"/>
-              <a:t>Block </a:t>
-            </a:r>
-            <a:r>
               <a:rPr lang="en-US" dirty="0"/>
-              <a:t>wise </a:t>
-            </a:r>
-            <a:r>
-              <a:rPr lang="en-US" dirty="0" smtClean="0"/>
-              <a:t>threshold detection with SIMD comparison instruction.</a:t>
+              <a:t>Block wise threshold detection with SIMD comparison instruction.</a:t>
             </a:r>
           </a:p>
           <a:p>
@@ -23506,7 +22735,7 @@
               <a:buChar char="•"/>
             </a:pPr>
             <a:r>
-              <a:rPr lang="en-US" dirty="0" smtClean="0"/>
+              <a:rPr lang="en-US" dirty="0"/>
               <a:t>Parity calculation with bit packing and </a:t>
             </a:r>
             <a:r>
@@ -23520,15 +22749,9 @@
               <a:rPr lang="en-US" dirty="0">
                 <a:cs typeface="Simplified Arabic Fixed" panose="02070309020205020404" pitchFamily="49" charset="-78"/>
               </a:rPr>
-              <a:t>instruction</a:t>
-            </a:r>
-            <a:r>
-              <a:rPr lang="en-US" dirty="0" smtClean="0">
-                <a:cs typeface="Simplified Arabic Fixed" panose="02070309020205020404" pitchFamily="49" charset="-78"/>
-              </a:rPr>
-              <a:t>.</a:t>
-            </a:r>
-            <a:endParaRPr lang="en-US" dirty="0" smtClean="0"/>
+              <a:t>instruction.</a:t>
+            </a:r>
+            <a:endParaRPr lang="en-US" dirty="0"/>
           </a:p>
           <a:p>
             <a:pPr marL="285750" indent="-285750">
@@ -23536,29 +22759,25 @@
               <a:buChar char="•"/>
             </a:pPr>
             <a:r>
-              <a:rPr lang="en-US" dirty="0" smtClean="0">
+              <a:rPr lang="en-US" dirty="0">
                 <a:cs typeface="Simplified Arabic Fixed" panose="02070309020205020404" pitchFamily="49" charset="-78"/>
               </a:rPr>
               <a:t>Searching is performed with another SIMD instruction </a:t>
             </a:r>
             <a:r>
-              <a:rPr lang="en-US" dirty="0" err="1" smtClean="0">
+              <a:rPr lang="en-US" dirty="0" err="1">
                 <a:latin typeface="Simplified Arabic Fixed" panose="02070309020205020404" pitchFamily="49" charset="-78"/>
                 <a:cs typeface="Simplified Arabic Fixed" panose="02070309020205020404" pitchFamily="49" charset="-78"/>
               </a:rPr>
               <a:t>phminpos</a:t>
             </a:r>
             <a:r>
-              <a:rPr lang="en-US" dirty="0" smtClean="0">
+              <a:rPr lang="en-US" dirty="0">
                 <a:latin typeface="Simplified Arabic Fixed" panose="02070309020205020404" pitchFamily="49" charset="-78"/>
                 <a:cs typeface="Simplified Arabic Fixed" panose="02070309020205020404" pitchFamily="49" charset="-78"/>
               </a:rPr>
               <a:t>.</a:t>
             </a:r>
-            <a:endParaRPr lang="en-US" dirty="0">
-              <a:latin typeface="Simplified Arabic Fixed" panose="02070309020205020404" pitchFamily="49" charset="-78"/>
-              <a:cs typeface="Simplified Arabic Fixed" panose="02070309020205020404" pitchFamily="49" charset="-78"/>
-            </a:endParaRPr>
           </a:p>
           <a:p>
             <a:pPr marL="285750" indent="-285750">
@@ -23566,14 +22785,11 @@
               <a:buChar char="•"/>
             </a:pPr>
             <a:r>
-              <a:rPr lang="en-US" dirty="0" smtClean="0">
+              <a:rPr lang="en-US" dirty="0">
                 <a:cs typeface="Simplified Arabic Fixed" panose="02070309020205020404" pitchFamily="49" charset="-78"/>
               </a:rPr>
               <a:t>Finally optimized polar transform function is called.</a:t>
             </a:r>
-            <a:endParaRPr lang="en-US" dirty="0">
-              <a:cs typeface="Simplified Arabic Fixed" panose="02070309020205020404" pitchFamily="49" charset="-78"/>
-            </a:endParaRPr>
           </a:p>
         </p:txBody>
       </p:sp>
@@ -23626,10 +22842,9 @@
               </a:lnSpc>
             </a:pPr>
             <a:r>
-              <a:rPr lang="en-US" sz="1200" dirty="0" smtClean="0"/>
+              <a:rPr lang="en-US" sz="1200" dirty="0"/>
               <a:t>SPC decoding</a:t>
             </a:r>
-            <a:endParaRPr lang="en-US" sz="1200" dirty="0" smtClean="0"/>
           </a:p>
         </p:txBody>
       </p:sp>
@@ -23685,10 +22900,9 @@
               </a:lnSpc>
             </a:pPr>
             <a:r>
-              <a:rPr lang="en-US" sz="800" dirty="0" smtClean="0"/>
+              <a:rPr lang="en-US" sz="800" dirty="0"/>
               <a:t>Threshold detection</a:t>
             </a:r>
-            <a:endParaRPr lang="en-US" sz="800" dirty="0" smtClean="0"/>
           </a:p>
         </p:txBody>
       </p:sp>
@@ -23744,16 +22958,12 @@
               </a:lnSpc>
             </a:pPr>
             <a:r>
-              <a:rPr lang="en-US" sz="800" dirty="0" smtClean="0">
+              <a:rPr lang="en-US" sz="800" dirty="0">
                 <a:latin typeface="Simplified Arabic Fixed" panose="02070309020205020404" pitchFamily="49" charset="-78"/>
                 <a:cs typeface="Simplified Arabic Fixed" panose="02070309020205020404" pitchFamily="49" charset="-78"/>
               </a:rPr>
               <a:t>PHMINPOS</a:t>
             </a:r>
-            <a:endParaRPr lang="en-US" sz="800" dirty="0">
-              <a:latin typeface="Simplified Arabic Fixed" panose="02070309020205020404" pitchFamily="49" charset="-78"/>
-              <a:cs typeface="Simplified Arabic Fixed" panose="02070309020205020404" pitchFamily="49" charset="-78"/>
-            </a:endParaRPr>
           </a:p>
           <a:p>
             <a:pPr algn="ctr">
@@ -23820,10 +23030,9 @@
               </a:lnSpc>
             </a:pPr>
             <a:r>
-              <a:rPr lang="en-US" sz="800" dirty="0" smtClean="0"/>
+              <a:rPr lang="en-US" sz="800" dirty="0"/>
               <a:t>SIMD Comparison</a:t>
             </a:r>
-            <a:endParaRPr lang="en-US" sz="800" dirty="0" smtClean="0"/>
           </a:p>
         </p:txBody>
       </p:sp>
@@ -24461,7 +23670,7 @@
           </a:bodyPr>
           <a:lstStyle/>
           <a:p>
-            <a:endParaRPr lang="en-US" sz="1100" b="1" kern="900" spc="100" dirty="0" err="1" smtClean="0">
+            <a:endParaRPr lang="en-US" sz="1100" b="1" kern="900" spc="100" dirty="0" err="1">
               <a:solidFill>
                 <a:srgbClr val="000000"/>
               </a:solidFill>
@@ -24483,13 +23692,6 @@
   <p:clrMapOvr>
     <a:masterClrMapping/>
   </p:clrMapOvr>
-  <p:timing>
-    <p:tnLst>
-      <p:par>
-        <p:cTn id="1" dur="indefinite" restart="never" nodeType="tmRoot"/>
-      </p:par>
-    </p:tnLst>
-  </p:timing>
 </p:sld>
 </file>
 
@@ -24536,15 +23738,7 @@
             </a:pPr>
             <a:r>
               <a:rPr lang="en-US" dirty="0"/>
-              <a:t>Recursive formulation is advantageous for hardware implementation. However in software recursive function calling </a:t>
-            </a:r>
-            <a:r>
-              <a:rPr lang="en-US" dirty="0" smtClean="0"/>
-              <a:t>causes a huge </a:t>
-            </a:r>
-            <a:r>
-              <a:rPr lang="en-US" dirty="0"/>
-              <a:t>overhead.</a:t>
+              <a:t>Recursive formulation is advantageous for hardware implementation. However in software recursive function calling causes a huge overhead.</a:t>
             </a:r>
           </a:p>
           <a:p>
@@ -24564,21 +23758,8 @@
             </a:pPr>
             <a:r>
               <a:rPr lang="en-US" dirty="0"/>
-              <a:t>With </a:t>
-            </a:r>
-            <a:r>
-              <a:rPr lang="en-US" dirty="0" smtClean="0"/>
-              <a:t>templates, </a:t>
-            </a:r>
-            <a:r>
-              <a:rPr lang="en-US" dirty="0"/>
-              <a:t>compiler automatically generates the code for different vector sizes</a:t>
-            </a:r>
-            <a:r>
-              <a:rPr lang="en-US" dirty="0" smtClean="0"/>
-              <a:t>.</a:t>
-            </a:r>
-            <a:endParaRPr lang="en-US" dirty="0"/>
+              <a:t>With templates, compiler automatically generates the code for different vector sizes.</a:t>
+            </a:r>
           </a:p>
         </p:txBody>
       </p:sp>
@@ -24693,7 +23874,7 @@
           </a:bodyPr>
           <a:lstStyle/>
           <a:p>
-            <a:endParaRPr lang="en-US" sz="1100" b="1" kern="900" spc="100" dirty="0" err="1" smtClean="0">
+            <a:endParaRPr lang="en-US" sz="1100" b="1" kern="900" spc="100" dirty="0" err="1">
               <a:solidFill>
                 <a:srgbClr val="000000"/>
               </a:solidFill>
@@ -24715,17 +23896,234 @@
   <p:clrMapOvr>
     <a:masterClrMapping/>
   </p:clrMapOvr>
-  <p:timing>
-    <p:tnLst>
-      <p:par>
-        <p:cTn id="1" dur="indefinite" restart="never" nodeType="tmRoot"/>
-      </p:par>
-    </p:tnLst>
-  </p:timing>
 </p:sld>
 </file>
 
 <file path=ppt/slides/slide26.xml><?xml version="1.0" encoding="utf-8"?>
+<p:sld xmlns:a="http://schemas.openxmlformats.org/drawingml/2006/main" xmlns:r="http://schemas.openxmlformats.org/officeDocument/2006/relationships" xmlns:p="http://schemas.openxmlformats.org/presentationml/2006/main">
+  <p:cSld>
+    <p:spTree>
+      <p:nvGrpSpPr>
+        <p:cNvPr id="1" name=""/>
+        <p:cNvGrpSpPr/>
+        <p:nvPr/>
+      </p:nvGrpSpPr>
+      <p:grpSpPr>
+        <a:xfrm>
+          <a:off x="0" y="0"/>
+          <a:ext cx="0" cy="0"/>
+          <a:chOff x="0" y="0"/>
+          <a:chExt cx="0" cy="0"/>
+        </a:xfrm>
+      </p:grpSpPr>
+      <p:sp>
+        <p:nvSpPr>
+          <p:cNvPr id="2" name="Content Placeholder 1"/>
+          <p:cNvSpPr>
+            <a:spLocks noGrp="1"/>
+          </p:cNvSpPr>
+          <p:nvPr>
+            <p:ph idx="1"/>
+          </p:nvPr>
+        </p:nvSpPr>
+        <p:spPr>
+          <a:xfrm>
+            <a:off x="318009" y="1305753"/>
+            <a:ext cx="8508999" cy="4699572"/>
+          </a:xfrm>
+        </p:spPr>
+        <p:txBody>
+          <a:bodyPr/>
+          <a:lstStyle/>
+          <a:p>
+            <a:pPr marL="285750" indent="-285750">
+              <a:buFont typeface="Arial" panose="020B0604020202020204" pitchFamily="34" charset="0"/>
+              <a:buChar char="•"/>
+            </a:pPr>
+            <a:r>
+              <a:rPr lang="en-US" dirty="0"/>
+              <a:t>Decoding latency can be further reduced by intelligently pruning the decoder tree.</a:t>
+            </a:r>
+          </a:p>
+          <a:p>
+            <a:pPr marL="285750" indent="-285750">
+              <a:buFont typeface="Arial" panose="020B0604020202020204" pitchFamily="34" charset="0"/>
+              <a:buChar char="•"/>
+            </a:pPr>
+            <a:r>
+              <a:rPr lang="en-US" dirty="0"/>
+              <a:t>Decoder tree is pruned irrespective of frozen pattern type.</a:t>
+            </a:r>
+          </a:p>
+          <a:p>
+            <a:pPr marL="285750" indent="-285750">
+              <a:buFont typeface="Arial" panose="020B0604020202020204" pitchFamily="34" charset="0"/>
+              <a:buChar char="•"/>
+            </a:pPr>
+            <a:r>
+              <a:rPr lang="en-US" dirty="0"/>
+              <a:t>Latency reduction comes at the cost of increased BLER.</a:t>
+            </a:r>
+          </a:p>
+          <a:p>
+            <a:pPr marL="285750" indent="-285750">
+              <a:buFont typeface="Arial" panose="020B0604020202020204" pitchFamily="34" charset="0"/>
+              <a:buChar char="•"/>
+            </a:pPr>
+            <a:r>
+              <a:rPr lang="en-US" dirty="0"/>
+              <a:t>At high SNR and low code rate scenarios this method can be used.</a:t>
+            </a:r>
+          </a:p>
+          <a:p>
+            <a:pPr marL="285750" indent="-285750">
+              <a:buFont typeface="Arial" panose="020B0604020202020204" pitchFamily="34" charset="0"/>
+              <a:buChar char="•"/>
+            </a:pPr>
+            <a:r>
+              <a:rPr lang="en-US" dirty="0"/>
+              <a:t>Pruning increases the BLER. Level of pruning and BLER can be dealt as a trade-off.</a:t>
+            </a:r>
+          </a:p>
+        </p:txBody>
+      </p:sp>
+      <p:sp>
+        <p:nvSpPr>
+          <p:cNvPr id="3" name="Slide Number Placeholder 2"/>
+          <p:cNvSpPr>
+            <a:spLocks noGrp="1"/>
+          </p:cNvSpPr>
+          <p:nvPr>
+            <p:ph type="sldNum" sz="quarter" idx="11"/>
+          </p:nvPr>
+        </p:nvSpPr>
+        <p:spPr/>
+        <p:txBody>
+          <a:bodyPr/>
+          <a:lstStyle/>
+          <a:p>
+            <a:fld id="{CE58CB1E-F828-4F11-99E0-327109AF9DA4}" type="slidenum">
+              <a:rPr lang="de-DE" smtClean="0"/>
+              <a:pPr/>
+              <a:t>26</a:t>
+            </a:fld>
+            <a:endParaRPr lang="de-DE" dirty="0"/>
+          </a:p>
+        </p:txBody>
+      </p:sp>
+      <p:sp>
+        <p:nvSpPr>
+          <p:cNvPr id="4" name="Title 3"/>
+          <p:cNvSpPr>
+            <a:spLocks noGrp="1"/>
+          </p:cNvSpPr>
+          <p:nvPr>
+            <p:ph type="title"/>
+          </p:nvPr>
+        </p:nvSpPr>
+        <p:spPr>
+          <a:xfrm>
+            <a:off x="318009" y="704781"/>
+            <a:ext cx="8508999" cy="410369"/>
+          </a:xfrm>
+        </p:spPr>
+        <p:txBody>
+          <a:bodyPr/>
+          <a:lstStyle/>
+          <a:p>
+            <a:r>
+              <a:rPr lang="en-US" dirty="0">
+                <a:solidFill>
+                  <a:schemeClr val="bg2"/>
+                </a:solidFill>
+              </a:rPr>
+              <a:t>Decoder tree pruning</a:t>
+            </a:r>
+          </a:p>
+        </p:txBody>
+      </p:sp>
+      <p:pic>
+        <p:nvPicPr>
+          <p:cNvPr id="383" name="Picture 382"/>
+          <p:cNvPicPr>
+            <a:picLocks noChangeAspect="1"/>
+          </p:cNvPicPr>
+          <p:nvPr/>
+        </p:nvPicPr>
+        <p:blipFill>
+          <a:blip r:embed="rId3">
+            <a:extLst>
+              <a:ext uri="{28A0092B-C50C-407E-A947-70E740481C1C}">
+                <a14:useLocalDpi xmlns:a14="http://schemas.microsoft.com/office/drawing/2010/main" val="0"/>
+              </a:ext>
+            </a:extLst>
+          </a:blip>
+          <a:stretch>
+            <a:fillRect/>
+          </a:stretch>
+        </p:blipFill>
+        <p:spPr>
+          <a:xfrm>
+            <a:off x="846394" y="3008885"/>
+            <a:ext cx="6418411" cy="2922696"/>
+          </a:xfrm>
+          <a:prstGeom prst="rect">
+            <a:avLst/>
+          </a:prstGeom>
+        </p:spPr>
+      </p:pic>
+      <p:sp>
+        <p:nvSpPr>
+          <p:cNvPr id="636" name="RS_Classification_Standard"/>
+          <p:cNvSpPr txBox="1"/>
+          <p:nvPr/>
+        </p:nvSpPr>
+        <p:spPr>
+          <a:xfrm>
+            <a:off x="8990047" y="6187613"/>
+            <a:ext cx="153953" cy="251287"/>
+          </a:xfrm>
+          <a:prstGeom prst="rect">
+            <a:avLst/>
+          </a:prstGeom>
+          <a:solidFill>
+            <a:srgbClr val="FFFFFF">
+              <a:alpha val="0"/>
+            </a:srgbClr>
+          </a:solidFill>
+        </p:spPr>
+        <p:txBody>
+          <a:bodyPr vert="horz" wrap="none" lIns="76200" tIns="36830" rIns="76200" bIns="36830" rtlCol="0" anchor="ctr">
+            <a:spAutoFit/>
+          </a:bodyPr>
+          <a:lstStyle/>
+          <a:p>
+            <a:endParaRPr lang="en-US" sz="1100" b="1" kern="900" spc="100" dirty="0" err="1">
+              <a:solidFill>
+                <a:srgbClr val="000000"/>
+              </a:solidFill>
+              <a:latin typeface="+mn-lt"/>
+            </a:endParaRPr>
+          </a:p>
+        </p:txBody>
+      </p:sp>
+    </p:spTree>
+    <p:custDataLst>
+      <p:tags r:id="rId1"/>
+    </p:custDataLst>
+    <p:extLst>
+      <p:ext uri="{BB962C8B-B14F-4D97-AF65-F5344CB8AC3E}">
+        <p14:creationId xmlns:p14="http://schemas.microsoft.com/office/powerpoint/2010/main" val="686851237"/>
+      </p:ext>
+    </p:extLst>
+  </p:cSld>
+  <p:clrMapOvr>
+    <a:masterClrMapping/>
+  </p:clrMapOvr>
+</p:sld>
+</file>
+
+<file path=ppt/slides/slide27.xml><?xml version="1.0" encoding="utf-8"?>
 <p:sld xmlns:a="http://schemas.openxmlformats.org/drawingml/2006/main" xmlns:r="http://schemas.openxmlformats.org/officeDocument/2006/relationships" xmlns:p="http://schemas.openxmlformats.org/presentationml/2006/main">
   <p:cSld>
     <p:spTree>
@@ -24767,10 +24165,9 @@
               <a:buChar char="•"/>
             </a:pPr>
             <a:r>
-              <a:rPr lang="en-US" dirty="0" smtClean="0"/>
+              <a:rPr lang="en-US" dirty="0"/>
               <a:t>VN, CN and bit combination operations fetch a block of memory to perform vector operations.</a:t>
             </a:r>
-            <a:endParaRPr lang="en-US" dirty="0"/>
           </a:p>
           <a:p>
             <a:pPr marL="285750" indent="-285750">
@@ -24778,16 +24175,8 @@
               <a:buChar char="•"/>
             </a:pPr>
             <a:r>
-              <a:rPr lang="en-US" dirty="0" smtClean="0"/>
-              <a:t>Memory </a:t>
-            </a:r>
-            <a:r>
               <a:rPr lang="en-US" dirty="0"/>
-              <a:t>access </a:t>
-            </a:r>
-            <a:r>
-              <a:rPr lang="en-US" dirty="0" smtClean="0"/>
-              <a:t>pattern is predictable in advance.</a:t>
+              <a:t>Memory access pattern is predictable in advance.</a:t>
             </a:r>
           </a:p>
           <a:p>
@@ -24796,14 +24185,9 @@
               <a:buChar char="•"/>
             </a:pPr>
             <a:r>
-              <a:rPr lang="en-US" dirty="0" smtClean="0"/>
-              <a:t>Memory a</a:t>
-            </a:r>
-            <a:r>
-              <a:rPr lang="en-US" dirty="0" smtClean="0"/>
-              <a:t>ccess latencies of future accesses can be reduced by fetching cache well in advance.</a:t>
-            </a:r>
-            <a:endParaRPr lang="en-US" dirty="0"/>
+              <a:rPr lang="en-US" dirty="0"/>
+              <a:t>Memory access latencies of future accesses can be reduced by fetching cache well in advance.</a:t>
+            </a:r>
           </a:p>
           <a:p>
             <a:pPr marL="285750" indent="-285750">
@@ -24811,16 +24195,8 @@
               <a:buChar char="•"/>
             </a:pPr>
             <a:r>
-              <a:rPr lang="en-US" dirty="0" smtClean="0"/>
-              <a:t>Cache line fetching </a:t>
-            </a:r>
-            <a:r>
               <a:rPr lang="en-US" dirty="0"/>
-              <a:t>is provided by non </a:t>
-            </a:r>
-            <a:r>
-              <a:rPr lang="en-US" dirty="0" smtClean="0"/>
-              <a:t>blocking </a:t>
+              <a:t>Cache line fetching is provided by non blocking </a:t>
             </a:r>
             <a:r>
               <a:rPr lang="en-US" dirty="0">
@@ -24844,7 +24220,6 @@
               <a:rPr lang="en-US" dirty="0"/>
               <a:t> extension of AMD EPYC processor.</a:t>
             </a:r>
-            <a:endParaRPr lang="en-US" dirty="0"/>
           </a:p>
         </p:txBody>
       </p:sp>
@@ -24866,7 +24241,7 @@
             <a:fld id="{CE58CB1E-F828-4F11-99E0-327109AF9DA4}" type="slidenum">
               <a:rPr lang="de-DE" smtClean="0"/>
               <a:pPr/>
-              <a:t>26</a:t>
+              <a:t>27</a:t>
             </a:fld>
             <a:endParaRPr lang="de-DE" dirty="0"/>
           </a:p>
@@ -24975,7 +24350,7 @@
                     <a:spcPct val="114000"/>
                   </a:lnSpc>
                 </a:pPr>
-                <a:endParaRPr lang="en-US" sz="1200" dirty="0" smtClean="0"/>
+                <a:endParaRPr lang="en-US" sz="1200" dirty="0"/>
               </a:p>
               <a:p>
                 <a:pPr algn="ctr">
@@ -24984,10 +24359,9 @@
                   </a:lnSpc>
                 </a:pPr>
                 <a:r>
-                  <a:rPr lang="en-US" sz="1200" dirty="0" smtClean="0"/>
+                  <a:rPr lang="en-US" sz="1200" dirty="0"/>
                   <a:t>Processor</a:t>
                 </a:r>
-                <a:endParaRPr lang="en-US" sz="1200" dirty="0" smtClean="0"/>
               </a:p>
             </p:txBody>
           </p:sp>
@@ -25036,10 +24410,9 @@
                   </a:lnSpc>
                 </a:pPr>
                 <a:r>
-                  <a:rPr lang="en-US" sz="1000" dirty="0" smtClean="0"/>
+                  <a:rPr lang="en-US" sz="1000" dirty="0"/>
                   <a:t>L1-Cache</a:t>
                 </a:r>
-                <a:endParaRPr lang="en-US" sz="1000" dirty="0" smtClean="0"/>
               </a:p>
             </p:txBody>
           </p:sp>
@@ -25088,10 +24461,9 @@
                   </a:lnSpc>
                 </a:pPr>
                 <a:r>
-                  <a:rPr lang="en-US" sz="1000" dirty="0" smtClean="0"/>
+                  <a:rPr lang="en-US" sz="1000" dirty="0"/>
                   <a:t>L2-Cache</a:t>
                 </a:r>
-                <a:endParaRPr lang="en-US" sz="1000" dirty="0" smtClean="0"/>
               </a:p>
             </p:txBody>
           </p:sp>
@@ -25140,10 +24512,9 @@
                   </a:lnSpc>
                 </a:pPr>
                 <a:r>
-                  <a:rPr lang="en-US" sz="1000" dirty="0" smtClean="0"/>
+                  <a:rPr lang="en-US" sz="1000" dirty="0"/>
                   <a:t>L3-Cache</a:t>
                 </a:r>
-                <a:endParaRPr lang="en-US" sz="1000" dirty="0" smtClean="0"/>
               </a:p>
             </p:txBody>
           </p:sp>
@@ -25192,10 +24563,9 @@
                   </a:lnSpc>
                 </a:pPr>
                 <a:r>
-                  <a:rPr lang="en-US" sz="1000" dirty="0" smtClean="0"/>
+                  <a:rPr lang="en-US" sz="1000" dirty="0"/>
                   <a:t>Main memory</a:t>
                 </a:r>
-                <a:endParaRPr lang="en-US" sz="1000" dirty="0" smtClean="0"/>
               </a:p>
             </p:txBody>
           </p:sp>
@@ -25525,14 +24895,11 @@
                 </a:lnSpc>
               </a:pPr>
               <a:r>
-                <a:rPr lang="en-US" sz="1200" dirty="0" smtClean="0">
+                <a:rPr lang="en-US" sz="1200" dirty="0">
                   <a:latin typeface="+mn-lt"/>
                 </a:rPr>
                 <a:t>Prefetching request</a:t>
               </a:r>
-              <a:endParaRPr lang="en-US" sz="1200" dirty="0" smtClean="0">
-                <a:latin typeface="+mn-lt"/>
-              </a:endParaRPr>
             </a:p>
           </p:txBody>
         </p:sp>
@@ -25564,14 +24931,11 @@
                 </a:lnSpc>
               </a:pPr>
               <a:r>
-                <a:rPr lang="en-US" sz="1200" dirty="0" smtClean="0">
+                <a:rPr lang="en-US" sz="1200" dirty="0">
                   <a:latin typeface="+mn-lt"/>
                 </a:rPr>
                 <a:t>Data transfer</a:t>
               </a:r>
-              <a:endParaRPr lang="en-US" sz="1200" dirty="0" smtClean="0">
-                <a:latin typeface="+mn-lt"/>
-              </a:endParaRPr>
             </a:p>
           </p:txBody>
         </p:sp>
@@ -25602,7 +24966,7 @@
           </a:bodyPr>
           <a:lstStyle/>
           <a:p>
-            <a:endParaRPr lang="en-US" sz="1100" b="1" kern="900" spc="100" dirty="0" err="1" smtClean="0">
+            <a:endParaRPr lang="en-US" sz="1100" b="1" kern="900" spc="100" dirty="0" err="1">
               <a:solidFill>
                 <a:srgbClr val="000000"/>
               </a:solidFill>
@@ -25624,262 +24988,6 @@
   <p:clrMapOvr>
     <a:masterClrMapping/>
   </p:clrMapOvr>
-  <p:timing>
-    <p:tnLst>
-      <p:par>
-        <p:cTn id="1" dur="indefinite" restart="never" nodeType="tmRoot"/>
-      </p:par>
-    </p:tnLst>
-  </p:timing>
-</p:sld>
-</file>
-
-<file path=ppt/slides/slide27.xml><?xml version="1.0" encoding="utf-8"?>
-<p:sld xmlns:a="http://schemas.openxmlformats.org/drawingml/2006/main" xmlns:r="http://schemas.openxmlformats.org/officeDocument/2006/relationships" xmlns:p="http://schemas.openxmlformats.org/presentationml/2006/main">
-  <p:cSld>
-    <p:spTree>
-      <p:nvGrpSpPr>
-        <p:cNvPr id="1" name=""/>
-        <p:cNvGrpSpPr/>
-        <p:nvPr/>
-      </p:nvGrpSpPr>
-      <p:grpSpPr>
-        <a:xfrm>
-          <a:off x="0" y="0"/>
-          <a:ext cx="0" cy="0"/>
-          <a:chOff x="0" y="0"/>
-          <a:chExt cx="0" cy="0"/>
-        </a:xfrm>
-      </p:grpSpPr>
-      <p:sp>
-        <p:nvSpPr>
-          <p:cNvPr id="2" name="Content Placeholder 1"/>
-          <p:cNvSpPr>
-            <a:spLocks noGrp="1"/>
-          </p:cNvSpPr>
-          <p:nvPr>
-            <p:ph idx="1"/>
-          </p:nvPr>
-        </p:nvSpPr>
-        <p:spPr>
-          <a:xfrm>
-            <a:off x="318009" y="1305753"/>
-            <a:ext cx="8508999" cy="4699572"/>
-          </a:xfrm>
-        </p:spPr>
-        <p:txBody>
-          <a:bodyPr/>
-          <a:lstStyle/>
-          <a:p>
-            <a:pPr marL="285750" indent="-285750">
-              <a:buFont typeface="Arial" panose="020B0604020202020204" pitchFamily="34" charset="0"/>
-              <a:buChar char="•"/>
-            </a:pPr>
-            <a:r>
-              <a:rPr lang="en-US" dirty="0" smtClean="0"/>
-              <a:t>Decoding latency can be further reduced by intelligently pruning the decoder tree.</a:t>
-            </a:r>
-          </a:p>
-          <a:p>
-            <a:pPr marL="285750" indent="-285750">
-              <a:buFont typeface="Arial" panose="020B0604020202020204" pitchFamily="34" charset="0"/>
-              <a:buChar char="•"/>
-            </a:pPr>
-            <a:r>
-              <a:rPr lang="en-US" dirty="0" smtClean="0"/>
-              <a:t>Decoder </a:t>
-            </a:r>
-            <a:r>
-              <a:rPr lang="en-US" dirty="0"/>
-              <a:t>tree is pruned irrespective </a:t>
-            </a:r>
-            <a:r>
-              <a:rPr lang="en-US" dirty="0" smtClean="0"/>
-              <a:t>of frozen </a:t>
-            </a:r>
-            <a:r>
-              <a:rPr lang="en-US" dirty="0"/>
-              <a:t>pattern </a:t>
-            </a:r>
-            <a:r>
-              <a:rPr lang="en-US" dirty="0" smtClean="0"/>
-              <a:t>type.</a:t>
-            </a:r>
-            <a:endParaRPr lang="en-US" dirty="0"/>
-          </a:p>
-          <a:p>
-            <a:pPr marL="285750" indent="-285750">
-              <a:buFont typeface="Arial" panose="020B0604020202020204" pitchFamily="34" charset="0"/>
-              <a:buChar char="•"/>
-            </a:pPr>
-            <a:r>
-              <a:rPr lang="en-US" dirty="0" smtClean="0"/>
-              <a:t>Latency reduction comes at the cost of increased BLER.</a:t>
-            </a:r>
-          </a:p>
-          <a:p>
-            <a:pPr marL="285750" indent="-285750">
-              <a:buFont typeface="Arial" panose="020B0604020202020204" pitchFamily="34" charset="0"/>
-              <a:buChar char="•"/>
-            </a:pPr>
-            <a:r>
-              <a:rPr lang="en-US" dirty="0" smtClean="0"/>
-              <a:t>At high SNR and low code rate scenarios this method can be used.</a:t>
-            </a:r>
-          </a:p>
-          <a:p>
-            <a:pPr marL="285750" indent="-285750">
-              <a:buFont typeface="Arial" panose="020B0604020202020204" pitchFamily="34" charset="0"/>
-              <a:buChar char="•"/>
-            </a:pPr>
-            <a:r>
-              <a:rPr lang="en-US" dirty="0" smtClean="0"/>
-              <a:t>Pruning increases the BLER. Level of pruning and BLER can be dealt as a trade-off.</a:t>
-            </a:r>
-            <a:endParaRPr lang="en-US" dirty="0"/>
-          </a:p>
-        </p:txBody>
-      </p:sp>
-      <p:sp>
-        <p:nvSpPr>
-          <p:cNvPr id="3" name="Slide Number Placeholder 2"/>
-          <p:cNvSpPr>
-            <a:spLocks noGrp="1"/>
-          </p:cNvSpPr>
-          <p:nvPr>
-            <p:ph type="sldNum" sz="quarter" idx="11"/>
-          </p:nvPr>
-        </p:nvSpPr>
-        <p:spPr/>
-        <p:txBody>
-          <a:bodyPr/>
-          <a:lstStyle/>
-          <a:p>
-            <a:fld id="{CE58CB1E-F828-4F11-99E0-327109AF9DA4}" type="slidenum">
-              <a:rPr lang="de-DE" smtClean="0"/>
-              <a:pPr/>
-              <a:t>27</a:t>
-            </a:fld>
-            <a:endParaRPr lang="de-DE" dirty="0"/>
-          </a:p>
-        </p:txBody>
-      </p:sp>
-      <p:sp>
-        <p:nvSpPr>
-          <p:cNvPr id="4" name="Title 3"/>
-          <p:cNvSpPr>
-            <a:spLocks noGrp="1"/>
-          </p:cNvSpPr>
-          <p:nvPr>
-            <p:ph type="title"/>
-          </p:nvPr>
-        </p:nvSpPr>
-        <p:spPr>
-          <a:xfrm>
-            <a:off x="318009" y="704781"/>
-            <a:ext cx="8508999" cy="410369"/>
-          </a:xfrm>
-        </p:spPr>
-        <p:txBody>
-          <a:bodyPr/>
-          <a:lstStyle/>
-          <a:p>
-            <a:r>
-              <a:rPr lang="en-US" dirty="0">
-                <a:solidFill>
-                  <a:schemeClr val="bg2"/>
-                </a:solidFill>
-              </a:rPr>
-              <a:t>Decoder tree pruning</a:t>
-            </a:r>
-          </a:p>
-        </p:txBody>
-      </p:sp>
-      <p:pic>
-        <p:nvPicPr>
-          <p:cNvPr id="383" name="Picture 382"/>
-          <p:cNvPicPr>
-            <a:picLocks noChangeAspect="1"/>
-          </p:cNvPicPr>
-          <p:nvPr/>
-        </p:nvPicPr>
-        <p:blipFill>
-          <a:blip r:embed="rId3">
-            <a:extLst>
-              <a:ext uri="{28A0092B-C50C-407E-A947-70E740481C1C}">
-                <a14:useLocalDpi xmlns:a14="http://schemas.microsoft.com/office/drawing/2010/main" val="0"/>
-              </a:ext>
-            </a:extLst>
-          </a:blip>
-          <a:stretch>
-            <a:fillRect/>
-          </a:stretch>
-        </p:blipFill>
-        <p:spPr>
-          <a:xfrm>
-            <a:off x="846394" y="3008885"/>
-            <a:ext cx="6418411" cy="2922696"/>
-          </a:xfrm>
-          <a:prstGeom prst="rect">
-            <a:avLst/>
-          </a:prstGeom>
-        </p:spPr>
-      </p:pic>
-      <p:sp>
-        <p:nvSpPr>
-          <p:cNvPr id="636" name="RS_Classification_Standard"/>
-          <p:cNvSpPr txBox="1"/>
-          <p:nvPr/>
-        </p:nvSpPr>
-        <p:spPr>
-          <a:xfrm>
-            <a:off x="8990047" y="6187613"/>
-            <a:ext cx="153953" cy="251287"/>
-          </a:xfrm>
-          <a:prstGeom prst="rect">
-            <a:avLst/>
-          </a:prstGeom>
-          <a:solidFill>
-            <a:srgbClr val="FFFFFF">
-              <a:alpha val="0"/>
-            </a:srgbClr>
-          </a:solidFill>
-        </p:spPr>
-        <p:txBody>
-          <a:bodyPr vert="horz" wrap="none" lIns="76200" tIns="36830" rIns="76200" bIns="36830" rtlCol="0" anchor="ctr">
-            <a:spAutoFit/>
-          </a:bodyPr>
-          <a:lstStyle/>
-          <a:p>
-            <a:endParaRPr lang="en-US" sz="1100" b="1" kern="900" spc="100" dirty="0" err="1" smtClean="0">
-              <a:solidFill>
-                <a:srgbClr val="000000"/>
-              </a:solidFill>
-              <a:latin typeface="+mn-lt"/>
-            </a:endParaRPr>
-          </a:p>
-        </p:txBody>
-      </p:sp>
-    </p:spTree>
-    <p:custDataLst>
-      <p:tags r:id="rId1"/>
-    </p:custDataLst>
-    <p:extLst>
-      <p:ext uri="{BB962C8B-B14F-4D97-AF65-F5344CB8AC3E}">
-        <p14:creationId xmlns:p14="http://schemas.microsoft.com/office/powerpoint/2010/main" val="686851237"/>
-      </p:ext>
-    </p:extLst>
-  </p:cSld>
-  <p:clrMapOvr>
-    <a:masterClrMapping/>
-  </p:clrMapOvr>
-  <p:timing>
-    <p:tnLst>
-      <p:par>
-        <p:cTn id="1" dur="indefinite" restart="never" nodeType="tmRoot"/>
-      </p:par>
-    </p:tnLst>
-  </p:timing>
 </p:sld>
 </file>
 
@@ -25921,15 +25029,7 @@
             </a:pPr>
             <a:r>
               <a:rPr lang="en-US" dirty="0"/>
-              <a:t>PBCH and PDCCH </a:t>
-            </a:r>
-            <a:r>
-              <a:rPr lang="en-US" dirty="0" smtClean="0"/>
-              <a:t>channels </a:t>
-            </a:r>
-            <a:r>
-              <a:rPr lang="en-US" dirty="0"/>
-              <a:t>need to calculate </a:t>
+              <a:t>PBCH and PDCCH channels need to calculate </a:t>
             </a:r>
             <a:r>
               <a:rPr lang="en-US" i="1" dirty="0"/>
@@ -25948,11 +25048,7 @@
             </a:pPr>
             <a:r>
               <a:rPr lang="en-US" dirty="0"/>
-              <a:t>PUCCH and PUSCH </a:t>
-            </a:r>
-            <a:r>
-              <a:rPr lang="en-US" dirty="0" smtClean="0"/>
-              <a:t>channels calculate </a:t>
+              <a:t>PUCCH and PUSCH channels calculate </a:t>
             </a:r>
             <a:r>
               <a:rPr lang="en-US" i="1" dirty="0"/>
@@ -25978,19 +25074,7 @@
             </a:pPr>
             <a:r>
               <a:rPr lang="en-US" dirty="0"/>
-              <a:t>CRC calculation is one of the significant latency contributor to </a:t>
-            </a:r>
-            <a:r>
-              <a:rPr lang="en-US" dirty="0" smtClean="0"/>
-              <a:t>both </a:t>
-            </a:r>
-            <a:r>
-              <a:rPr lang="en-US" dirty="0"/>
-              <a:t>encoding and decoding FEC chains</a:t>
-            </a:r>
-            <a:r>
-              <a:rPr lang="en-US" dirty="0" smtClean="0"/>
-              <a:t>.</a:t>
+              <a:t>CRC calculation is one of the significant latency contributor to both encoding and decoding FEC chains.</a:t>
             </a:r>
           </a:p>
           <a:p>
@@ -25999,10 +25083,9 @@
               <a:buChar char="•"/>
             </a:pPr>
             <a:r>
-              <a:rPr lang="en-US" dirty="0" smtClean="0"/>
+              <a:rPr lang="en-US" dirty="0"/>
               <a:t>Processing individual bits for CRC calculation is very inefficient.</a:t>
             </a:r>
-            <a:endParaRPr lang="en-US" dirty="0"/>
           </a:p>
           <a:p>
             <a:pPr marL="285750" indent="-285750">
@@ -26011,15 +25094,7 @@
             </a:pPr>
             <a:r>
               <a:rPr lang="en-US" dirty="0"/>
-              <a:t>Extended </a:t>
-            </a:r>
-            <a:r>
-              <a:rPr lang="en-US" dirty="0" smtClean="0"/>
-              <a:t>the popular </a:t>
-            </a:r>
-            <a:r>
-              <a:rPr lang="en-US" dirty="0"/>
-              <a:t>CRC algorithm</a:t>
+              <a:t>Extended the popular CRC algorithm</a:t>
             </a:r>
             <a:r>
               <a:rPr lang="en-US" baseline="30000" dirty="0"/>
@@ -26036,14 +25111,9 @@
               <a:buChar char="•"/>
             </a:pPr>
             <a:r>
-              <a:rPr lang="en-US" dirty="0" smtClean="0"/>
-              <a:t>In this algorithm, 8 </a:t>
-            </a:r>
-            <a:r>
               <a:rPr lang="en-US" dirty="0"/>
-              <a:t>bits are processed in parallel rather than bit by bit, </a:t>
-            </a:r>
-            <a:endParaRPr lang="en-US" dirty="0" smtClean="0"/>
+              <a:t>In this algorithm, 8 bits are processed in parallel rather than bit by bit, </a:t>
+            </a:r>
           </a:p>
           <a:p>
             <a:pPr marL="285750" indent="-285750">
@@ -26051,12 +25121,8 @@
               <a:buChar char="•"/>
             </a:pPr>
             <a:r>
-              <a:rPr lang="en-US" dirty="0" smtClean="0"/>
-              <a:t>Reduced </a:t>
-            </a:r>
-            <a:r>
               <a:rPr lang="en-US" dirty="0"/>
-              <a:t>CRC calculation latency from 8 </a:t>
+              <a:t>Reduced CRC calculation latency from 8 </a:t>
             </a:r>
             <a:r>
               <a:rPr lang="el-GR" dirty="0"/>
@@ -26172,13 +25238,8 @@
             </a:r>
             <a:r>
               <a:rPr lang="en-US" sz="800" dirty="0"/>
-              <a:t>. ACM, vol.31, no. 8, pp. 1008-1013,Aug. 1988</a:t>
-            </a:r>
-            <a:r>
-              <a:rPr lang="en-US" sz="800" dirty="0" smtClean="0"/>
-              <a:t>.</a:t>
-            </a:r>
-            <a:endParaRPr lang="en-US" sz="800" dirty="0"/>
+              <a:t>. ACM, vol.31, no. 8, pp. 1008-1013,Aug. 1988.</a:t>
+            </a:r>
           </a:p>
         </p:txBody>
       </p:sp>
@@ -26208,7 +25269,7 @@
           </a:bodyPr>
           <a:lstStyle/>
           <a:p>
-            <a:endParaRPr lang="en-US" sz="1100" b="1" kern="900" spc="100" dirty="0" err="1" smtClean="0">
+            <a:endParaRPr lang="en-US" sz="1100" b="1" kern="900" spc="100" dirty="0" err="1">
               <a:solidFill>
                 <a:srgbClr val="000000"/>
               </a:solidFill>
@@ -26230,13 +25291,6 @@
   <p:clrMapOvr>
     <a:masterClrMapping/>
   </p:clrMapOvr>
-  <p:timing>
-    <p:tnLst>
-      <p:par>
-        <p:cTn id="1" dur="indefinite" restart="never" nodeType="tmRoot"/>
-      </p:par>
-    </p:tnLst>
-  </p:timing>
 </p:sld>
 </file>
 
@@ -26257,8 +25311,8 @@
           <a:chExt cx="0" cy="0"/>
         </a:xfrm>
       </p:grpSpPr>
-      <mc:AlternateContent xmlns:mc="http://schemas.openxmlformats.org/markup-compatibility/2006">
-        <mc:Choice xmlns:a14="http://schemas.microsoft.com/office/drawing/2010/main" Requires="a14">
+      <mc:AlternateContent xmlns:mc="http://schemas.openxmlformats.org/markup-compatibility/2006" xmlns:a14="http://schemas.microsoft.com/office/drawing/2010/main">
+        <mc:Choice Requires="a14">
           <p:sp>
             <p:nvSpPr>
               <p:cNvPr id="2" name="Content Placeholder 1"/>
@@ -26294,12 +25348,8 @@
                   <a:buChar char="•"/>
                 </a:pPr>
                 <a:r>
-                  <a:rPr lang="en-US" dirty="0" smtClean="0"/>
-                  <a:t>Implemented </a:t>
-                </a:r>
-                <a:r>
                   <a:rPr lang="en-US" dirty="0"/>
-                  <a:t>approximate versions </a:t>
+                  <a:t>Implemented approximate versions </a:t>
                 </a:r>
                 <a14:m>
                   <m:oMath xmlns:m="http://schemas.openxmlformats.org/officeDocument/2006/math">
@@ -26363,30 +25413,18 @@
                   <a:buChar char="•"/>
                 </a:pPr>
                 <a:r>
-                  <a:rPr lang="en-US" dirty="0" smtClean="0"/>
-                  <a:t>Reduced the usage of</a:t>
+                  <a:rPr lang="en-US" dirty="0"/>
+                  <a:t>Reduced the usage of jump functions to avoid flushing of the instruction pipeline, instead latest instruction extension </a:t>
                 </a:r>
                 <a:r>
-                  <a:rPr lang="en-US" dirty="0" smtClean="0"/>
-                  <a:t> </a:t>
-                </a:r>
-                <a:r>
-                  <a:rPr lang="en-US" dirty="0"/>
-                  <a:t>jump functions to avoid flushing of the instruction </a:t>
-                </a:r>
-                <a:r>
-                  <a:rPr lang="en-US" dirty="0" smtClean="0"/>
-                  <a:t>pipeline, instead latest instruction extension </a:t>
-                </a:r>
-                <a:r>
-                  <a:rPr lang="en-US" dirty="0" smtClean="0">
+                  <a:rPr lang="en-US" dirty="0">
                     <a:latin typeface="Simplified Arabic Fixed" panose="02070309020205020404" pitchFamily="49" charset="-78"/>
                     <a:cs typeface="Simplified Arabic Fixed" panose="02070309020205020404" pitchFamily="49" charset="-78"/>
                   </a:rPr>
                   <a:t>CMOV </a:t>
                 </a:r>
                 <a:r>
-                  <a:rPr lang="en-US" dirty="0" smtClean="0">
+                  <a:rPr lang="en-US" dirty="0">
                     <a:cs typeface="Simplified Arabic Fixed" panose="02070309020205020404" pitchFamily="49" charset="-78"/>
                   </a:rPr>
                   <a:t>is used.</a:t>
@@ -26402,16 +25440,8 @@
                   <a:buChar char="•"/>
                 </a:pPr>
                 <a:r>
-                  <a:rPr lang="en-US" dirty="0" smtClean="0"/>
-                  <a:t>Used </a:t>
-                </a:r>
-                <a:r>
                   <a:rPr lang="en-US" dirty="0"/>
-                  <a:t>the compiler optimization primitives </a:t>
-                </a:r>
-                <a:r>
-                  <a:rPr lang="en-US" dirty="0" smtClean="0"/>
-                  <a:t>for better instruction scheduling.</a:t>
+                  <a:t>Used the compiler optimization primitives for better instruction scheduling.</a:t>
                 </a:r>
               </a:p>
               <a:p>
@@ -26434,7 +25464,7 @@
             </p:txBody>
           </p:sp>
         </mc:Choice>
-        <mc:Fallback>
+        <mc:Fallback xmlns="">
           <p:sp>
             <p:nvSpPr>
               <p:cNvPr id="2" name="Content Placeholder 1"/>
@@ -26553,7 +25583,7 @@
           </a:bodyPr>
           <a:lstStyle/>
           <a:p>
-            <a:endParaRPr lang="en-US" sz="1100" b="1" kern="900" spc="100" dirty="0" err="1" smtClean="0">
+            <a:endParaRPr lang="en-US" sz="1100" b="1" kern="900" spc="100" dirty="0" err="1">
               <a:solidFill>
                 <a:srgbClr val="000000"/>
               </a:solidFill>
@@ -26575,13 +25605,6 @@
   <p:clrMapOvr>
     <a:masterClrMapping/>
   </p:clrMapOvr>
-  <p:timing>
-    <p:tnLst>
-      <p:par>
-        <p:cTn id="1" dur="indefinite" restart="never" nodeType="tmRoot"/>
-      </p:par>
-    </p:tnLst>
-  </p:timing>
 </p:sld>
 </file>
 
@@ -26628,15 +25651,7 @@
             </a:pPr>
             <a:r>
               <a:rPr lang="en-US" dirty="0"/>
-              <a:t>Traditionally FEC chains are developed </a:t>
-            </a:r>
-            <a:r>
-              <a:rPr lang="en-US" dirty="0" smtClean="0"/>
-              <a:t>with FPGA’s </a:t>
-            </a:r>
-            <a:r>
-              <a:rPr lang="en-US" dirty="0"/>
-              <a:t>or ASIC’s to achieve low latency and high throughput.</a:t>
+              <a:t>Traditionally FEC chains are developed with FPGA’s or ASIC’s to achieve low latency and high throughput.</a:t>
             </a:r>
           </a:p>
           <a:p>
@@ -26656,15 +25671,7 @@
             </a:pPr>
             <a:r>
               <a:rPr lang="en-US" dirty="0"/>
-              <a:t>With recent advances in General Purpose </a:t>
-            </a:r>
-            <a:r>
-              <a:rPr lang="en-US" dirty="0" smtClean="0"/>
-              <a:t>Processors, </a:t>
-            </a:r>
-            <a:r>
-              <a:rPr lang="en-US" dirty="0"/>
-              <a:t>it is possible to achieve required latency and throughput with software implementations without custom hardware.</a:t>
+              <a:t>With recent advances in General Purpose Processors, it is possible to achieve required latency and throughput with software implementations without custom hardware.</a:t>
             </a:r>
           </a:p>
           <a:p>
@@ -26674,27 +25681,7 @@
             </a:pPr>
             <a:r>
               <a:rPr lang="en-US" dirty="0"/>
-              <a:t>Software implementations require less </a:t>
-            </a:r>
-            <a:r>
-              <a:rPr lang="en-US" dirty="0" smtClean="0"/>
-              <a:t>development/maintenance </a:t>
-            </a:r>
-            <a:r>
-              <a:rPr lang="en-US" dirty="0"/>
-              <a:t>effort and provide </a:t>
-            </a:r>
-            <a:r>
-              <a:rPr lang="en-US" dirty="0" smtClean="0"/>
-              <a:t>flexibility/ease </a:t>
-            </a:r>
-            <a:r>
-              <a:rPr lang="en-US" dirty="0"/>
-              <a:t>of </a:t>
-            </a:r>
-            <a:r>
-              <a:rPr lang="en-US" dirty="0" smtClean="0"/>
-              <a:t>maintenance to device manufacturer.</a:t>
+              <a:t>Software implementations require less development/maintenance effort and provide flexibility/ease of maintenance to device manufacturer.</a:t>
             </a:r>
           </a:p>
           <a:p>
@@ -26711,11 +25698,7 @@
             </a:pPr>
             <a:r>
               <a:rPr lang="en-US" dirty="0"/>
-              <a:t>However algorithms need to adopted/optimized to efficiently implement in software</a:t>
-            </a:r>
-            <a:r>
-              <a:rPr lang="en-US" dirty="0" smtClean="0"/>
-              <a:t>.</a:t>
+              <a:t>However algorithms need to adopted/optimized to efficiently implement in software.</a:t>
             </a:r>
           </a:p>
           <a:p>
@@ -26726,7 +25709,7 @@
             <a:endParaRPr lang="en-US" dirty="0"/>
           </a:p>
           <a:p>
-            <a:endParaRPr lang="en-US" dirty="0" smtClean="0"/>
+            <a:endParaRPr lang="en-US" dirty="0"/>
           </a:p>
         </p:txBody>
       </p:sp>
@@ -26841,7 +25824,7 @@
           </a:bodyPr>
           <a:lstStyle/>
           <a:p>
-            <a:endParaRPr lang="en-US" sz="1100" b="1" kern="900" spc="100" dirty="0" err="1" smtClean="0">
+            <a:endParaRPr lang="en-US" sz="1100" b="1" kern="900" spc="100" dirty="0" err="1">
               <a:solidFill>
                 <a:srgbClr val="000000"/>
               </a:solidFill>
@@ -26863,13 +25846,6 @@
   <p:clrMapOvr>
     <a:masterClrMapping/>
   </p:clrMapOvr>
-  <p:timing>
-    <p:tnLst>
-      <p:par>
-        <p:cTn id="1" dur="indefinite" restart="never" nodeType="tmRoot"/>
-      </p:par>
-    </p:tnLst>
-  </p:timing>
 </p:sld>
 </file>
 
@@ -26890,8 +25866,8 @@
           <a:chExt cx="0" cy="0"/>
         </a:xfrm>
       </p:grpSpPr>
-      <mc:AlternateContent xmlns:mc="http://schemas.openxmlformats.org/markup-compatibility/2006">
-        <mc:Choice xmlns:a14="http://schemas.microsoft.com/office/drawing/2010/main" Requires="a14">
+      <mc:AlternateContent xmlns:mc="http://schemas.openxmlformats.org/markup-compatibility/2006" xmlns:a14="http://schemas.microsoft.com/office/drawing/2010/main">
+        <mc:Choice Requires="a14">
           <p:sp>
             <p:nvSpPr>
               <p:cNvPr id="2" name="Content Placeholder 1"/>
@@ -26914,11 +25890,7 @@
               <a:p>
                 <a:r>
                   <a:rPr lang="en-US" dirty="0"/>
-                  <a:t>Comparison with state of the art polar decoder software implementation (in AMD EPYC processor at </a:t>
-                </a:r>
-                <a:r>
-                  <a:rPr lang="en-US" dirty="0" smtClean="0"/>
-                  <a:t>1.6 GHz) </a:t>
+                  <a:t>Comparison with state of the art polar decoder software implementation (in AMD EPYC processor at 1.6 GHz) </a:t>
                 </a:r>
                 <a14:m>
                   <m:oMath xmlns:m="http://schemas.openxmlformats.org/officeDocument/2006/math">
@@ -26948,7 +25920,7 @@
                 <a:endParaRPr lang="en-US" b="1" dirty="0"/>
               </a:p>
               <a:p>
-                <a:endParaRPr lang="en-US" sz="1100" dirty="0" smtClean="0"/>
+                <a:endParaRPr lang="en-US" sz="1100" dirty="0"/>
               </a:p>
               <a:p>
                 <a:endParaRPr lang="en-US" b="1" dirty="0"/>
@@ -26956,7 +25928,7 @@
             </p:txBody>
           </p:sp>
         </mc:Choice>
-        <mc:Fallback>
+        <mc:Fallback xmlns="">
           <p:sp>
             <p:nvSpPr>
               <p:cNvPr id="2" name="Content Placeholder 1"/>
@@ -27039,18 +26011,13 @@
           <a:lstStyle/>
           <a:p>
             <a:r>
-              <a:rPr lang="en-US" dirty="0" smtClean="0">
+              <a:rPr lang="en-US" dirty="0">
                 <a:solidFill>
                   <a:schemeClr val="bg2"/>
                 </a:solidFill>
               </a:rPr>
               <a:t>Decoding chain results</a:t>
             </a:r>
-            <a:endParaRPr lang="en-US" dirty="0">
-              <a:solidFill>
-                <a:schemeClr val="bg2"/>
-              </a:solidFill>
-            </a:endParaRPr>
           </a:p>
         </p:txBody>
       </p:sp>
@@ -27546,27 +26513,8 @@
                           <a:ea typeface="+mn-ea"/>
                           <a:cs typeface="+mn-cs"/>
                         </a:rPr>
-                        <a:t>[1</a:t>
+                        <a:t>[1]*</a:t>
                       </a:r>
-                      <a:r>
-                        <a:rPr lang="en-US" sz="1700" b="0" kern="1200" baseline="0" dirty="0" smtClean="0">
-                          <a:solidFill>
-                            <a:schemeClr val="tx1"/>
-                          </a:solidFill>
-                          <a:latin typeface="+mn-lt"/>
-                          <a:ea typeface="+mn-ea"/>
-                          <a:cs typeface="+mn-cs"/>
-                        </a:rPr>
-                        <a:t>]*</a:t>
-                      </a:r>
-                      <a:endParaRPr lang="en-US" sz="1700" b="0" kern="1200" baseline="0" dirty="0">
-                        <a:solidFill>
-                          <a:schemeClr val="tx1"/>
-                        </a:solidFill>
-                        <a:latin typeface="+mn-lt"/>
-                        <a:ea typeface="+mn-ea"/>
-                        <a:cs typeface="+mn-cs"/>
-                      </a:endParaRPr>
                     </a:p>
                   </a:txBody>
                   <a:tcPr>
@@ -27857,18 +26805,9 @@
               </a:lnSpc>
             </a:pPr>
             <a:r>
-              <a:rPr lang="en-US" sz="1600" b="1" dirty="0" smtClean="0"/>
-              <a:t>Worst case latency decoding </a:t>
-            </a:r>
-            <a:r>
               <a:rPr lang="en-US" sz="1600" b="1" dirty="0"/>
-              <a:t>FEC chain</a:t>
-            </a:r>
-            <a:r>
-              <a:rPr lang="en-US" sz="1600" b="1" dirty="0" smtClean="0"/>
-              <a:t>:</a:t>
-            </a:r>
-            <a:endParaRPr lang="en-US" sz="1600" b="1" dirty="0"/>
+              <a:t>Worst case latency decoding FEC chain:</a:t>
+            </a:r>
           </a:p>
         </p:txBody>
       </p:sp>
@@ -27907,25 +26846,8 @@
                 <a:latin typeface="Arial"/>
                 <a:cs typeface="+mn-cs"/>
               </a:rPr>
-              <a:t>*Scaled according to </a:t>
-            </a:r>
-            <a:r>
-              <a:rPr lang="en-US" sz="1100" dirty="0" smtClean="0">
-                <a:solidFill>
-                  <a:prstClr val="black"/>
-                </a:solidFill>
-                <a:latin typeface="Arial"/>
-                <a:cs typeface="+mn-cs"/>
-              </a:rPr>
-              <a:t>frequency</a:t>
-            </a:r>
-            <a:endParaRPr lang="en-US" sz="1100" dirty="0">
-              <a:solidFill>
-                <a:prstClr val="black"/>
-              </a:solidFill>
-              <a:latin typeface="Arial"/>
-              <a:cs typeface="+mn-cs"/>
-            </a:endParaRPr>
+              <a:t>*Scaled according to frequency</a:t>
+            </a:r>
           </a:p>
         </p:txBody>
       </p:sp>
@@ -27993,7 +26915,7 @@
                         <a:defRPr/>
                       </a:pPr>
                       <a:r>
-                        <a:rPr lang="en-US" sz="1700" b="0" kern="1200" baseline="0" dirty="0" smtClean="0">
+                        <a:rPr lang="en-US" sz="1700" b="0" kern="1200" baseline="0" dirty="0">
                           <a:solidFill>
                             <a:schemeClr val="tx1"/>
                           </a:solidFill>
@@ -28003,14 +26925,6 @@
                         </a:rPr>
                         <a:t>Functional</a:t>
                       </a:r>
-                      <a:endParaRPr lang="en-US" sz="1700" b="0" kern="1200" baseline="0" dirty="0">
-                        <a:solidFill>
-                          <a:schemeClr val="tx1"/>
-                        </a:solidFill>
-                        <a:latin typeface="+mn-lt"/>
-                        <a:ea typeface="+mn-ea"/>
-                        <a:cs typeface="+mn-cs"/>
-                      </a:endParaRPr>
                     </a:p>
                   </a:txBody>
                   <a:tcPr>
@@ -28081,7 +26995,7 @@
                         <a:defRPr/>
                       </a:pPr>
                       <a:r>
-                        <a:rPr lang="en-US" sz="1700" kern="1200" baseline="0" dirty="0" smtClean="0">
+                        <a:rPr lang="en-US" sz="1700" kern="1200" baseline="0" dirty="0">
                           <a:solidFill>
                             <a:schemeClr val="tx1"/>
                           </a:solidFill>
@@ -28091,14 +27005,6 @@
                         </a:rPr>
                         <a:t>Current implementation</a:t>
                       </a:r>
-                      <a:endParaRPr lang="en-US" sz="1700" kern="1200" baseline="0" dirty="0">
-                        <a:solidFill>
-                          <a:schemeClr val="tx1"/>
-                        </a:solidFill>
-                        <a:latin typeface="+mn-lt"/>
-                        <a:ea typeface="+mn-ea"/>
-                        <a:cs typeface="+mn-cs"/>
-                      </a:endParaRPr>
                     </a:p>
                   </a:txBody>
                   <a:tcPr>
@@ -28160,7 +27066,7 @@
                     <a:p>
                       <a:pPr algn="ctr"/>
                       <a:r>
-                        <a:rPr lang="en-US" sz="1600" dirty="0" smtClean="0"/>
+                        <a:rPr lang="en-US" sz="1600" dirty="0"/>
                         <a:t>283.4 </a:t>
                       </a:r>
                       <a:r>
@@ -28309,10 +27215,9 @@
               </a:lnSpc>
             </a:pPr>
             <a:r>
-              <a:rPr lang="en-US" sz="1600" b="1" dirty="0" smtClean="0"/>
+              <a:rPr lang="en-US" sz="1600" b="1" dirty="0"/>
               <a:t>Decoder latency:</a:t>
             </a:r>
-            <a:endParaRPr lang="en-US" sz="1600" b="1" dirty="0"/>
           </a:p>
         </p:txBody>
       </p:sp>
@@ -28344,10 +27249,9 @@
               </a:lnSpc>
             </a:pPr>
             <a:r>
-              <a:rPr lang="en-US" sz="1600" b="1" dirty="0" smtClean="0"/>
+              <a:rPr lang="en-US" sz="1600" b="1" dirty="0"/>
               <a:t>Decoder latency compared to state of the art</a:t>
             </a:r>
-            <a:endParaRPr lang="en-US" sz="1600" b="1" dirty="0"/>
           </a:p>
         </p:txBody>
       </p:sp>
@@ -28377,7 +27281,7 @@
           </a:bodyPr>
           <a:lstStyle/>
           <a:p>
-            <a:endParaRPr lang="en-US" sz="1100" b="1" kern="900" spc="100" dirty="0" err="1" smtClean="0">
+            <a:endParaRPr lang="en-US" sz="1100" b="1" kern="900" spc="100" dirty="0" err="1">
               <a:solidFill>
                 <a:srgbClr val="000000"/>
               </a:solidFill>
@@ -28399,13 +27303,6 @@
   <p:clrMapOvr>
     <a:masterClrMapping/>
   </p:clrMapOvr>
-  <p:timing>
-    <p:tnLst>
-      <p:par>
-        <p:cTn id="1" dur="indefinite" restart="never" nodeType="tmRoot"/>
-      </p:par>
-    </p:tnLst>
-  </p:timing>
 </p:sld>
 </file>
 
@@ -28451,20 +27348,8 @@
               <a:buChar char="•"/>
             </a:pPr>
             <a:r>
-              <a:rPr lang="en-US" dirty="0" smtClean="0"/>
-              <a:t>Both </a:t>
-            </a:r>
-            <a:r>
               <a:rPr lang="en-US" dirty="0"/>
-              <a:t>encoding and decoding FEC chains are efficiently </a:t>
-            </a:r>
-            <a:r>
-              <a:rPr lang="en-US" dirty="0" smtClean="0"/>
-              <a:t>implemented, achieved latency requirements through </a:t>
-            </a:r>
-            <a:r>
-              <a:rPr lang="en-US" dirty="0"/>
-              <a:t>both algorithmic and software optimizations</a:t>
+              <a:t>Both encoding and decoding FEC chains are efficiently implemented, achieved latency requirements through both algorithmic and software optimizations</a:t>
             </a:r>
           </a:p>
           <a:p>
@@ -28474,27 +27359,7 @@
             </a:pPr>
             <a:r>
               <a:rPr lang="en-US" dirty="0"/>
-              <a:t>Optimized implementation exploits </a:t>
-            </a:r>
-            <a:r>
-              <a:rPr lang="en-US" dirty="0" smtClean="0"/>
-              <a:t>modern features. </a:t>
-            </a:r>
-            <a:r>
-              <a:rPr lang="en-US" dirty="0" smtClean="0"/>
-              <a:t>Namely</a:t>
-            </a:r>
-            <a:r>
-              <a:rPr lang="en-US" dirty="0" smtClean="0"/>
-              <a:t> </a:t>
-            </a:r>
-            <a:r>
-              <a:rPr lang="en-US" dirty="0"/>
-              <a:t>SIMD, Cache prefetching </a:t>
-            </a:r>
-            <a:r>
-              <a:rPr lang="en-US" dirty="0" smtClean="0"/>
-              <a:t>etc.</a:t>
+              <a:t>Optimized implementation exploits modern features. Namely SIMD, Cache prefetching etc.</a:t>
             </a:r>
           </a:p>
           <a:p>
@@ -28503,7 +27368,7 @@
               <a:buChar char="•"/>
             </a:pPr>
             <a:r>
-              <a:rPr lang="en-US" dirty="0" smtClean="0"/>
+              <a:rPr lang="en-US" dirty="0"/>
               <a:t>Achieved latency reduction of 10x.</a:t>
             </a:r>
           </a:p>
@@ -28519,7 +27384,7 @@
               <a:buFont typeface="Arial" panose="020B0604020202020204" pitchFamily="34" charset="0"/>
               <a:buChar char="•"/>
             </a:pPr>
-            <a:endParaRPr lang="en-US" dirty="0" smtClean="0"/>
+            <a:endParaRPr lang="en-US" dirty="0"/>
           </a:p>
           <a:p>
             <a:endParaRPr lang="en-US" dirty="0"/>
@@ -28581,18 +27446,13 @@
           <a:lstStyle/>
           <a:p>
             <a:r>
-              <a:rPr lang="en-US" dirty="0" smtClean="0">
+              <a:rPr lang="en-US" dirty="0">
                 <a:solidFill>
                   <a:schemeClr val="bg2"/>
                 </a:solidFill>
               </a:rPr>
               <a:t>Conclusion</a:t>
             </a:r>
-            <a:endParaRPr lang="en-US" dirty="0">
-              <a:solidFill>
-                <a:schemeClr val="bg2"/>
-              </a:solidFill>
-            </a:endParaRPr>
           </a:p>
         </p:txBody>
       </p:sp>
@@ -28770,18 +27630,13 @@
           </a:lstStyle>
           <a:p>
             <a:r>
-              <a:rPr lang="en-US" dirty="0" smtClean="0">
+              <a:rPr lang="en-US" dirty="0">
                 <a:solidFill>
                   <a:schemeClr val="bg2"/>
                 </a:solidFill>
               </a:rPr>
               <a:t>Outlook</a:t>
             </a:r>
-            <a:endParaRPr lang="en-US" dirty="0">
-              <a:solidFill>
-                <a:schemeClr val="bg2"/>
-              </a:solidFill>
-            </a:endParaRPr>
           </a:p>
         </p:txBody>
       </p:sp>
@@ -28985,24 +27840,24 @@
               <a:buFont typeface="Arial" panose="020B0604020202020204" pitchFamily="34" charset="0"/>
               <a:buChar char="•"/>
             </a:pPr>
-            <a:endParaRPr lang="en-US" dirty="0" smtClean="0"/>
+            <a:endParaRPr lang="en-US" dirty="0"/>
           </a:p>
           <a:p>
             <a:pPr marL="285750" indent="-285750">
               <a:buFont typeface="Arial" panose="020B0604020202020204" pitchFamily="34" charset="0"/>
               <a:buChar char="•"/>
             </a:pPr>
-            <a:endParaRPr lang="en-US" dirty="0" smtClean="0"/>
-          </a:p>
-          <a:p>
-            <a:endParaRPr lang="en-US" dirty="0" smtClean="0"/>
+            <a:endParaRPr lang="en-US" dirty="0"/>
+          </a:p>
+          <a:p>
+            <a:endParaRPr lang="en-US" dirty="0"/>
           </a:p>
           <a:p>
             <a:pPr marL="285750" indent="-285750">
               <a:buFont typeface="Arial" panose="020B0604020202020204" pitchFamily="34" charset="0"/>
               <a:buChar char="•"/>
             </a:pPr>
-            <a:endParaRPr lang="en-US" dirty="0" smtClean="0"/>
+            <a:endParaRPr lang="en-US" dirty="0"/>
           </a:p>
           <a:p>
             <a:endParaRPr lang="en-US" dirty="0"/>
@@ -29210,15 +28065,15 @@
               <a:buChar char="•"/>
             </a:pPr>
             <a:r>
-              <a:rPr lang="en-US" dirty="0" smtClean="0"/>
+              <a:rPr lang="en-US" dirty="0"/>
               <a:t>CRC aided Successive Cancellation List (</a:t>
             </a:r>
             <a:r>
-              <a:rPr lang="en-US" i="1" dirty="0" smtClean="0"/>
+              <a:rPr lang="en-US" i="1" dirty="0"/>
               <a:t>CA-SCL</a:t>
             </a:r>
             <a:r>
-              <a:rPr lang="en-US" dirty="0" smtClean="0"/>
+              <a:rPr lang="en-US" dirty="0"/>
               <a:t>) algorithm is also implemented. However it is not optimized.</a:t>
             </a:r>
           </a:p>
@@ -29228,30 +28083,30 @@
               <a:buChar char="•"/>
             </a:pPr>
             <a:r>
-              <a:rPr lang="en-US" i="1" dirty="0" smtClean="0"/>
+              <a:rPr lang="en-US" i="1" dirty="0"/>
               <a:t>CA-SCL </a:t>
             </a:r>
             <a:r>
-              <a:rPr lang="en-US" dirty="0" smtClean="0"/>
+              <a:rPr lang="en-US" dirty="0"/>
               <a:t>algorithm has approximately 1.5dB gain over </a:t>
             </a:r>
             <a:r>
-              <a:rPr lang="en-US" i="1" dirty="0" smtClean="0"/>
+              <a:rPr lang="en-US" i="1" dirty="0"/>
               <a:t>fast-SSC </a:t>
             </a:r>
             <a:r>
-              <a:rPr lang="en-US" dirty="0" smtClean="0"/>
+              <a:rPr lang="en-US" dirty="0"/>
               <a:t>algorithm for N = 2048 and list size of 8</a:t>
             </a:r>
             <a:r>
-              <a:rPr lang="en-US" baseline="30000" dirty="0" smtClean="0"/>
+              <a:rPr lang="en-US" baseline="30000" dirty="0"/>
               <a:t>[1]</a:t>
             </a:r>
             <a:r>
-              <a:rPr lang="en-US" dirty="0" smtClean="0"/>
+              <a:rPr lang="en-US" dirty="0"/>
               <a:t>.</a:t>
             </a:r>
-            <a:endParaRPr lang="en-US" i="1" dirty="0" smtClean="0"/>
+            <a:endParaRPr lang="en-US" i="1" dirty="0"/>
           </a:p>
           <a:p>
             <a:pPr marL="285750" indent="-285750">
@@ -29259,23 +28114,15 @@
               <a:buChar char="•"/>
             </a:pPr>
             <a:r>
-              <a:rPr lang="en-US" dirty="0" smtClean="0"/>
-              <a:t>Future work:  </a:t>
-            </a:r>
-            <a:r>
               <a:rPr lang="en-US" dirty="0"/>
-              <a:t>E</a:t>
-            </a:r>
-            <a:r>
-              <a:rPr lang="en-US" dirty="0" smtClean="0"/>
-              <a:t>xtend decoding FEC chain with optimized </a:t>
-            </a:r>
-            <a:r>
-              <a:rPr lang="en-US" i="1" dirty="0" smtClean="0"/>
+              <a:t>Future work:  Extend decoding FEC chain with optimized </a:t>
+            </a:r>
+            <a:r>
+              <a:rPr lang="en-US" i="1" dirty="0"/>
               <a:t>CA-SCL</a:t>
             </a:r>
             <a:r>
-              <a:rPr lang="en-US" dirty="0" smtClean="0"/>
+              <a:rPr lang="en-US" dirty="0"/>
               <a:t>.</a:t>
             </a:r>
           </a:p>
@@ -29284,7 +28131,7 @@
               <a:buFont typeface="Arial" panose="020B0604020202020204" pitchFamily="34" charset="0"/>
               <a:buChar char="•"/>
             </a:pPr>
-            <a:endParaRPr lang="en-US" dirty="0" smtClean="0"/>
+            <a:endParaRPr lang="en-US" dirty="0"/>
           </a:p>
           <a:p>
             <a:pPr marL="285750" indent="-285750">
@@ -29293,34 +28140,30 @@
             </a:pPr>
             <a:r>
               <a:rPr lang="en-US" dirty="0"/>
-              <a:t>I</a:t>
-            </a:r>
-            <a:r>
-              <a:rPr lang="en-US" dirty="0" smtClean="0"/>
-              <a:t>nteresting to see latency of </a:t>
-            </a:r>
-            <a:r>
-              <a:rPr lang="en-US" i="1" dirty="0" smtClean="0"/>
+              <a:t>Interesting to see latency of </a:t>
+            </a:r>
+            <a:r>
+              <a:rPr lang="en-US" i="1" dirty="0"/>
               <a:t>CA-SCL </a:t>
             </a:r>
             <a:r>
-              <a:rPr lang="en-US" dirty="0" smtClean="0"/>
+              <a:rPr lang="en-US" dirty="0"/>
               <a:t>which has expensive </a:t>
             </a:r>
             <a:r>
-              <a:rPr lang="en-US" i="1" dirty="0" smtClean="0"/>
+              <a:rPr lang="en-US" i="1" dirty="0"/>
               <a:t>sort</a:t>
             </a:r>
             <a:r>
-              <a:rPr lang="en-US" dirty="0" smtClean="0"/>
+              <a:rPr lang="en-US" dirty="0"/>
               <a:t> and </a:t>
             </a:r>
             <a:r>
-              <a:rPr lang="en-US" i="1" dirty="0" smtClean="0"/>
+              <a:rPr lang="en-US" i="1" dirty="0"/>
               <a:t>copying</a:t>
             </a:r>
             <a:r>
-              <a:rPr lang="en-US" dirty="0" smtClean="0"/>
+              <a:rPr lang="en-US" dirty="0"/>
               <a:t> operations.</a:t>
             </a:r>
           </a:p>
@@ -29355,17 +28198,8 @@
             </a:pPr>
             <a:r>
               <a:rPr lang="en-US" sz="800" dirty="0"/>
-              <a:t>I. Tal and A. Vardy, “List decoding of polar codes,” IEEE Transactions on </a:t>
-            </a:r>
-            <a:r>
-              <a:rPr lang="en-US" sz="800" dirty="0" smtClean="0"/>
-              <a:t>Information </a:t>
-            </a:r>
-            <a:r>
-              <a:rPr lang="en-US" sz="800" dirty="0"/>
-              <a:t>Theory, vol. 61, pp. 2213–2226, May 2015</a:t>
-            </a:r>
-            <a:endParaRPr lang="en-US" sz="800" dirty="0"/>
+              <a:t>I. Tal and A. Vardy, “List decoding of polar codes,” IEEE Transactions on Information Theory, vol. 61, pp. 2213–2226, May 2015</a:t>
+            </a:r>
           </a:p>
         </p:txBody>
       </p:sp>
@@ -29395,7 +28229,7 @@
           </a:bodyPr>
           <a:lstStyle/>
           <a:p>
-            <a:endParaRPr lang="en-US" sz="1100" b="1" kern="900" spc="100" dirty="0" err="1" smtClean="0">
+            <a:endParaRPr lang="en-US" sz="1100" b="1" kern="900" spc="100" dirty="0" err="1">
               <a:solidFill>
                 <a:srgbClr val="000000"/>
               </a:solidFill>
@@ -29417,13 +28251,6 @@
   <p:clrMapOvr>
     <a:masterClrMapping/>
   </p:clrMapOvr>
-  <p:timing>
-    <p:tnLst>
-      <p:par>
-        <p:cTn id="1" dur="indefinite" restart="never" nodeType="tmRoot"/>
-      </p:par>
-    </p:tnLst>
-  </p:timing>
 </p:sld>
 </file>
 
@@ -29587,7 +28414,7 @@
           </a:bodyPr>
           <a:lstStyle/>
           <a:p>
-            <a:endParaRPr lang="en-US" sz="1100" b="1" kern="900" spc="100" dirty="0" err="1" smtClean="0">
+            <a:endParaRPr lang="en-US" sz="1100" b="1" kern="900" spc="100" dirty="0" err="1">
               <a:solidFill>
                 <a:srgbClr val="000000"/>
               </a:solidFill>
@@ -29609,13 +28436,6 @@
   <p:clrMapOvr>
     <a:masterClrMapping/>
   </p:clrMapOvr>
-  <p:timing>
-    <p:tnLst>
-      <p:par>
-        <p:cTn id="1" dur="indefinite" restart="never" nodeType="tmRoot"/>
-      </p:par>
-    </p:tnLst>
-  </p:timing>
 </p:sld>
 </file>
 
@@ -29740,55 +28560,7 @@
                   <a:srgbClr val="000000"/>
                 </a:solidFill>
               </a:rPr>
-              <a:t>First codes to theoretically </a:t>
-            </a:r>
-            <a:r>
-              <a:rPr lang="en-IN" dirty="0" smtClean="0">
-                <a:solidFill>
-                  <a:srgbClr val="000000"/>
-                </a:solidFill>
-              </a:rPr>
-              <a:t>approach </a:t>
-            </a:r>
-            <a:r>
-              <a:rPr lang="en-IN" dirty="0">
-                <a:solidFill>
-                  <a:srgbClr val="000000"/>
-                </a:solidFill>
-              </a:rPr>
-              <a:t>channel capacity </a:t>
-            </a:r>
-            <a:r>
-              <a:rPr lang="en-IN" dirty="0" smtClean="0">
-                <a:solidFill>
-                  <a:srgbClr val="000000"/>
-                </a:solidFill>
-              </a:rPr>
-              <a:t>for </a:t>
-            </a:r>
-            <a:r>
-              <a:rPr lang="en-IN" dirty="0" smtClean="0">
-                <a:solidFill>
-                  <a:srgbClr val="000000"/>
-                </a:solidFill>
-              </a:rPr>
-              <a:t>BMC</a:t>
-            </a:r>
-            <a:r>
-              <a:rPr lang="en-IN" dirty="0" smtClean="0">
-                <a:solidFill>
-                  <a:srgbClr val="000000"/>
-                </a:solidFill>
-              </a:rPr>
-              <a:t> </a:t>
-            </a:r>
-            <a:r>
-              <a:rPr lang="en-IN" dirty="0">
-                <a:solidFill>
-                  <a:srgbClr val="000000"/>
-                </a:solidFill>
-              </a:rPr>
-              <a:t>channels with explicit construction.</a:t>
+              <a:t>First codes to theoretically approach channel capacity for BMC channels with explicit construction.</a:t>
             </a:r>
           </a:p>
           <a:p>
@@ -29807,34 +28579,13 @@
               <a:buChar char="•"/>
             </a:pPr>
             <a:r>
-              <a:rPr lang="en-IN" dirty="0" smtClean="0">
-                <a:solidFill>
-                  <a:srgbClr val="000000"/>
-                </a:solidFill>
-              </a:rPr>
-              <a:t>Basic idea is synthesizing either </a:t>
-            </a:r>
-            <a:r>
               <a:rPr lang="en-IN" dirty="0">
                 <a:solidFill>
                   <a:srgbClr val="000000"/>
                 </a:solidFill>
               </a:rPr>
-              <a:t>completely noiseless or fully noisy </a:t>
-            </a:r>
-            <a:r>
-              <a:rPr lang="en-IN" dirty="0" smtClean="0">
-                <a:solidFill>
-                  <a:srgbClr val="000000"/>
-                </a:solidFill>
-              </a:rPr>
-              <a:t>channels based on SNR.</a:t>
-            </a:r>
-            <a:endParaRPr lang="en-IN" dirty="0">
-              <a:solidFill>
-                <a:srgbClr val="000000"/>
-              </a:solidFill>
-            </a:endParaRPr>
+              <a:t>Basic idea is synthesizing either completely noiseless or fully noisy channels based on SNR.</a:t>
+            </a:r>
           </a:p>
           <a:p>
             <a:pPr marL="285750" indent="-285750" eaLnBrk="1" fontAlgn="auto" hangingPunct="1">
@@ -29852,20 +28603,12 @@
               <a:buChar char="•"/>
             </a:pPr>
             <a:r>
-              <a:rPr lang="en-IN" dirty="0" smtClean="0">
+              <a:rPr lang="en-IN" dirty="0">
                 <a:solidFill>
                   <a:srgbClr val="000000"/>
                 </a:solidFill>
               </a:rPr>
-              <a:t>Information bits transmitted in </a:t>
-            </a:r>
-            <a:r>
-              <a:rPr lang="en-IN" dirty="0" smtClean="0">
-                <a:solidFill>
-                  <a:srgbClr val="000000"/>
-                </a:solidFill>
-              </a:rPr>
-              <a:t>noiseless and zeros in noisy channels .</a:t>
+              <a:t>Information bits transmitted in noiseless and zeros in noisy channels .</a:t>
             </a:r>
           </a:p>
           <a:p>
@@ -29884,31 +28627,15 @@
               <a:buChar char="•"/>
             </a:pPr>
             <a:r>
-              <a:rPr lang="en-IN" dirty="0" smtClean="0">
-                <a:solidFill>
-                  <a:srgbClr val="000000"/>
-                </a:solidFill>
-              </a:rPr>
-              <a:t>Synthesizing channels for every SNR is complex. </a:t>
-            </a:r>
-            <a:r>
               <a:rPr lang="en-IN" dirty="0">
                 <a:solidFill>
                   <a:srgbClr val="000000"/>
                 </a:solidFill>
               </a:rPr>
-              <a:t>5G adopted heuristic low </a:t>
-            </a:r>
-            <a:r>
-              <a:rPr lang="en-IN" dirty="0" smtClean="0">
-                <a:solidFill>
-                  <a:srgbClr val="000000"/>
-                </a:solidFill>
-              </a:rPr>
-              <a:t>complexity approach independent of SNR</a:t>
-            </a:r>
-            <a:r>
-              <a:rPr lang="en-IN" baseline="30000" dirty="0" smtClean="0">
+              <a:t>Synthesizing channels for every SNR is complex. 5G adopted heuristic low complexity approach independent of SNR</a:t>
+            </a:r>
+            <a:r>
+              <a:rPr lang="en-IN" baseline="30000" dirty="0">
                 <a:solidFill>
                   <a:srgbClr val="000000"/>
                 </a:solidFill>
@@ -29916,18 +28643,13 @@
               <a:t>[2]</a:t>
             </a:r>
             <a:r>
-              <a:rPr lang="en-IN" dirty="0" smtClean="0">
+              <a:rPr lang="en-IN" dirty="0">
                 <a:solidFill>
                   <a:srgbClr val="000000"/>
                 </a:solidFill>
               </a:rPr>
               <a:t> .</a:t>
             </a:r>
-            <a:endParaRPr lang="en-IN" dirty="0" smtClean="0">
-              <a:solidFill>
-                <a:srgbClr val="000000"/>
-              </a:solidFill>
-            </a:endParaRPr>
           </a:p>
           <a:p>
             <a:pPr marL="285750" lvl="0" indent="-285750" eaLnBrk="1" fontAlgn="auto" hangingPunct="1">
@@ -29945,20 +28667,12 @@
               <a:buChar char="•"/>
             </a:pPr>
             <a:r>
-              <a:rPr lang="en-IN" dirty="0" smtClean="0">
-                <a:solidFill>
-                  <a:srgbClr val="000000"/>
-                </a:solidFill>
-              </a:rPr>
-              <a:t>This </a:t>
-            </a:r>
-            <a:r>
               <a:rPr lang="en-IN" dirty="0">
                 <a:solidFill>
                   <a:srgbClr val="000000"/>
                 </a:solidFill>
               </a:rPr>
-              <a:t>construction performs sufficiently good over a large range of SNR</a:t>
+              <a:t>This construction performs sufficiently good over a large range of SNR</a:t>
             </a:r>
             <a:r>
               <a:rPr lang="en-IN" baseline="30000" dirty="0">
@@ -29985,7 +28699,7 @@
               <a:buFont typeface="Arial" panose="020B0604020202020204" pitchFamily="34" charset="0"/>
               <a:buChar char="•"/>
             </a:pPr>
-            <a:endParaRPr lang="en-IN" dirty="0" smtClean="0">
+            <a:endParaRPr lang="en-IN" dirty="0">
               <a:solidFill>
                 <a:srgbClr val="000000"/>
               </a:solidFill>
@@ -30148,8 +28862,8 @@
           </a:prstGeom>
         </p:spPr>
       </p:pic>
-      <mc:AlternateContent xmlns:mc="http://schemas.openxmlformats.org/markup-compatibility/2006">
-        <mc:Choice xmlns:a14="http://schemas.microsoft.com/office/drawing/2010/main" Requires="a14">
+      <mc:AlternateContent xmlns:mc="http://schemas.openxmlformats.org/markup-compatibility/2006" xmlns:a14="http://schemas.microsoft.com/office/drawing/2010/main">
+        <mc:Choice Requires="a14">
           <p:sp>
             <p:nvSpPr>
               <p:cNvPr id="26" name="TextBox 25">
@@ -30203,7 +28917,7 @@
             </p:txBody>
           </p:sp>
         </mc:Choice>
-        <mc:Fallback>
+        <mc:Fallback xmlns="">
           <p:sp>
             <p:nvSpPr>
               <p:cNvPr id="26" name="TextBox 25">
@@ -30304,15 +29018,7 @@
                   <a:srgbClr val="000000"/>
                 </a:solidFill>
               </a:rPr>
-              <a:t>, “Channel polarization: A method for constructing capacity-achieving codes for symmetric binary-input memoryless channels,” IEEE Trans. Inform. Theory, vol. 55, pp. 3051–3073, July 2009</a:t>
-            </a:r>
-            <a:r>
-              <a:rPr lang="en-US" sz="800" dirty="0" smtClean="0">
-                <a:solidFill>
-                  <a:srgbClr val="000000"/>
-                </a:solidFill>
-              </a:rPr>
-              <a:t>.</a:t>
+              <a:t>, “Channel polarization: A method for constructing capacity-achieving codes for symmetric binary-input memoryless channels,” IEEE Trans. Inform. Theory, vol. 55, pp. 3051–3073, July 2009.</a:t>
             </a:r>
           </a:p>
           <a:p>
@@ -30388,21 +29094,17 @@
             </a:r>
             <a:r>
               <a:rPr lang="de-DE" sz="800" dirty="0"/>
-              <a:t> Polar </a:t>
-            </a:r>
-            <a:r>
-              <a:rPr lang="de-DE" sz="800" dirty="0" smtClean="0"/>
-              <a:t>Codes. </a:t>
-            </a:r>
-            <a:r>
-              <a:rPr lang="de-DE" sz="800" dirty="0" err="1" smtClean="0"/>
+              <a:t> Polar Codes. </a:t>
+            </a:r>
+            <a:r>
+              <a:rPr lang="de-DE" sz="800" dirty="0" err="1"/>
               <a:t>Huawei</a:t>
             </a:r>
             <a:r>
-              <a:rPr lang="de-DE" sz="800" dirty="0" smtClean="0"/>
+              <a:rPr lang="de-DE" sz="800" dirty="0"/>
               <a:t> Technologies</a:t>
             </a:r>
-            <a:endParaRPr lang="en-US" sz="800" dirty="0" smtClean="0">
+            <a:endParaRPr lang="en-US" sz="800" dirty="0">
               <a:solidFill>
                 <a:srgbClr val="000000"/>
               </a:solidFill>
@@ -30431,8 +29133,8 @@
           </a:p>
         </p:txBody>
       </p:sp>
-      <mc:AlternateContent xmlns:mc="http://schemas.openxmlformats.org/markup-compatibility/2006">
-        <mc:Choice xmlns:a14="http://schemas.microsoft.com/office/drawing/2010/main" Requires="a14">
+      <mc:AlternateContent xmlns:mc="http://schemas.openxmlformats.org/markup-compatibility/2006" xmlns:a14="http://schemas.microsoft.com/office/drawing/2010/main">
+        <mc:Choice Requires="a14">
           <p:sp>
             <p:nvSpPr>
               <p:cNvPr id="487" name="TextBox 486"/>
@@ -30479,7 +29181,7 @@
                   </m:oMath>
                 </a14:m>
                 <a:r>
-                  <a:rPr lang="en-US" sz="1200" dirty="0" smtClean="0">
+                  <a:rPr lang="en-US" sz="1200" dirty="0">
                     <a:latin typeface="+mn-lt"/>
                   </a:rPr>
                   <a:t>,</a:t>
@@ -30492,7 +29194,7 @@
                   </a:lnSpc>
                 </a:pPr>
                 <a:r>
-                  <a:rPr lang="en-US" sz="1200" dirty="0" smtClean="0">
+                  <a:rPr lang="en-US" sz="1200" dirty="0">
                     <a:latin typeface="+mn-lt"/>
                   </a:rPr>
                   <a:t>Fraction of good channels </a:t>
@@ -30515,14 +29217,14 @@
                     </m:r>
                   </m:oMath>
                 </a14:m>
-                <a:endParaRPr lang="en-US" sz="1200" dirty="0" smtClean="0">
+                <a:endParaRPr lang="en-US" sz="1200" dirty="0">
                   <a:latin typeface="+mn-lt"/>
                 </a:endParaRPr>
               </a:p>
             </p:txBody>
           </p:sp>
         </mc:Choice>
-        <mc:Fallback>
+        <mc:Fallback xmlns="">
           <p:sp>
             <p:nvSpPr>
               <p:cNvPr id="487" name="TextBox 486"/>
@@ -30591,7 +29293,7 @@
           <a:p>
             <a:pPr algn="ctr"/>
             <a:r>
-              <a:rPr lang="en-IN" sz="1200" dirty="0" smtClean="0"/>
+              <a:rPr lang="en-IN" sz="1200" dirty="0"/>
               <a:t>Butterfly circuit</a:t>
             </a:r>
             <a:endParaRPr lang="en-US" sz="1200" dirty="0" err="1"/>
@@ -30624,7 +29326,7 @@
           </a:bodyPr>
           <a:lstStyle/>
           <a:p>
-            <a:endParaRPr lang="en-US" sz="1100" b="1" kern="900" spc="100" dirty="0" err="1" smtClean="0">
+            <a:endParaRPr lang="en-US" sz="1100" b="1" kern="900" spc="100" dirty="0" err="1">
               <a:solidFill>
                 <a:srgbClr val="000000"/>
               </a:solidFill>
@@ -30641,13 +29343,6 @@
   <p:clrMapOvr>
     <a:masterClrMapping/>
   </p:clrMapOvr>
-  <p:timing>
-    <p:tnLst>
-      <p:par>
-        <p:cTn id="1" dur="indefinite" restart="never" nodeType="tmRoot"/>
-      </p:par>
-    </p:tnLst>
-  </p:timing>
 </p:sld>
 </file>
 
@@ -30698,8 +29393,8 @@
           </a:prstGeom>
         </p:spPr>
       </p:pic>
-      <mc:AlternateContent xmlns:mc="http://schemas.openxmlformats.org/markup-compatibility/2006">
-        <mc:Choice xmlns:a14="http://schemas.microsoft.com/office/drawing/2010/main" Requires="a14">
+      <mc:AlternateContent xmlns:mc="http://schemas.openxmlformats.org/markup-compatibility/2006" xmlns:a14="http://schemas.microsoft.com/office/drawing/2010/main">
+        <mc:Choice Requires="a14">
           <p:sp>
             <p:nvSpPr>
               <p:cNvPr id="2" name="Content Placeholder 1"/>
@@ -30725,26 +29420,18 @@
                   <a:buChar char="•"/>
                 </a:pPr>
                 <a:r>
-                  <a:rPr lang="en-US" dirty="0" smtClean="0">
+                  <a:rPr lang="en-US" dirty="0">
                     <a:latin typeface="Simplified Arabic Fixed" panose="02070309020205020404" pitchFamily="49" charset="-78"/>
                     <a:cs typeface="Simplified Arabic Fixed" panose="02070309020205020404" pitchFamily="49" charset="-78"/>
                   </a:rPr>
                   <a:t>XOR </a:t>
                 </a:r>
                 <a:r>
-                  <a:rPr lang="en-US" dirty="0" smtClean="0"/>
-                  <a:t>introduces </a:t>
+                  <a:rPr lang="en-US" dirty="0"/>
+                  <a:t>introduces correlation between code word bits</a:t>
                 </a:r>
                 <a:r>
-                  <a:rPr lang="en-US" dirty="0"/>
-                  <a:t>correlation between code word </a:t>
-                </a:r>
-                <a:r>
-                  <a:rPr lang="en-US" dirty="0" smtClean="0"/>
-                  <a:t>bits</a:t>
-                </a:r>
-                <a:r>
-                  <a:rPr lang="en-US" dirty="0" smtClean="0">
+                  <a:rPr lang="en-US" dirty="0">
                     <a:latin typeface="+mj-lt"/>
                     <a:cs typeface="Simplified Arabic Fixed" panose="02070309020205020404" pitchFamily="49" charset="-78"/>
                   </a:rPr>
@@ -30757,25 +29444,11 @@
                   <a:buChar char="•"/>
                 </a:pPr>
                 <a:r>
-                  <a:rPr lang="en-US" dirty="0" smtClean="0">
-                    <a:latin typeface="+mj-lt"/>
-                    <a:cs typeface="Simplified Arabic Fixed" panose="02070309020205020404" pitchFamily="49" charset="-78"/>
-                  </a:rPr>
-                  <a:t>Bits shown in red </a:t>
-                </a:r>
-                <a:r>
                   <a:rPr lang="en-US" dirty="0">
                     <a:latin typeface="+mj-lt"/>
                     <a:cs typeface="Simplified Arabic Fixed" panose="02070309020205020404" pitchFamily="49" charset="-78"/>
                   </a:rPr>
-                  <a:t>are</a:t>
-                </a:r>
-                <a:r>
-                  <a:rPr lang="en-US" dirty="0" smtClean="0">
-                    <a:latin typeface="+mj-lt"/>
-                    <a:cs typeface="Simplified Arabic Fixed" panose="02070309020205020404" pitchFamily="49" charset="-78"/>
-                  </a:rPr>
-                  <a:t> frozen bits (zeros).</a:t>
+                  <a:t>Bits shown in red are frozen bits (zeros).</a:t>
                 </a:r>
                 <a:endParaRPr lang="en-US" dirty="0">
                   <a:latin typeface="Simplified Arabic Fixed" panose="02070309020205020404" pitchFamily="49" charset="-78"/>
@@ -30788,7 +29461,7 @@
                   <a:buChar char="•"/>
                 </a:pPr>
                 <a:r>
-                  <a:rPr lang="en-US" dirty="0" smtClean="0">
+                  <a:rPr lang="en-US" dirty="0">
                     <a:solidFill>
                       <a:prstClr val="black"/>
                     </a:solidFill>
@@ -30834,7 +29507,7 @@
                   </m:oMath>
                 </a14:m>
                 <a:r>
-                  <a:rPr lang="en-US" dirty="0" smtClean="0">
+                  <a:rPr lang="en-US" dirty="0">
                     <a:solidFill>
                       <a:prstClr val="black"/>
                     </a:solidFill>
@@ -30843,7 +29516,7 @@
                 </a:r>
               </a:p>
               <a:p>
-                <a:endParaRPr lang="en-US" dirty="0" smtClean="0">
+                <a:endParaRPr lang="en-US" dirty="0">
                   <a:solidFill>
                     <a:prstClr val="black"/>
                   </a:solidFill>
@@ -30862,6 +29535,7 @@
                             <a:solidFill>
                               <a:prstClr val="black"/>
                             </a:solidFill>
+                            <a:latin typeface="Cambria Math" panose="02040503050406030204" pitchFamily="18" charset="0"/>
                           </a:rPr>
                         </m:ctrlPr>
                       </m:sSubPr>
@@ -30871,6 +29545,7 @@
                             <a:solidFill>
                               <a:prstClr val="black"/>
                             </a:solidFill>
+                            <a:latin typeface="Cambria Math" panose="02040503050406030204" pitchFamily="18" charset="0"/>
                             <a:ea typeface="Cambria Math" panose="02040503050406030204" pitchFamily="18" charset="0"/>
                           </a:rPr>
                           <m:t>𝛽</m:t>
@@ -30922,6 +29597,7 @@
                             <a:solidFill>
                               <a:prstClr val="black"/>
                             </a:solidFill>
+                            <a:latin typeface="Cambria Math" panose="02040503050406030204" pitchFamily="18" charset="0"/>
                           </a:rPr>
                         </m:ctrlPr>
                       </m:dPr>
@@ -30931,6 +29607,7 @@
                             <a:solidFill>
                               <a:prstClr val="black"/>
                             </a:solidFill>
+                            <a:latin typeface="Cambria Math" panose="02040503050406030204" pitchFamily="18" charset="0"/>
                           </a:rPr>
                           <m:t>𝑖</m:t>
                         </m:r>
@@ -30941,13 +29618,14 @@
                         <a:solidFill>
                           <a:prstClr val="black"/>
                         </a:solidFill>
+                        <a:latin typeface="Cambria Math" panose="02040503050406030204" pitchFamily="18" charset="0"/>
                       </a:rPr>
                       <m:t> =</m:t>
                     </m:r>
                   </m:oMath>
                 </a14:m>
                 <a:r>
-                  <a:rPr lang="en-US" dirty="0" smtClean="0"/>
+                  <a:rPr lang="en-US" dirty="0"/>
                   <a:t> </a:t>
                 </a:r>
                 <a14:m>
@@ -31271,7 +29949,7 @@
                     </m:nary>
                   </m:oMath>
                 </a14:m>
-                <a:endParaRPr lang="en-US" dirty="0" smtClean="0"/>
+                <a:endParaRPr lang="en-US" dirty="0"/>
               </a:p>
               <a:p>
                 <a:pPr lvl="3" indent="0">
@@ -31629,7 +30307,7 @@
                   </m:oMath>
                 </a14:m>
                 <a:r>
-                  <a:rPr lang="en-US" dirty="0" smtClean="0"/>
+                  <a:rPr lang="en-US" dirty="0"/>
                   <a:t> </a:t>
                 </a:r>
                 <a14:m>
@@ -31688,7 +30366,7 @@
             </p:txBody>
           </p:sp>
         </mc:Choice>
-        <mc:Fallback>
+        <mc:Fallback xmlns="">
           <p:sp>
             <p:nvSpPr>
               <p:cNvPr id="2" name="Content Placeholder 1"/>
@@ -31779,15 +30457,7 @@
                   <a:schemeClr val="bg2"/>
                 </a:solidFill>
               </a:rPr>
-              <a:t>Polar </a:t>
-            </a:r>
-            <a:r>
-              <a:rPr lang="en-US" dirty="0" smtClean="0">
-                <a:solidFill>
-                  <a:schemeClr val="bg2"/>
-                </a:solidFill>
-              </a:rPr>
-              <a:t>Encoding (Polar Transform)</a:t>
+              <a:t>Polar Encoding (Polar Transform)</a:t>
             </a:r>
             <a:endParaRPr lang="de-DE" sz="3000" dirty="0">
               <a:solidFill>
@@ -31906,7 +30576,7 @@
                     <a:spcPct val="114000"/>
                   </a:lnSpc>
                 </a:pPr>
-                <a:endParaRPr lang="en-US" dirty="0" smtClean="0"/>
+                <a:endParaRPr lang="en-US" dirty="0"/>
               </a:p>
             </p:txBody>
           </p:sp>
@@ -31945,20 +30615,17 @@
                   <a:t>XOR</a:t>
                 </a:r>
                 <a:r>
-                  <a:rPr lang="en-US" sz="1600" dirty="0" smtClean="0">
+                  <a:rPr lang="en-US" sz="1600" dirty="0">
                     <a:latin typeface="+mn-lt"/>
                   </a:rPr>
                   <a:t> operation</a:t>
                 </a:r>
-                <a:endParaRPr lang="en-US" sz="1600" dirty="0" smtClean="0">
-                  <a:latin typeface="+mn-lt"/>
-                </a:endParaRPr>
               </a:p>
             </p:txBody>
           </p:sp>
         </p:grpSp>
-        <mc:AlternateContent xmlns:mc="http://schemas.openxmlformats.org/markup-compatibility/2006">
-          <mc:Choice xmlns:a14="http://schemas.microsoft.com/office/drawing/2010/main" Requires="a14">
+        <mc:AlternateContent xmlns:mc="http://schemas.openxmlformats.org/markup-compatibility/2006" xmlns:a14="http://schemas.microsoft.com/office/drawing/2010/main">
+          <mc:Choice Requires="a14">
             <p:sp>
               <p:nvSpPr>
                 <p:cNvPr id="548" name="Rectangle 547"/>
@@ -31981,7 +30648,7 @@
                 <a:lstStyle/>
                 <a:p>
                   <a:r>
-                    <a:rPr lang="en-US" sz="1400" dirty="0" smtClean="0"/>
+                    <a:rPr lang="en-US" sz="1400" dirty="0"/>
                     <a:t> </a:t>
                   </a:r>
                   <a14:m>
@@ -32016,12 +30683,11 @@
                     <a:rPr lang="en-US" sz="1400" dirty="0"/>
                     <a:t>.</a:t>
                   </a:r>
-                  <a:endParaRPr lang="en-US" sz="1400" dirty="0"/>
                 </a:p>
               </p:txBody>
             </p:sp>
           </mc:Choice>
-          <mc:Fallback>
+          <mc:Fallback xmlns="">
             <p:sp>
               <p:nvSpPr>
                 <p:cNvPr id="548" name="Rectangle 547"/>
@@ -32061,8 +30727,8 @@
           </mc:Fallback>
         </mc:AlternateContent>
       </p:grpSp>
-      <mc:AlternateContent xmlns:mc="http://schemas.openxmlformats.org/markup-compatibility/2006">
-        <mc:Choice xmlns:a14="http://schemas.microsoft.com/office/drawing/2010/main" Requires="a14">
+      <mc:AlternateContent xmlns:mc="http://schemas.openxmlformats.org/markup-compatibility/2006" xmlns:a14="http://schemas.microsoft.com/office/drawing/2010/main">
+        <mc:Choice Requires="a14">
           <p:sp>
             <p:nvSpPr>
               <p:cNvPr id="644" name="TextBox 643"/>
@@ -32087,11 +30753,7 @@
               <a:p>
                 <a:r>
                   <a:rPr lang="en-IN" sz="1200" dirty="0"/>
-                  <a:t>Each </a:t>
-                </a:r>
-                <a:r>
-                  <a:rPr lang="en-IN" sz="1200" dirty="0"/>
-                  <a:t>stage contains vector of size </a:t>
+                  <a:t>Each stage contains vector of size </a:t>
                 </a:r>
                 <a14:m>
                   <m:oMath xmlns:m="http://schemas.openxmlformats.org/officeDocument/2006/math">
@@ -32151,7 +30813,7 @@
             </p:txBody>
           </p:sp>
         </mc:Choice>
-        <mc:Fallback>
+        <mc:Fallback xmlns="">
           <p:sp>
             <p:nvSpPr>
               <p:cNvPr id="644" name="TextBox 643"/>
@@ -32216,7 +30878,7 @@
           </a:bodyPr>
           <a:lstStyle/>
           <a:p>
-            <a:endParaRPr lang="en-US" sz="1100" b="1" kern="900" spc="100" dirty="0" err="1" smtClean="0">
+            <a:endParaRPr lang="en-US" sz="1100" b="1" kern="900" spc="100" dirty="0" err="1">
               <a:solidFill>
                 <a:srgbClr val="000000"/>
               </a:solidFill>
@@ -32238,13 +30900,6 @@
   <p:clrMapOvr>
     <a:masterClrMapping/>
   </p:clrMapOvr>
-  <p:timing>
-    <p:tnLst>
-      <p:par>
-        <p:cTn id="1" dur="indefinite" restart="never" nodeType="tmRoot"/>
-      </p:par>
-    </p:tnLst>
-  </p:timing>
 </p:sld>
 </file>
 
@@ -32320,7 +30975,7 @@
               <a:buChar char="•"/>
             </a:pPr>
             <a:r>
-              <a:rPr lang="en-US" dirty="0" smtClean="0"/>
+              <a:rPr lang="en-US" dirty="0"/>
               <a:t>Decoder estimates the code word by exploiting the correlation introduced by encoder.</a:t>
             </a:r>
           </a:p>
@@ -32330,7 +30985,7 @@
               <a:buChar char="•"/>
             </a:pPr>
             <a:r>
-              <a:rPr lang="en-US" dirty="0" smtClean="0"/>
+              <a:rPr lang="en-US" dirty="0"/>
               <a:t>Decoding involves Check Node (CN), Variable Node (VN) and bit combination operations. </a:t>
             </a:r>
           </a:p>
@@ -32340,7 +30995,7 @@
               <a:buChar char="•"/>
             </a:pPr>
             <a:r>
-              <a:rPr lang="en-US" dirty="0" smtClean="0"/>
+              <a:rPr lang="en-US" dirty="0"/>
               <a:t>Every node in the decoder tree performs these operations.</a:t>
             </a:r>
           </a:p>
@@ -32350,7 +31005,7 @@
               <a:buChar char="•"/>
             </a:pPr>
             <a:r>
-              <a:rPr lang="en-US" dirty="0" smtClean="0"/>
+              <a:rPr lang="en-US" dirty="0"/>
               <a:t>Decoding circuit can also be viewed as binary tree.</a:t>
             </a:r>
           </a:p>
@@ -32411,8 +31066,8 @@
           </a:p>
         </p:txBody>
       </p:sp>
-      <mc:AlternateContent xmlns:mc="http://schemas.openxmlformats.org/markup-compatibility/2006">
-        <mc:Choice xmlns:a14="http://schemas.microsoft.com/office/drawing/2010/main" Requires="a14">
+      <mc:AlternateContent xmlns:mc="http://schemas.openxmlformats.org/markup-compatibility/2006" xmlns:a14="http://schemas.microsoft.com/office/drawing/2010/main">
+        <mc:Choice Requires="a14">
           <p:sp>
             <p:nvSpPr>
               <p:cNvPr id="617" name="TextBox 616"/>
@@ -32437,11 +31092,7 @@
               <a:p>
                 <a:r>
                   <a:rPr lang="en-IN" sz="1200" dirty="0"/>
-                  <a:t>Each </a:t>
-                </a:r>
-                <a:r>
-                  <a:rPr lang="en-IN" sz="1200" dirty="0"/>
-                  <a:t>stage contains vector of size </a:t>
+                  <a:t>Each stage contains vector of size </a:t>
                 </a:r>
                 <a14:m>
                   <m:oMath xmlns:m="http://schemas.openxmlformats.org/officeDocument/2006/math">
@@ -32501,7 +31152,7 @@
             </p:txBody>
           </p:sp>
         </mc:Choice>
-        <mc:Fallback>
+        <mc:Fallback xmlns="">
           <p:sp>
             <p:nvSpPr>
               <p:cNvPr id="617" name="TextBox 616"/>
@@ -32566,7 +31217,7 @@
           </a:bodyPr>
           <a:lstStyle/>
           <a:p>
-            <a:endParaRPr lang="en-US" sz="1100" b="1" kern="900" spc="100" dirty="0" err="1" smtClean="0">
+            <a:endParaRPr lang="en-US" sz="1100" b="1" kern="900" spc="100" dirty="0" err="1">
               <a:solidFill>
                 <a:srgbClr val="000000"/>
               </a:solidFill>
@@ -32588,13 +31239,6 @@
   <p:clrMapOvr>
     <a:masterClrMapping/>
   </p:clrMapOvr>
-  <p:timing>
-    <p:tnLst>
-      <p:par>
-        <p:cTn id="1" dur="indefinite" restart="never" nodeType="tmRoot"/>
-      </p:par>
-    </p:tnLst>
-  </p:timing>
 </p:sld>
 </file>
 
@@ -32615,8 +31259,8 @@
           <a:chExt cx="0" cy="0"/>
         </a:xfrm>
       </p:grpSpPr>
-      <mc:AlternateContent xmlns:mc="http://schemas.openxmlformats.org/markup-compatibility/2006">
-        <mc:Choice xmlns:a14="http://schemas.microsoft.com/office/drawing/2010/main" Requires="a14">
+      <mc:AlternateContent xmlns:mc="http://schemas.openxmlformats.org/markup-compatibility/2006" xmlns:a14="http://schemas.microsoft.com/office/drawing/2010/main">
+        <mc:Choice Requires="a14">
           <p:sp>
             <p:nvSpPr>
               <p:cNvPr id="2" name="Content Placeholder 1"/>
@@ -32639,7 +31283,7 @@
               <a:p>
                 <a:pPr lvl="0"/>
                 <a:r>
-                  <a:rPr lang="en-US" dirty="0" smtClean="0">
+                  <a:rPr lang="en-US" dirty="0">
                     <a:solidFill>
                       <a:prstClr val="black"/>
                     </a:solidFill>
@@ -32675,7 +31319,7 @@
                     </m:sSub>
                   </m:oMath>
                 </a14:m>
-                <a:endParaRPr lang="en-US" dirty="0" smtClean="0">
+                <a:endParaRPr lang="en-US" dirty="0">
                   <a:solidFill>
                     <a:prstClr val="black"/>
                   </a:solidFill>
@@ -32683,7 +31327,7 @@
               </a:p>
               <a:p>
                 <a:pPr lvl="0"/>
-                <a:endParaRPr lang="en-US" dirty="0" smtClean="0">
+                <a:endParaRPr lang="en-US" dirty="0">
                   <a:solidFill>
                     <a:prstClr val="black"/>
                   </a:solidFill>
@@ -32695,20 +31339,12 @@
                   <a:buChar char="•"/>
                 </a:pPr>
                 <a:r>
-                  <a:rPr lang="en-US" dirty="0" smtClean="0">
-                    <a:solidFill>
-                      <a:prstClr val="black"/>
-                    </a:solidFill>
-                  </a:rPr>
-                  <a:t>CN </a:t>
-                </a:r>
-                <a:r>
                   <a:rPr lang="en-US" dirty="0">
                     <a:solidFill>
                       <a:prstClr val="black"/>
                     </a:solidFill>
                   </a:rPr>
-                  <a:t>operation: (</a:t>
+                  <a:t>CN operation: (</a:t>
                 </a:r>
                 <a14:m>
                   <m:oMath xmlns:m="http://schemas.openxmlformats.org/officeDocument/2006/math">
@@ -33351,20 +31987,11 @@
                         </a:solidFill>
                         <a:latin typeface="Cambria Math" panose="02040503050406030204" pitchFamily="18" charset="0"/>
                       </a:rPr>
-                      <m:t>|</m:t>
-                    </m:r>
-                    <m:r>
-                      <a:rPr lang="en-US" i="1" dirty="0">
-                        <a:solidFill>
-                          <a:prstClr val="black"/>
-                        </a:solidFill>
-                        <a:latin typeface="Cambria Math" panose="02040503050406030204" pitchFamily="18" charset="0"/>
-                      </a:rPr>
-                      <m:t>)</m:t>
+                      <m:t>|)</m:t>
                     </m:r>
                   </m:oMath>
                 </a14:m>
-                <a:endParaRPr lang="en-US" dirty="0" smtClean="0">
+                <a:endParaRPr lang="en-US" dirty="0">
                   <a:solidFill>
                     <a:prstClr val="black"/>
                   </a:solidFill>
@@ -33375,7 +32002,7 @@
                   <a:buFont typeface="Arial" panose="020B0604020202020204" pitchFamily="34" charset="0"/>
                   <a:buChar char="•"/>
                 </a:pPr>
-                <a:endParaRPr lang="en-US" dirty="0" smtClean="0">
+                <a:endParaRPr lang="en-US" dirty="0">
                   <a:solidFill>
                     <a:prstClr val="black"/>
                   </a:solidFill>
@@ -33398,20 +32025,12 @@
                   <a:buChar char="•"/>
                 </a:pPr>
                 <a:r>
-                  <a:rPr lang="en-US" dirty="0" smtClean="0">
-                    <a:solidFill>
-                      <a:prstClr val="black"/>
-                    </a:solidFill>
-                  </a:rPr>
-                  <a:t>VN </a:t>
-                </a:r>
-                <a:r>
                   <a:rPr lang="en-US" dirty="0">
                     <a:solidFill>
                       <a:prstClr val="black"/>
                     </a:solidFill>
                   </a:rPr>
-                  <a:t>operation: (   )</a:t>
+                  <a:t>VN operation: (   )</a:t>
                 </a:r>
               </a:p>
               <a:p>
@@ -33831,7 +32450,7 @@
                   <a:buFont typeface="Arial" panose="020B0604020202020204" pitchFamily="34" charset="0"/>
                   <a:buChar char="•"/>
                 </a:pPr>
-                <a:endParaRPr lang="en-US" dirty="0" smtClean="0">
+                <a:endParaRPr lang="en-US" dirty="0">
                   <a:solidFill>
                     <a:prstClr val="black"/>
                   </a:solidFill>
@@ -33843,20 +32462,12 @@
                   <a:buChar char="•"/>
                 </a:pPr>
                 <a:r>
-                  <a:rPr lang="en-US" dirty="0" smtClean="0">
-                    <a:solidFill>
-                      <a:prstClr val="black"/>
-                    </a:solidFill>
-                  </a:rPr>
-                  <a:t>Bit </a:t>
-                </a:r>
-                <a:r>
                   <a:rPr lang="en-US" dirty="0">
                     <a:solidFill>
                       <a:prstClr val="black"/>
                     </a:solidFill>
                   </a:rPr>
-                  <a:t>combination:</a:t>
+                  <a:t>Bit combination:</a:t>
                 </a:r>
               </a:p>
               <a:p>
@@ -34410,7 +33021,7 @@
             </p:txBody>
           </p:sp>
         </mc:Choice>
-        <mc:Fallback>
+        <mc:Fallback xmlns="">
           <p:sp>
             <p:nvSpPr>
               <p:cNvPr id="2" name="Content Placeholder 1"/>
@@ -34500,11 +33111,6 @@
               </a:rPr>
               <a:t>CN, VN and bit combination operations</a:t>
             </a:r>
-            <a:endParaRPr lang="en-US" dirty="0">
-              <a:solidFill>
-                <a:schemeClr val="bg2"/>
-              </a:solidFill>
-            </a:endParaRPr>
           </a:p>
         </p:txBody>
       </p:sp>
@@ -34634,7 +33240,7 @@
                 <a:spcPct val="114000"/>
               </a:lnSpc>
             </a:pPr>
-            <a:endParaRPr lang="en-US" dirty="0" smtClean="0"/>
+            <a:endParaRPr lang="en-US" dirty="0"/>
           </a:p>
         </p:txBody>
       </p:sp>
@@ -34664,7 +33270,7 @@
           </a:bodyPr>
           <a:lstStyle/>
           <a:p>
-            <a:endParaRPr lang="en-US" sz="1100" b="1" kern="900" spc="100" dirty="0" err="1" smtClean="0">
+            <a:endParaRPr lang="en-US" sz="1100" b="1" kern="900" spc="100" dirty="0" err="1">
               <a:solidFill>
                 <a:srgbClr val="000000"/>
               </a:solidFill>
@@ -34686,13 +33292,6 @@
   <p:clrMapOvr>
     <a:masterClrMapping/>
   </p:clrMapOvr>
-  <p:timing>
-    <p:tnLst>
-      <p:par>
-        <p:cTn id="1" dur="indefinite" restart="never" nodeType="tmRoot"/>
-      </p:par>
-    </p:tnLst>
-  </p:timing>
 </p:sld>
 </file>
 
@@ -34765,16 +33364,11 @@
               </a:rPr>
               <a:t>Fast-SSC algorithm</a:t>
             </a:r>
-            <a:endParaRPr lang="en-US" dirty="0">
-              <a:solidFill>
-                <a:schemeClr val="bg2"/>
-              </a:solidFill>
-            </a:endParaRPr>
           </a:p>
         </p:txBody>
       </p:sp>
-      <mc:AlternateContent xmlns:mc="http://schemas.openxmlformats.org/markup-compatibility/2006">
-        <mc:Choice xmlns:a14="http://schemas.microsoft.com/office/drawing/2010/main" Requires="a14">
+      <mc:AlternateContent xmlns:mc="http://schemas.openxmlformats.org/markup-compatibility/2006" xmlns:a14="http://schemas.microsoft.com/office/drawing/2010/main">
+        <mc:Choice Requires="a14">
           <p:sp>
             <p:nvSpPr>
               <p:cNvPr id="112" name="Content Placeholder 111"/>
@@ -34800,18 +33394,17 @@
                   <a:buChar char="•"/>
                 </a:pPr>
                 <a:r>
-                  <a:rPr lang="en-US" dirty="0" smtClean="0"/>
+                  <a:rPr lang="en-US" dirty="0"/>
                   <a:t>Fast-SSC algorithm</a:t>
                 </a:r>
                 <a:r>
-                  <a:rPr lang="en-US" baseline="30000" dirty="0" smtClean="0"/>
+                  <a:rPr lang="en-US" baseline="30000" dirty="0"/>
                   <a:t>[1] </a:t>
                 </a:r>
                 <a:r>
-                  <a:rPr lang="en-US" dirty="0" smtClean="0"/>
+                  <a:rPr lang="en-US" dirty="0"/>
                   <a:t>identifies special component codes from polar code which allow immediate decoding avoiding full tree traversal.</a:t>
                 </a:r>
-                <a:endParaRPr lang="en-US" dirty="0"/>
               </a:p>
               <a:p>
                 <a:pPr marL="285750" indent="-285750">
@@ -34830,11 +33423,7 @@
                 </a:pPr>
                 <a:r>
                   <a:rPr lang="en-US" dirty="0"/>
-                  <a:t>Parallelizes the decoding operation</a:t>
-                </a:r>
-                <a:r>
-                  <a:rPr lang="en-US" dirty="0" smtClean="0"/>
-                  <a:t>.</a:t>
+                  <a:t>Parallelizes the decoding operation.</a:t>
                 </a:r>
               </a:p>
               <a:p>
@@ -34850,7 +33439,7 @@
                   <a:buChar char="•"/>
                 </a:pPr>
                 <a:r>
-                  <a:rPr lang="en-US" dirty="0" smtClean="0"/>
+                  <a:rPr lang="en-US" dirty="0"/>
                   <a:t>Example </a:t>
                 </a:r>
                 <a14:m>
@@ -34889,7 +33478,7 @@
             </p:txBody>
           </p:sp>
         </mc:Choice>
-        <mc:Fallback>
+        <mc:Fallback xmlns="">
           <p:sp>
             <p:nvSpPr>
               <p:cNvPr id="112" name="Content Placeholder 111"/>
@@ -34999,20 +33588,11 @@
                 </a:lnSpc>
               </a:pPr>
               <a:r>
-                <a:rPr lang="en-US" sz="1600" dirty="0" smtClean="0">
+                <a:rPr lang="en-US" sz="1600" dirty="0">
                   <a:latin typeface="+mn-lt"/>
                 </a:rPr>
-                <a:t>Origina</a:t>
+                <a:t>Original decoder tree</a:t>
               </a:r>
-              <a:r>
-                <a:rPr lang="en-US" sz="1600" dirty="0" smtClean="0">
-                  <a:latin typeface="+mn-lt"/>
-                </a:rPr>
-                <a:t>l decoder tree</a:t>
-              </a:r>
-              <a:endParaRPr lang="en-US" sz="1600" dirty="0" smtClean="0">
-                <a:latin typeface="+mn-lt"/>
-              </a:endParaRPr>
             </a:p>
           </p:txBody>
         </p:sp>
@@ -35044,14 +33624,11 @@
                 </a:lnSpc>
               </a:pPr>
               <a:r>
-                <a:rPr lang="en-US" sz="1600" dirty="0" smtClean="0">
+                <a:rPr lang="en-US" sz="1600" dirty="0">
                   <a:latin typeface="+mn-lt"/>
                 </a:rPr>
                 <a:t>Reduced tree</a:t>
               </a:r>
-              <a:endParaRPr lang="en-US" sz="1600" dirty="0" smtClean="0">
-                <a:latin typeface="+mn-lt"/>
-              </a:endParaRPr>
             </a:p>
           </p:txBody>
         </p:sp>
@@ -35081,7 +33658,7 @@
               <a:buAutoNum type="arabicPeriod"/>
             </a:pPr>
             <a:r>
-              <a:rPr lang="en-US" sz="800" dirty="0" smtClean="0"/>
+              <a:rPr lang="en-US" sz="800" dirty="0"/>
               <a:t>Fast Polar Decoders: Algorithm and Implementation.</a:t>
             </a:r>
             <a:r>
@@ -35098,11 +33675,7 @@
             </a:r>
             <a:r>
               <a:rPr lang="en-US" sz="800" dirty="0"/>
-              <a:t>, </a:t>
-            </a:r>
-            <a:r>
-              <a:rPr lang="en-US" sz="800" dirty="0"/>
-              <a:t>Pascal </a:t>
+              <a:t>, Pascal </a:t>
             </a:r>
             <a:r>
               <a:rPr lang="en-US" sz="800" dirty="0" err="1"/>
@@ -35110,31 +33683,7 @@
             </a:r>
             <a:r>
               <a:rPr lang="en-US" sz="800" dirty="0"/>
-              <a:t> </a:t>
-            </a:r>
-            <a:r>
-              <a:rPr lang="en-US" sz="800" dirty="0"/>
-              <a:t>, </a:t>
-            </a:r>
-            <a:r>
-              <a:rPr lang="en-US" sz="800" dirty="0"/>
-              <a:t>Alexander </a:t>
-            </a:r>
-            <a:r>
-              <a:rPr lang="en-US" sz="800" dirty="0"/>
-              <a:t>Vardy</a:t>
-            </a:r>
-            <a:r>
-              <a:rPr lang="en-US" sz="800" dirty="0"/>
-              <a:t> </a:t>
-            </a:r>
-            <a:r>
-              <a:rPr lang="en-US" sz="800" dirty="0"/>
-              <a:t>, </a:t>
-            </a:r>
-            <a:r>
-              <a:rPr lang="en-US" sz="800" dirty="0"/>
-              <a:t>Claude </a:t>
+              <a:t> , Alexander Vardy , Claude </a:t>
             </a:r>
             <a:r>
               <a:rPr lang="en-US" sz="800" dirty="0" err="1"/>
@@ -35142,17 +33691,8 @@
             </a:r>
             <a:r>
               <a:rPr lang="en-US" sz="800" dirty="0"/>
-              <a:t>, </a:t>
-            </a:r>
-            <a:r>
-              <a:rPr lang="en-US" sz="800" dirty="0"/>
-              <a:t>and Warren J. </a:t>
-            </a:r>
-            <a:r>
-              <a:rPr lang="en-US" sz="800" dirty="0"/>
-              <a:t>Gross</a:t>
-            </a:r>
-            <a:endParaRPr lang="en-US" sz="800" dirty="0"/>
+              <a:t>, and Warren J. Gross</a:t>
+            </a:r>
           </a:p>
           <a:p>
             <a:pPr marL="342900" lvl="0" indent="-342900" eaLnBrk="1" fontAlgn="auto" hangingPunct="1">
@@ -35199,7 +33739,7 @@
           </a:bodyPr>
           <a:lstStyle/>
           <a:p>
-            <a:endParaRPr lang="en-US" sz="1100" b="1" kern="900" spc="100" dirty="0" err="1" smtClean="0">
+            <a:endParaRPr lang="en-US" sz="1100" b="1" kern="900" spc="100" dirty="0" err="1">
               <a:solidFill>
                 <a:srgbClr val="000000"/>
               </a:solidFill>
@@ -35221,13 +33761,6 @@
   <p:clrMapOvr>
     <a:masterClrMapping/>
   </p:clrMapOvr>
-  <p:timing>
-    <p:tnLst>
-      <p:par>
-        <p:cTn id="1" dur="indefinite" restart="never" nodeType="tmRoot"/>
-      </p:par>
-    </p:tnLst>
-  </p:timing>
 </p:sld>
 </file>
 
@@ -35328,7 +33861,7 @@
               <a:buChar char="•"/>
             </a:pPr>
             <a:r>
-              <a:rPr lang="en-US" dirty="0" smtClean="0"/>
+              <a:rPr lang="en-US" dirty="0"/>
               <a:t>Performance bottleneck in modern processors is accessing main memory.</a:t>
             </a:r>
           </a:p>
@@ -35338,7 +33871,7 @@
               <a:buChar char="•"/>
             </a:pPr>
             <a:r>
-              <a:rPr lang="en-US" dirty="0" smtClean="0"/>
+              <a:rPr lang="en-US" dirty="0"/>
               <a:t>Modern processors come with faster memory called cache.</a:t>
             </a:r>
           </a:p>
@@ -35348,7 +33881,7 @@
               <a:buChar char="•"/>
             </a:pPr>
             <a:r>
-              <a:rPr lang="en-US" dirty="0" smtClean="0"/>
+              <a:rPr lang="en-US" dirty="0"/>
               <a:t>Caches reduce the average memory access latency.</a:t>
             </a:r>
           </a:p>
@@ -35358,7 +33891,7 @@
               <a:buChar char="•"/>
             </a:pPr>
             <a:r>
-              <a:rPr lang="en-US" dirty="0" smtClean="0"/>
+              <a:rPr lang="en-US" dirty="0"/>
               <a:t>Copy of frequently accessed data is stored in cache.</a:t>
             </a:r>
           </a:p>
@@ -35375,10 +33908,9 @@
               <a:buChar char="•"/>
             </a:pPr>
             <a:r>
-              <a:rPr lang="en-US" dirty="0" smtClean="0"/>
+              <a:rPr lang="en-US" dirty="0"/>
               <a:t>Data access latency of cache is negligible comparatively.</a:t>
             </a:r>
-            <a:endParaRPr lang="en-US" dirty="0"/>
           </a:p>
         </p:txBody>
       </p:sp>
@@ -35440,7 +33972,7 @@
           <a:lstStyle/>
           <a:p>
             <a:r>
-              <a:rPr lang="en-US" sz="1000" dirty="0" smtClean="0"/>
+              <a:rPr lang="en-US" sz="1000" dirty="0"/>
               <a:t>Reference: Ulrich </a:t>
             </a:r>
             <a:r>
@@ -35451,7 +33983,6 @@
               <a:rPr lang="en-US" sz="1000" dirty="0"/>
               <a:t>, “What Every Programmer Should Know About Memory.” Red Hat, Inc.</a:t>
             </a:r>
-            <a:endParaRPr lang="en-US" sz="1000" dirty="0"/>
           </a:p>
         </p:txBody>
       </p:sp>
@@ -35481,7 +34012,7 @@
           </a:bodyPr>
           <a:lstStyle/>
           <a:p>
-            <a:endParaRPr lang="en-US" sz="1100" b="1" kern="900" spc="100" dirty="0" err="1" smtClean="0">
+            <a:endParaRPr lang="en-US" sz="1100" b="1" kern="900" spc="100" dirty="0" err="1">
               <a:solidFill>
                 <a:srgbClr val="000000"/>
               </a:solidFill>
@@ -35503,13 +34034,6 @@
   <p:clrMapOvr>
     <a:masterClrMapping/>
   </p:clrMapOvr>
-  <p:timing>
-    <p:tnLst>
-      <p:par>
-        <p:cTn id="1" dur="indefinite" restart="never" nodeType="tmRoot"/>
-      </p:par>
-    </p:tnLst>
-  </p:timing>
 </p:sld>
 </file>
 
